--- a/EFWセキュリティ関連v0.2.pptx
+++ b/EFWセキュリティ関連v0.2.pptx
@@ -341,7 +341,7 @@
               <a:pPr>
                 <a:defRPr/>
               </a:pPr>
-              <a:t>2019/12/23</a:t>
+              <a:t>2022/7/25</a:t>
             </a:fld>
             <a:endParaRPr lang="en-US" altLang="ja-JP"/>
           </a:p>
@@ -643,7 +643,7 @@
               <a:pPr>
                 <a:defRPr/>
               </a:pPr>
-              <a:t>2019/12/23</a:t>
+              <a:t>2022/7/25</a:t>
             </a:fld>
             <a:endParaRPr lang="en-US" altLang="ja-JP"/>
           </a:p>
@@ -735,67 +735,67 @@
           <a:p>
             <a:pPr lvl="0"/>
             <a:r>
-              <a:rPr lang="ja-JP" altLang="en-US" noProof="0" smtClean="0"/>
+              <a:rPr lang="ja-JP" altLang="en-US" noProof="0"/>
               <a:t>マスター テキストの書式設定</a:t>
             </a:r>
           </a:p>
           <a:p>
             <a:pPr lvl="1"/>
             <a:r>
-              <a:rPr lang="ja-JP" altLang="en-US" noProof="0" smtClean="0"/>
+              <a:rPr lang="ja-JP" altLang="en-US" noProof="0"/>
               <a:t>第 </a:t>
             </a:r>
             <a:r>
-              <a:rPr lang="en-US" altLang="ja-JP" noProof="0" smtClean="0"/>
+              <a:rPr lang="en-US" altLang="ja-JP" noProof="0"/>
               <a:t>2 </a:t>
             </a:r>
             <a:r>
-              <a:rPr lang="ja-JP" altLang="en-US" noProof="0" smtClean="0"/>
+              <a:rPr lang="ja-JP" altLang="en-US" noProof="0"/>
               <a:t>レベル</a:t>
             </a:r>
           </a:p>
           <a:p>
             <a:pPr lvl="2"/>
             <a:r>
-              <a:rPr lang="ja-JP" altLang="en-US" noProof="0" smtClean="0"/>
+              <a:rPr lang="ja-JP" altLang="en-US" noProof="0"/>
               <a:t>第 </a:t>
             </a:r>
             <a:r>
-              <a:rPr lang="en-US" altLang="ja-JP" noProof="0" smtClean="0"/>
+              <a:rPr lang="en-US" altLang="ja-JP" noProof="0"/>
               <a:t>3 </a:t>
             </a:r>
             <a:r>
-              <a:rPr lang="ja-JP" altLang="en-US" noProof="0" smtClean="0"/>
+              <a:rPr lang="ja-JP" altLang="en-US" noProof="0"/>
               <a:t>レベル</a:t>
             </a:r>
           </a:p>
           <a:p>
             <a:pPr lvl="3"/>
             <a:r>
-              <a:rPr lang="ja-JP" altLang="en-US" noProof="0" smtClean="0"/>
+              <a:rPr lang="ja-JP" altLang="en-US" noProof="0"/>
               <a:t>第 </a:t>
             </a:r>
             <a:r>
-              <a:rPr lang="en-US" altLang="ja-JP" noProof="0" smtClean="0"/>
+              <a:rPr lang="en-US" altLang="ja-JP" noProof="0"/>
               <a:t>4 </a:t>
             </a:r>
             <a:r>
-              <a:rPr lang="ja-JP" altLang="en-US" noProof="0" smtClean="0"/>
+              <a:rPr lang="ja-JP" altLang="en-US" noProof="0"/>
               <a:t>レベル</a:t>
             </a:r>
           </a:p>
           <a:p>
             <a:pPr lvl="4"/>
             <a:r>
-              <a:rPr lang="ja-JP" altLang="en-US" noProof="0" smtClean="0"/>
+              <a:rPr lang="ja-JP" altLang="en-US" noProof="0"/>
               <a:t>第 </a:t>
             </a:r>
             <a:r>
-              <a:rPr lang="en-US" altLang="ja-JP" noProof="0" smtClean="0"/>
+              <a:rPr lang="en-US" altLang="ja-JP" noProof="0"/>
               <a:t>5 </a:t>
             </a:r>
             <a:r>
-              <a:rPr lang="ja-JP" altLang="en-US" noProof="0" smtClean="0"/>
+              <a:rPr lang="ja-JP" altLang="en-US" noProof="0"/>
               <a:t>レベル</a:t>
             </a:r>
           </a:p>
@@ -1141,7 +1141,7 @@
                 <a:spcPct val="0"/>
               </a:spcBef>
             </a:pPr>
-            <a:endParaRPr lang="ja-JP" altLang="en-US" sz="1800" dirty="0" smtClean="0"/>
+            <a:endParaRPr lang="ja-JP" altLang="en-US" sz="1800" dirty="0"/>
           </a:p>
         </p:txBody>
       </p:sp>
@@ -1410,7 +1410,7 @@
           <a:bodyPr/>
           <a:lstStyle/>
           <a:p>
-            <a:endParaRPr lang="ja-JP" altLang="en-US" dirty="0" smtClean="0"/>
+            <a:endParaRPr lang="ja-JP" altLang="en-US" dirty="0"/>
           </a:p>
         </p:txBody>
       </p:sp>
@@ -1679,7 +1679,7 @@
           <a:bodyPr/>
           <a:lstStyle/>
           <a:p>
-            <a:endParaRPr lang="ja-JP" altLang="en-US" smtClean="0"/>
+            <a:endParaRPr lang="ja-JP" altLang="en-US"/>
           </a:p>
         </p:txBody>
       </p:sp>
@@ -1948,7 +1948,7 @@
           <a:bodyPr/>
           <a:lstStyle/>
           <a:p>
-            <a:endParaRPr lang="ja-JP" altLang="en-US" dirty="0" smtClean="0"/>
+            <a:endParaRPr lang="ja-JP" altLang="en-US" dirty="0"/>
           </a:p>
         </p:txBody>
       </p:sp>
@@ -2217,7 +2217,7 @@
           <a:bodyPr/>
           <a:lstStyle/>
           <a:p>
-            <a:endParaRPr lang="ja-JP" altLang="en-US" dirty="0" smtClean="0"/>
+            <a:endParaRPr lang="ja-JP" altLang="en-US" dirty="0"/>
           </a:p>
         </p:txBody>
       </p:sp>
@@ -2486,7 +2486,7 @@
           <a:bodyPr/>
           <a:lstStyle/>
           <a:p>
-            <a:endParaRPr lang="ja-JP" altLang="en-US" dirty="0" smtClean="0"/>
+            <a:endParaRPr lang="ja-JP" altLang="en-US" dirty="0"/>
           </a:p>
         </p:txBody>
       </p:sp>
@@ -2755,7 +2755,7 @@
           <a:bodyPr/>
           <a:lstStyle/>
           <a:p>
-            <a:endParaRPr lang="ja-JP" altLang="en-US" smtClean="0"/>
+            <a:endParaRPr lang="ja-JP" altLang="en-US"/>
           </a:p>
         </p:txBody>
       </p:sp>
@@ -3024,7 +3024,7 @@
           <a:bodyPr/>
           <a:lstStyle/>
           <a:p>
-            <a:endParaRPr lang="ja-JP" altLang="en-US" smtClean="0"/>
+            <a:endParaRPr lang="ja-JP" altLang="en-US"/>
           </a:p>
         </p:txBody>
       </p:sp>
@@ -3293,7 +3293,7 @@
           <a:bodyPr/>
           <a:lstStyle/>
           <a:p>
-            <a:endParaRPr lang="ja-JP" altLang="en-US" dirty="0" smtClean="0"/>
+            <a:endParaRPr lang="ja-JP" altLang="en-US" dirty="0"/>
           </a:p>
         </p:txBody>
       </p:sp>
@@ -3562,7 +3562,7 @@
           <a:bodyPr/>
           <a:lstStyle/>
           <a:p>
-            <a:endParaRPr lang="ja-JP" altLang="en-US" dirty="0" smtClean="0"/>
+            <a:endParaRPr lang="ja-JP" altLang="en-US" dirty="0"/>
           </a:p>
         </p:txBody>
       </p:sp>
@@ -3831,7 +3831,7 @@
           <a:bodyPr/>
           <a:lstStyle/>
           <a:p>
-            <a:endParaRPr lang="ja-JP" altLang="en-US" dirty="0" smtClean="0"/>
+            <a:endParaRPr lang="ja-JP" altLang="en-US" dirty="0"/>
           </a:p>
         </p:txBody>
       </p:sp>
@@ -4100,7 +4100,7 @@
           <a:bodyPr/>
           <a:lstStyle/>
           <a:p>
-            <a:endParaRPr lang="ja-JP" altLang="en-US" smtClean="0"/>
+            <a:endParaRPr lang="ja-JP" altLang="en-US"/>
           </a:p>
         </p:txBody>
       </p:sp>
@@ -4369,7 +4369,7 @@
           <a:bodyPr/>
           <a:lstStyle/>
           <a:p>
-            <a:endParaRPr lang="ja-JP" altLang="en-US" dirty="0" smtClean="0"/>
+            <a:endParaRPr lang="ja-JP" altLang="en-US" dirty="0"/>
           </a:p>
         </p:txBody>
       </p:sp>
@@ -4638,7 +4638,7 @@
           <a:bodyPr/>
           <a:lstStyle/>
           <a:p>
-            <a:endParaRPr lang="ja-JP" altLang="en-US" dirty="0" smtClean="0"/>
+            <a:endParaRPr lang="ja-JP" altLang="en-US" dirty="0"/>
           </a:p>
         </p:txBody>
       </p:sp>
@@ -5058,14 +5058,14 @@
               <a:defRPr/>
             </a:pPr>
             <a:r>
-              <a:rPr lang="en-US" altLang="ja-JP" sz="1400" b="1" dirty="0" smtClean="0">
+              <a:rPr lang="en-US" altLang="ja-JP" sz="1400" b="1" dirty="0">
                 <a:solidFill>
                   <a:srgbClr val="C00000"/>
                 </a:solidFill>
               </a:rPr>
               <a:t>EFW MAKE IT EASY</a:t>
             </a:r>
-            <a:endParaRPr lang="ja-JP" altLang="en-US" sz="1400" b="1" dirty="0" smtClean="0">
+            <a:endParaRPr lang="ja-JP" altLang="en-US" sz="1400" b="1" dirty="0">
               <a:solidFill>
                 <a:srgbClr val="C00000"/>
               </a:solidFill>
@@ -5160,10 +5160,9 @@
           </a:lstStyle>
           <a:p>
             <a:r>
-              <a:rPr lang="ja-JP" altLang="en-US" smtClean="0"/>
+              <a:rPr lang="ja-JP" altLang="en-US"/>
               <a:t>マスター タイトルの書式設定</a:t>
             </a:r>
-            <a:endParaRPr lang="ja-JP" altLang="en-US"/>
           </a:p>
         </p:txBody>
       </p:sp>
@@ -5222,70 +5221,69 @@
           <a:p>
             <a:pPr lvl="0"/>
             <a:r>
-              <a:rPr lang="ja-JP" altLang="en-US" smtClean="0"/>
+              <a:rPr lang="ja-JP" altLang="en-US"/>
               <a:t>マスター テキストの書式設定</a:t>
             </a:r>
           </a:p>
           <a:p>
             <a:pPr lvl="1"/>
             <a:r>
-              <a:rPr lang="ja-JP" altLang="en-US" smtClean="0"/>
+              <a:rPr lang="ja-JP" altLang="en-US"/>
               <a:t>第 </a:t>
             </a:r>
             <a:r>
-              <a:rPr lang="en-US" altLang="ja-JP" smtClean="0"/>
+              <a:rPr lang="en-US" altLang="ja-JP"/>
               <a:t>2 </a:t>
             </a:r>
             <a:r>
-              <a:rPr lang="ja-JP" altLang="en-US" smtClean="0"/>
+              <a:rPr lang="ja-JP" altLang="en-US"/>
               <a:t>レベル</a:t>
             </a:r>
           </a:p>
           <a:p>
             <a:pPr lvl="2"/>
             <a:r>
-              <a:rPr lang="ja-JP" altLang="en-US" smtClean="0"/>
+              <a:rPr lang="ja-JP" altLang="en-US"/>
               <a:t>第 </a:t>
             </a:r>
             <a:r>
-              <a:rPr lang="en-US" altLang="ja-JP" smtClean="0"/>
+              <a:rPr lang="en-US" altLang="ja-JP"/>
               <a:t>3 </a:t>
             </a:r>
             <a:r>
-              <a:rPr lang="ja-JP" altLang="en-US" smtClean="0"/>
+              <a:rPr lang="ja-JP" altLang="en-US"/>
               <a:t>レベル</a:t>
             </a:r>
           </a:p>
           <a:p>
             <a:pPr lvl="3"/>
             <a:r>
-              <a:rPr lang="ja-JP" altLang="en-US" smtClean="0"/>
+              <a:rPr lang="ja-JP" altLang="en-US"/>
               <a:t>第 </a:t>
             </a:r>
             <a:r>
-              <a:rPr lang="en-US" altLang="ja-JP" smtClean="0"/>
+              <a:rPr lang="en-US" altLang="ja-JP"/>
               <a:t>4 </a:t>
             </a:r>
             <a:r>
-              <a:rPr lang="ja-JP" altLang="en-US" smtClean="0"/>
+              <a:rPr lang="ja-JP" altLang="en-US"/>
               <a:t>レベル</a:t>
             </a:r>
           </a:p>
           <a:p>
             <a:pPr lvl="4"/>
             <a:r>
-              <a:rPr lang="ja-JP" altLang="en-US" smtClean="0"/>
+              <a:rPr lang="ja-JP" altLang="en-US"/>
               <a:t>第 </a:t>
             </a:r>
             <a:r>
-              <a:rPr lang="en-US" altLang="ja-JP" smtClean="0"/>
+              <a:rPr lang="en-US" altLang="ja-JP"/>
               <a:t>5 </a:t>
             </a:r>
             <a:r>
-              <a:rPr lang="ja-JP" altLang="en-US" smtClean="0"/>
+              <a:rPr lang="ja-JP" altLang="en-US"/>
               <a:t>レベル</a:t>
             </a:r>
-            <a:endParaRPr lang="ja-JP" altLang="en-US"/>
           </a:p>
         </p:txBody>
       </p:sp>
@@ -5332,13 +5330,6 @@
   <p:clrMapOvr>
     <a:masterClrMapping/>
   </p:clrMapOvr>
-  <p:timing>
-    <p:tnLst>
-      <p:par>
-        <p:cTn id="1" dur="indefinite" restart="never" nodeType="tmRoot"/>
-      </p:par>
-    </p:tnLst>
-  </p:timing>
 </p:sldLayout>
 </file>
 
@@ -5419,7 +5410,7 @@
           <a:p>
             <a:pPr lvl="0"/>
             <a:r>
-              <a:rPr lang="ja-JP" altLang="en-US" smtClean="0"/>
+              <a:rPr lang="ja-JP" altLang="en-US"/>
               <a:t>マスター タイトルの書式設定</a:t>
             </a:r>
           </a:p>
@@ -5477,67 +5468,67 @@
           <a:p>
             <a:pPr lvl="0"/>
             <a:r>
-              <a:rPr lang="ja-JP" altLang="en-US" smtClean="0"/>
+              <a:rPr lang="ja-JP" altLang="en-US"/>
               <a:t>マスター テキストの書式設定</a:t>
             </a:r>
           </a:p>
           <a:p>
             <a:pPr lvl="1"/>
             <a:r>
-              <a:rPr lang="ja-JP" altLang="en-US" smtClean="0"/>
+              <a:rPr lang="ja-JP" altLang="en-US"/>
               <a:t>第 </a:t>
             </a:r>
             <a:r>
-              <a:rPr lang="en-US" altLang="ja-JP" smtClean="0"/>
+              <a:rPr lang="en-US" altLang="ja-JP"/>
               <a:t>2 </a:t>
             </a:r>
             <a:r>
-              <a:rPr lang="ja-JP" altLang="en-US" smtClean="0"/>
+              <a:rPr lang="ja-JP" altLang="en-US"/>
               <a:t>レベル</a:t>
             </a:r>
           </a:p>
           <a:p>
             <a:pPr lvl="2"/>
             <a:r>
-              <a:rPr lang="ja-JP" altLang="en-US" smtClean="0"/>
+              <a:rPr lang="ja-JP" altLang="en-US"/>
               <a:t>第 </a:t>
             </a:r>
             <a:r>
-              <a:rPr lang="en-US" altLang="ja-JP" smtClean="0"/>
+              <a:rPr lang="en-US" altLang="ja-JP"/>
               <a:t>3 </a:t>
             </a:r>
             <a:r>
-              <a:rPr lang="ja-JP" altLang="en-US" smtClean="0"/>
+              <a:rPr lang="ja-JP" altLang="en-US"/>
               <a:t>レベル</a:t>
             </a:r>
           </a:p>
           <a:p>
             <a:pPr lvl="3"/>
             <a:r>
-              <a:rPr lang="ja-JP" altLang="en-US" smtClean="0"/>
+              <a:rPr lang="ja-JP" altLang="en-US"/>
               <a:t>第 </a:t>
             </a:r>
             <a:r>
-              <a:rPr lang="en-US" altLang="ja-JP" smtClean="0"/>
+              <a:rPr lang="en-US" altLang="ja-JP"/>
               <a:t>4 </a:t>
             </a:r>
             <a:r>
-              <a:rPr lang="ja-JP" altLang="en-US" smtClean="0"/>
+              <a:rPr lang="ja-JP" altLang="en-US"/>
               <a:t>レベル</a:t>
             </a:r>
           </a:p>
           <a:p>
             <a:pPr lvl="4"/>
             <a:r>
-              <a:rPr lang="ja-JP" altLang="en-US" smtClean="0"/>
+              <a:rPr lang="ja-JP" altLang="en-US"/>
               <a:t>第 </a:t>
             </a:r>
             <a:r>
-              <a:rPr lang="en-US" altLang="ja-JP" smtClean="0"/>
+              <a:rPr lang="en-US" altLang="ja-JP"/>
               <a:t>5 </a:t>
             </a:r>
             <a:r>
-              <a:rPr lang="ja-JP" altLang="en-US" smtClean="0"/>
+              <a:rPr lang="ja-JP" altLang="en-US"/>
               <a:t>レベル</a:t>
             </a:r>
           </a:p>
@@ -5599,13 +5590,6 @@
   <p:sldLayoutIdLst>
     <p:sldLayoutId id="2147483814" r:id="rId1"/>
   </p:sldLayoutIdLst>
-  <p:timing>
-    <p:tnLst>
-      <p:par>
-        <p:cTn id="1" dur="indefinite" restart="never" nodeType="tmRoot"/>
-      </p:par>
-    </p:tnLst>
-  </p:timing>
   <p:hf hdr="0" ftr="0" dt="0"/>
   <p:txStyles>
     <p:titleStyle>
@@ -6200,7 +6184,7 @@
           </a:lstStyle>
           <a:p>
             <a:r>
-              <a:rPr lang="en-US" altLang="ja-JP" sz="3600" dirty="0" smtClean="0">
+              <a:rPr lang="en-US" altLang="ja-JP" sz="3600" dirty="0">
                 <a:latin typeface="Meiryo UI" pitchFamily="50" charset="-128"/>
                 <a:ea typeface="Meiryo UI" pitchFamily="50" charset="-128"/>
                 <a:cs typeface="Meiryo UI" pitchFamily="50" charset="-128"/>
@@ -6208,14 +6192,14 @@
               <a:t>E-FW</a:t>
             </a:r>
             <a:r>
-              <a:rPr lang="ja-JP" altLang="en-US" sz="3600" dirty="0" smtClean="0">
+              <a:rPr lang="ja-JP" altLang="en-US" sz="3600" dirty="0">
                 <a:latin typeface="Meiryo UI" pitchFamily="50" charset="-128"/>
                 <a:ea typeface="Meiryo UI" pitchFamily="50" charset="-128"/>
                 <a:cs typeface="Meiryo UI" pitchFamily="50" charset="-128"/>
               </a:rPr>
               <a:t>セキュリティ関連</a:t>
             </a:r>
-            <a:endParaRPr lang="en-US" altLang="ja-JP" sz="3600" dirty="0" smtClean="0">
+            <a:endParaRPr lang="en-US" altLang="ja-JP" sz="3600" dirty="0">
               <a:latin typeface="Meiryo UI" pitchFamily="50" charset="-128"/>
               <a:ea typeface="Meiryo UI" pitchFamily="50" charset="-128"/>
               <a:cs typeface="Meiryo UI" pitchFamily="50" charset="-128"/>
@@ -6223,18 +6207,13 @@
           </a:p>
           <a:p>
             <a:r>
-              <a:rPr lang="en-US" altLang="ja-JP" sz="1400" dirty="0" smtClean="0">
+              <a:rPr lang="en-US" altLang="ja-JP" sz="1400" dirty="0">
                 <a:latin typeface="Meiryo UI" pitchFamily="50" charset="-128"/>
                 <a:ea typeface="Meiryo UI" pitchFamily="50" charset="-128"/>
                 <a:cs typeface="Meiryo UI" pitchFamily="50" charset="-128"/>
               </a:rPr>
               <a:t>V0.2</a:t>
             </a:r>
-            <a:endParaRPr lang="en-US" altLang="ja-JP" sz="1400" dirty="0" smtClean="0">
-              <a:latin typeface="Meiryo UI" pitchFamily="50" charset="-128"/>
-              <a:ea typeface="Meiryo UI" pitchFamily="50" charset="-128"/>
-              <a:cs typeface="Meiryo UI" pitchFamily="50" charset="-128"/>
-            </a:endParaRPr>
           </a:p>
         </p:txBody>
       </p:sp>
@@ -6451,7 +6430,7 @@
               <a:buNone/>
             </a:pPr>
             <a:r>
-              <a:rPr lang="en-US" altLang="ja-JP" sz="2400" dirty="0" smtClean="0">
+              <a:rPr lang="en-US" altLang="ja-JP" sz="2400" dirty="0">
                 <a:latin typeface="Meiryo UI" panose="020B0604030504040204" pitchFamily="50" charset="-128"/>
                 <a:ea typeface="Meiryo UI" panose="020B0604030504040204" pitchFamily="50" charset="-128"/>
                 <a:cs typeface="Meiryo UI" panose="020B0604030504040204" pitchFamily="50" charset="-128"/>
@@ -6471,13 +6450,6 @@
   <p:clrMapOvr>
     <a:masterClrMapping/>
   </p:clrMapOvr>
-  <p:timing>
-    <p:tnLst>
-      <p:par>
-        <p:cTn id="1" dur="indefinite" restart="never" nodeType="tmRoot"/>
-      </p:par>
-    </p:tnLst>
-  </p:timing>
 </p:sld>
 </file>
 
@@ -6685,7 +6657,7 @@
               <a:buNone/>
             </a:pPr>
             <a:r>
-              <a:rPr lang="ja-JP" altLang="en-US" sz="2000" dirty="0" smtClean="0">
+              <a:rPr lang="ja-JP" altLang="en-US" sz="2000" dirty="0">
                 <a:latin typeface="Meiryo UI" pitchFamily="50" charset="-128"/>
                 <a:ea typeface="Meiryo UI" pitchFamily="50" charset="-128"/>
                 <a:cs typeface="Meiryo UI" pitchFamily="50" charset="-128"/>
@@ -6693,7 +6665,7 @@
               <a:t>管理者のみ閲覧可能な画面・操作できるイベントを、プロパティファイル設定で自動的にロールチェックを行う仕組みがある。一般ユーザが管理者専用画面アドレスを</a:t>
             </a:r>
             <a:r>
-              <a:rPr lang="en-US" altLang="ja-JP" sz="2000" dirty="0" smtClean="0">
+              <a:rPr lang="en-US" altLang="ja-JP" sz="2000" dirty="0">
                 <a:latin typeface="Meiryo UI" pitchFamily="50" charset="-128"/>
                 <a:ea typeface="Meiryo UI" pitchFamily="50" charset="-128"/>
                 <a:cs typeface="Meiryo UI" pitchFamily="50" charset="-128"/>
@@ -6701,7 +6673,7 @@
               <a:t>URL</a:t>
             </a:r>
             <a:r>
-              <a:rPr lang="ja-JP" altLang="en-US" sz="2000" dirty="0" smtClean="0">
+              <a:rPr lang="ja-JP" altLang="en-US" sz="2000" dirty="0">
                 <a:latin typeface="Meiryo UI" pitchFamily="50" charset="-128"/>
                 <a:ea typeface="Meiryo UI" pitchFamily="50" charset="-128"/>
                 <a:cs typeface="Meiryo UI" pitchFamily="50" charset="-128"/>
@@ -6772,7 +6744,7 @@
               </a:spcBef>
             </a:pPr>
             <a:r>
-              <a:rPr lang="ja-JP" altLang="en-US" sz="2800" dirty="0" smtClean="0">
+              <a:rPr lang="ja-JP" altLang="en-US" sz="2800" dirty="0">
                 <a:solidFill>
                   <a:schemeClr val="tx2"/>
                 </a:solidFill>
@@ -6780,38 +6752,8 @@
                 <a:ea typeface="Meiryo UI" pitchFamily="50" charset="-128"/>
                 <a:cs typeface="Meiryo UI" pitchFamily="50" charset="-128"/>
               </a:rPr>
-              <a:t>２ー３．</a:t>
-            </a:r>
-            <a:r>
-              <a:rPr lang="ja-JP" altLang="en-US" sz="2800" dirty="0">
-                <a:solidFill>
-                  <a:schemeClr val="tx2"/>
-                </a:solidFill>
-                <a:latin typeface="Meiryo UI" pitchFamily="50" charset="-128"/>
-                <a:ea typeface="Meiryo UI" pitchFamily="50" charset="-128"/>
-                <a:cs typeface="Meiryo UI" pitchFamily="50" charset="-128"/>
-              </a:rPr>
-              <a:t>ロールチェックの</a:t>
-            </a:r>
-            <a:r>
-              <a:rPr lang="ja-JP" altLang="en-US" sz="2800" dirty="0" smtClean="0">
-                <a:solidFill>
-                  <a:schemeClr val="tx2"/>
-                </a:solidFill>
-                <a:latin typeface="Meiryo UI" pitchFamily="50" charset="-128"/>
-                <a:ea typeface="Meiryo UI" pitchFamily="50" charset="-128"/>
-                <a:cs typeface="Meiryo UI" pitchFamily="50" charset="-128"/>
-              </a:rPr>
-              <a:t>仕組み</a:t>
-            </a:r>
-            <a:endParaRPr lang="ja-JP" altLang="en-US" sz="2800" dirty="0">
-              <a:solidFill>
-                <a:schemeClr val="tx2"/>
-              </a:solidFill>
-              <a:latin typeface="Meiryo UI" pitchFamily="50" charset="-128"/>
-              <a:ea typeface="Meiryo UI" pitchFamily="50" charset="-128"/>
-              <a:cs typeface="Meiryo UI" pitchFamily="50" charset="-128"/>
-            </a:endParaRPr>
+              <a:t>２ー３．ロールチェックの仕組み</a:t>
+            </a:r>
           </a:p>
         </p:txBody>
       </p:sp>
@@ -7171,10 +7113,12 @@
                 <a:ea typeface="Meiryo UI" panose="020B0604030504040204" pitchFamily="50" charset="-128"/>
                 <a:cs typeface="Meiryo UI" panose="020B0604030504040204" pitchFamily="50" charset="-128"/>
               </a:rPr>
-              <a:t> check</a:t>
-            </a:r>
-            <a:r>
-              <a:rPr lang="en-US" altLang="ja-JP" sz="1400" dirty="0" smtClean="0">
+              <a:t> check##########################################</a:t>
+            </a:r>
+          </a:p>
+          <a:p>
+            <a:r>
+              <a:rPr lang="en-US" altLang="ja-JP" sz="1400" dirty="0">
                 <a:solidFill>
                   <a:schemeClr val="bg1"/>
                 </a:solidFill>
@@ -7182,7 +7126,18 @@
                 <a:ea typeface="Meiryo UI" panose="020B0604030504040204" pitchFamily="50" charset="-128"/>
                 <a:cs typeface="Meiryo UI" panose="020B0604030504040204" pitchFamily="50" charset="-128"/>
               </a:rPr>
-              <a:t>##########################################</a:t>
+              <a:t>#The flag to check </a:t>
+            </a:r>
+            <a:r>
+              <a:rPr lang="en-US" altLang="ja-JP" sz="1400" dirty="0" err="1">
+                <a:solidFill>
+                  <a:schemeClr val="bg1"/>
+                </a:solidFill>
+                <a:latin typeface="Meiryo UI" panose="020B0604030504040204" pitchFamily="50" charset="-128"/>
+                <a:ea typeface="Meiryo UI" panose="020B0604030504040204" pitchFamily="50" charset="-128"/>
+                <a:cs typeface="Meiryo UI" panose="020B0604030504040204" pitchFamily="50" charset="-128"/>
+              </a:rPr>
+              <a:t>auth</a:t>
             </a:r>
             <a:endParaRPr lang="en-US" altLang="ja-JP" sz="1400" dirty="0">
               <a:solidFill>
@@ -7195,7 +7150,7 @@
           </a:p>
           <a:p>
             <a:r>
-              <a:rPr lang="en-US" altLang="ja-JP" sz="1400" dirty="0">
+              <a:rPr lang="en-US" altLang="ja-JP" sz="1400" dirty="0" err="1">
                 <a:solidFill>
                   <a:schemeClr val="bg1"/>
                 </a:solidFill>
@@ -7203,10 +7158,10 @@
                 <a:ea typeface="Meiryo UI" panose="020B0604030504040204" pitchFamily="50" charset="-128"/>
                 <a:cs typeface="Meiryo UI" panose="020B0604030504040204" pitchFamily="50" charset="-128"/>
               </a:rPr>
-              <a:t>#The flag to check </a:t>
-            </a:r>
-            <a:r>
-              <a:rPr lang="en-US" altLang="ja-JP" sz="1400" dirty="0" err="1">
+              <a:t>efw.auth.check</a:t>
+            </a:r>
+            <a:r>
+              <a:rPr lang="en-US" altLang="ja-JP" sz="1400" dirty="0">
                 <a:solidFill>
                   <a:schemeClr val="bg1"/>
                 </a:solidFill>
@@ -7214,7 +7169,20 @@
                 <a:ea typeface="Meiryo UI" panose="020B0604030504040204" pitchFamily="50" charset="-128"/>
                 <a:cs typeface="Meiryo UI" panose="020B0604030504040204" pitchFamily="50" charset="-128"/>
               </a:rPr>
-              <a:t>auth</a:t>
+              <a:t> = true</a:t>
+            </a:r>
+          </a:p>
+          <a:p>
+            <a:r>
+              <a:rPr lang="ja-JP" altLang="en-US" sz="1400" dirty="0">
+                <a:solidFill>
+                  <a:schemeClr val="bg1"/>
+                </a:solidFill>
+                <a:latin typeface="Meiryo UI" panose="020B0604030504040204" pitchFamily="50" charset="-128"/>
+                <a:ea typeface="Meiryo UI" panose="020B0604030504040204" pitchFamily="50" charset="-128"/>
+                <a:cs typeface="Meiryo UI" panose="020B0604030504040204" pitchFamily="50" charset="-128"/>
+              </a:rPr>
+              <a:t>・・・</a:t>
             </a:r>
             <a:endParaRPr lang="en-US" altLang="ja-JP" sz="1400" dirty="0">
               <a:solidFill>
@@ -7227,7 +7195,7 @@
           </a:p>
           <a:p>
             <a:r>
-              <a:rPr lang="en-US" altLang="ja-JP" sz="1400" dirty="0" err="1" smtClean="0">
+              <a:rPr lang="en-US" altLang="ja-JP" sz="1400" dirty="0">
                 <a:solidFill>
                   <a:schemeClr val="bg1"/>
                 </a:solidFill>
@@ -7235,10 +7203,10 @@
                 <a:ea typeface="Meiryo UI" panose="020B0604030504040204" pitchFamily="50" charset="-128"/>
                 <a:cs typeface="Meiryo UI" panose="020B0604030504040204" pitchFamily="50" charset="-128"/>
               </a:rPr>
-              <a:t>efw.auth.check</a:t>
-            </a:r>
-            <a:r>
-              <a:rPr lang="en-US" altLang="ja-JP" sz="1400" dirty="0" smtClean="0">
+              <a:t>#All cases of </a:t>
+            </a:r>
+            <a:r>
+              <a:rPr lang="en-US" altLang="ja-JP" sz="1400" dirty="0" err="1">
                 <a:solidFill>
                   <a:schemeClr val="bg1"/>
                 </a:solidFill>
@@ -7246,7 +7214,7 @@
                 <a:ea typeface="Meiryo UI" panose="020B0604030504040204" pitchFamily="50" charset="-128"/>
                 <a:cs typeface="Meiryo UI" panose="020B0604030504040204" pitchFamily="50" charset="-128"/>
               </a:rPr>
-              <a:t> </a:t>
+              <a:t>auth</a:t>
             </a:r>
             <a:r>
               <a:rPr lang="en-US" altLang="ja-JP" sz="1400" dirty="0">
@@ -7257,10 +7225,12 @@
                 <a:ea typeface="Meiryo UI" panose="020B0604030504040204" pitchFamily="50" charset="-128"/>
                 <a:cs typeface="Meiryo UI" panose="020B0604030504040204" pitchFamily="50" charset="-128"/>
               </a:rPr>
-              <a:t>= </a:t>
-            </a:r>
-            <a:r>
-              <a:rPr lang="en-US" altLang="ja-JP" sz="1400" dirty="0" smtClean="0">
+              <a:t> checking</a:t>
+            </a:r>
+          </a:p>
+          <a:p>
+            <a:r>
+              <a:rPr lang="en-US" altLang="ja-JP" sz="1400" dirty="0" err="1">
                 <a:solidFill>
                   <a:schemeClr val="bg1"/>
                 </a:solidFill>
@@ -7268,7 +7238,29 @@
                 <a:ea typeface="Meiryo UI" panose="020B0604030504040204" pitchFamily="50" charset="-128"/>
                 <a:cs typeface="Meiryo UI" panose="020B0604030504040204" pitchFamily="50" charset="-128"/>
               </a:rPr>
-              <a:t>true</a:t>
+              <a:t>efw.auth.cases</a:t>
+            </a:r>
+            <a:r>
+              <a:rPr lang="en-US" altLang="ja-JP" sz="1400" dirty="0">
+                <a:solidFill>
+                  <a:schemeClr val="bg1"/>
+                </a:solidFill>
+                <a:latin typeface="Meiryo UI" panose="020B0604030504040204" pitchFamily="50" charset="-128"/>
+                <a:ea typeface="Meiryo UI" panose="020B0604030504040204" pitchFamily="50" charset="-128"/>
+                <a:cs typeface="Meiryo UI" panose="020B0604030504040204" pitchFamily="50" charset="-128"/>
+              </a:rPr>
+              <a:t> = </a:t>
+            </a:r>
+            <a:r>
+              <a:rPr lang="en-US" altLang="ja-JP" sz="1400" dirty="0" err="1">
+                <a:solidFill>
+                  <a:schemeClr val="bg1"/>
+                </a:solidFill>
+                <a:latin typeface="Meiryo UI" panose="020B0604030504040204" pitchFamily="50" charset="-128"/>
+                <a:ea typeface="Meiryo UI" panose="020B0604030504040204" pitchFamily="50" charset="-128"/>
+                <a:cs typeface="Meiryo UI" panose="020B0604030504040204" pitchFamily="50" charset="-128"/>
+              </a:rPr>
+              <a:t>admin,user</a:t>
             </a:r>
             <a:endParaRPr lang="en-US" altLang="ja-JP" sz="1400" dirty="0">
               <a:solidFill>
@@ -7280,28 +7272,6 @@
             </a:endParaRPr>
           </a:p>
           <a:p>
-            <a:r>
-              <a:rPr lang="ja-JP" altLang="en-US" sz="1400" dirty="0" smtClean="0">
-                <a:solidFill>
-                  <a:schemeClr val="bg1"/>
-                </a:solidFill>
-                <a:latin typeface="Meiryo UI" panose="020B0604030504040204" pitchFamily="50" charset="-128"/>
-                <a:ea typeface="Meiryo UI" panose="020B0604030504040204" pitchFamily="50" charset="-128"/>
-                <a:cs typeface="Meiryo UI" panose="020B0604030504040204" pitchFamily="50" charset="-128"/>
-              </a:rPr>
-              <a:t>・・</a:t>
-            </a:r>
-            <a:r>
-              <a:rPr lang="ja-JP" altLang="en-US" sz="1400" dirty="0">
-                <a:solidFill>
-                  <a:schemeClr val="bg1"/>
-                </a:solidFill>
-                <a:latin typeface="Meiryo UI" panose="020B0604030504040204" pitchFamily="50" charset="-128"/>
-                <a:ea typeface="Meiryo UI" panose="020B0604030504040204" pitchFamily="50" charset="-128"/>
-                <a:cs typeface="Meiryo UI" panose="020B0604030504040204" pitchFamily="50" charset="-128"/>
-              </a:rPr>
-              <a:t>・</a:t>
-            </a:r>
             <a:endParaRPr lang="en-US" altLang="ja-JP" sz="1400" dirty="0">
               <a:solidFill>
                 <a:schemeClr val="bg1"/>
@@ -7313,7 +7283,7 @@
           </a:p>
           <a:p>
             <a:r>
-              <a:rPr lang="en-US" altLang="ja-JP" sz="1400" dirty="0" smtClean="0">
+              <a:rPr lang="en-US" altLang="ja-JP" sz="1400" dirty="0">
                 <a:solidFill>
                   <a:schemeClr val="bg1"/>
                 </a:solidFill>
@@ -7321,10 +7291,12 @@
                 <a:ea typeface="Meiryo UI" panose="020B0604030504040204" pitchFamily="50" charset="-128"/>
                 <a:cs typeface="Meiryo UI" panose="020B0604030504040204" pitchFamily="50" charset="-128"/>
               </a:rPr>
-              <a:t>#</a:t>
-            </a:r>
-            <a:r>
-              <a:rPr lang="en-US" altLang="ja-JP" sz="1400" dirty="0">
+              <a:t>#Define cases one by one</a:t>
+            </a:r>
+          </a:p>
+          <a:p>
+            <a:r>
+              <a:rPr lang="en-US" altLang="ja-JP" sz="1400" dirty="0" err="1">
                 <a:solidFill>
                   <a:schemeClr val="bg1"/>
                 </a:solidFill>
@@ -7332,10 +7304,10 @@
                 <a:ea typeface="Meiryo UI" panose="020B0604030504040204" pitchFamily="50" charset="-128"/>
                 <a:cs typeface="Meiryo UI" panose="020B0604030504040204" pitchFamily="50" charset="-128"/>
               </a:rPr>
-              <a:t>All cases of </a:t>
-            </a:r>
-            <a:r>
-              <a:rPr lang="en-US" altLang="ja-JP" sz="1400" dirty="0" err="1">
+              <a:t>admin.auth.pattern</a:t>
+            </a:r>
+            <a:r>
+              <a:rPr lang="en-US" altLang="ja-JP" sz="1400" dirty="0">
                 <a:solidFill>
                   <a:schemeClr val="bg1"/>
                 </a:solidFill>
@@ -7343,10 +7315,12 @@
                 <a:ea typeface="Meiryo UI" panose="020B0604030504040204" pitchFamily="50" charset="-128"/>
                 <a:cs typeface="Meiryo UI" panose="020B0604030504040204" pitchFamily="50" charset="-128"/>
               </a:rPr>
-              <a:t>auth</a:t>
-            </a:r>
-            <a:r>
-              <a:rPr lang="en-US" altLang="ja-JP" sz="1400" dirty="0">
+              <a:t> = ^admin.*$</a:t>
+            </a:r>
+          </a:p>
+          <a:p>
+            <a:r>
+              <a:rPr lang="en-US" altLang="ja-JP" sz="1400" dirty="0" err="1">
                 <a:solidFill>
                   <a:schemeClr val="bg1"/>
                 </a:solidFill>
@@ -7354,12 +7328,10 @@
                 <a:ea typeface="Meiryo UI" panose="020B0604030504040204" pitchFamily="50" charset="-128"/>
                 <a:cs typeface="Meiryo UI" panose="020B0604030504040204" pitchFamily="50" charset="-128"/>
               </a:rPr>
-              <a:t> checking</a:t>
-            </a:r>
-          </a:p>
-          <a:p>
-            <a:r>
-              <a:rPr lang="en-US" altLang="ja-JP" sz="1400" dirty="0" err="1" smtClean="0">
+              <a:t>admin.url.pattern</a:t>
+            </a:r>
+            <a:r>
+              <a:rPr lang="en-US" altLang="ja-JP" sz="1400" dirty="0">
                 <a:solidFill>
                   <a:schemeClr val="bg1"/>
                 </a:solidFill>
@@ -7367,10 +7339,10 @@
                 <a:ea typeface="Meiryo UI" panose="020B0604030504040204" pitchFamily="50" charset="-128"/>
                 <a:cs typeface="Meiryo UI" panose="020B0604030504040204" pitchFamily="50" charset="-128"/>
               </a:rPr>
-              <a:t>efw.auth.cases</a:t>
-            </a:r>
-            <a:r>
-              <a:rPr lang="en-US" altLang="ja-JP" sz="1400" dirty="0" smtClean="0">
+              <a:t> = [/]*.</a:t>
+            </a:r>
+            <a:r>
+              <a:rPr lang="en-US" altLang="ja-JP" sz="1400" dirty="0" err="1">
                 <a:solidFill>
                   <a:schemeClr val="bg1"/>
                 </a:solidFill>
@@ -7378,29 +7350,7 @@
                 <a:ea typeface="Meiryo UI" panose="020B0604030504040204" pitchFamily="50" charset="-128"/>
                 <a:cs typeface="Meiryo UI" panose="020B0604030504040204" pitchFamily="50" charset="-128"/>
               </a:rPr>
-              <a:t> </a:t>
-            </a:r>
-            <a:r>
-              <a:rPr lang="en-US" altLang="ja-JP" sz="1400" dirty="0">
-                <a:solidFill>
-                  <a:schemeClr val="bg1"/>
-                </a:solidFill>
-                <a:latin typeface="Meiryo UI" panose="020B0604030504040204" pitchFamily="50" charset="-128"/>
-                <a:ea typeface="Meiryo UI" panose="020B0604030504040204" pitchFamily="50" charset="-128"/>
-                <a:cs typeface="Meiryo UI" panose="020B0604030504040204" pitchFamily="50" charset="-128"/>
-              </a:rPr>
-              <a:t>= </a:t>
-            </a:r>
-            <a:r>
-              <a:rPr lang="en-US" altLang="ja-JP" sz="1400" dirty="0" err="1" smtClean="0">
-                <a:solidFill>
-                  <a:schemeClr val="bg1"/>
-                </a:solidFill>
-                <a:latin typeface="Meiryo UI" panose="020B0604030504040204" pitchFamily="50" charset="-128"/>
-                <a:ea typeface="Meiryo UI" panose="020B0604030504040204" pitchFamily="50" charset="-128"/>
-                <a:cs typeface="Meiryo UI" panose="020B0604030504040204" pitchFamily="50" charset="-128"/>
-              </a:rPr>
-              <a:t>admin,user</a:t>
+              <a:t>jsp</a:t>
             </a:r>
             <a:endParaRPr lang="en-US" altLang="ja-JP" sz="1400" dirty="0">
               <a:solidFill>
@@ -7412,6 +7362,30 @@
             </a:endParaRPr>
           </a:p>
           <a:p>
+            <a:r>
+              <a:rPr lang="en-US" altLang="ja-JP" sz="1400" dirty="0" err="1">
+                <a:solidFill>
+                  <a:schemeClr val="bg1"/>
+                </a:solidFill>
+                <a:latin typeface="Meiryo UI" panose="020B0604030504040204" pitchFamily="50" charset="-128"/>
+                <a:ea typeface="Meiryo UI" panose="020B0604030504040204" pitchFamily="50" charset="-128"/>
+                <a:cs typeface="Meiryo UI" panose="020B0604030504040204" pitchFamily="50" charset="-128"/>
+              </a:rPr>
+              <a:t>admin.eventid.pattern</a:t>
+            </a:r>
+            <a:r>
+              <a:rPr lang="en-US" altLang="ja-JP" sz="1400" dirty="0">
+                <a:solidFill>
+                  <a:schemeClr val="bg1"/>
+                </a:solidFill>
+                <a:latin typeface="Meiryo UI" panose="020B0604030504040204" pitchFamily="50" charset="-128"/>
+                <a:ea typeface="Meiryo UI" panose="020B0604030504040204" pitchFamily="50" charset="-128"/>
+                <a:cs typeface="Meiryo UI" panose="020B0604030504040204" pitchFamily="50" charset="-128"/>
+              </a:rPr>
+              <a:t> = .*</a:t>
+            </a:r>
+          </a:p>
+          <a:p>
             <a:endParaRPr lang="en-US" altLang="ja-JP" sz="1400" dirty="0">
               <a:solidFill>
                 <a:schemeClr val="bg1"/>
@@ -7423,7 +7397,7 @@
           </a:p>
           <a:p>
             <a:r>
-              <a:rPr lang="en-US" altLang="ja-JP" sz="1400" dirty="0">
+              <a:rPr lang="en-US" altLang="ja-JP" sz="1400" dirty="0" err="1">
                 <a:solidFill>
                   <a:schemeClr val="bg1"/>
                 </a:solidFill>
@@ -7431,12 +7405,10 @@
                 <a:ea typeface="Meiryo UI" panose="020B0604030504040204" pitchFamily="50" charset="-128"/>
                 <a:cs typeface="Meiryo UI" panose="020B0604030504040204" pitchFamily="50" charset="-128"/>
               </a:rPr>
-              <a:t>#Define cases one by one</a:t>
-            </a:r>
-          </a:p>
-          <a:p>
-            <a:r>
-              <a:rPr lang="en-US" altLang="ja-JP" sz="1400" dirty="0" err="1" smtClean="0">
+              <a:t>user.auth.pattern</a:t>
+            </a:r>
+            <a:r>
+              <a:rPr lang="en-US" altLang="ja-JP" sz="1400" dirty="0">
                 <a:solidFill>
                   <a:schemeClr val="bg1"/>
                 </a:solidFill>
@@ -7444,10 +7416,12 @@
                 <a:ea typeface="Meiryo UI" panose="020B0604030504040204" pitchFamily="50" charset="-128"/>
                 <a:cs typeface="Meiryo UI" panose="020B0604030504040204" pitchFamily="50" charset="-128"/>
               </a:rPr>
-              <a:t>admin.auth.pattern</a:t>
-            </a:r>
-            <a:r>
-              <a:rPr lang="en-US" altLang="ja-JP" sz="1400" dirty="0" smtClean="0">
+              <a:t> = ^((?!admin).)*$</a:t>
+            </a:r>
+          </a:p>
+          <a:p>
+            <a:r>
+              <a:rPr lang="en-US" altLang="ja-JP" sz="1400" dirty="0" err="1">
                 <a:solidFill>
                   <a:schemeClr val="bg1"/>
                 </a:solidFill>
@@ -7455,7 +7429,7 @@
                 <a:ea typeface="Meiryo UI" panose="020B0604030504040204" pitchFamily="50" charset="-128"/>
                 <a:cs typeface="Meiryo UI" panose="020B0604030504040204" pitchFamily="50" charset="-128"/>
               </a:rPr>
-              <a:t> </a:t>
+              <a:t>user.url.pattern</a:t>
             </a:r>
             <a:r>
               <a:rPr lang="en-US" altLang="ja-JP" sz="1400" dirty="0">
@@ -7466,10 +7440,10 @@
                 <a:ea typeface="Meiryo UI" panose="020B0604030504040204" pitchFamily="50" charset="-128"/>
                 <a:cs typeface="Meiryo UI" panose="020B0604030504040204" pitchFamily="50" charset="-128"/>
               </a:rPr>
-              <a:t>= </a:t>
-            </a:r>
-            <a:r>
-              <a:rPr lang="en-US" altLang="ja-JP" sz="1400" dirty="0" smtClean="0">
+              <a:t> = [/](LG.*|LOG|CRM.*).</a:t>
+            </a:r>
+            <a:r>
+              <a:rPr lang="en-US" altLang="ja-JP" sz="1400" dirty="0" err="1">
                 <a:solidFill>
                   <a:schemeClr val="bg1"/>
                 </a:solidFill>
@@ -7477,7 +7451,7 @@
                 <a:ea typeface="Meiryo UI" panose="020B0604030504040204" pitchFamily="50" charset="-128"/>
                 <a:cs typeface="Meiryo UI" panose="020B0604030504040204" pitchFamily="50" charset="-128"/>
               </a:rPr>
-              <a:t>^admin.*$</a:t>
+              <a:t>jsp</a:t>
             </a:r>
             <a:endParaRPr lang="en-US" altLang="ja-JP" sz="1400" dirty="0">
               <a:solidFill>
@@ -7490,7 +7464,7 @@
           </a:p>
           <a:p>
             <a:r>
-              <a:rPr lang="en-US" altLang="ja-JP" sz="1400" dirty="0" err="1" smtClean="0">
+              <a:rPr lang="en-US" altLang="ja-JP" sz="1400" dirty="0" err="1">
                 <a:solidFill>
                   <a:schemeClr val="bg1"/>
                 </a:solidFill>
@@ -7498,10 +7472,10 @@
                 <a:ea typeface="Meiryo UI" panose="020B0604030504040204" pitchFamily="50" charset="-128"/>
                 <a:cs typeface="Meiryo UI" panose="020B0604030504040204" pitchFamily="50" charset="-128"/>
               </a:rPr>
-              <a:t>admin.url.pattern</a:t>
-            </a:r>
-            <a:r>
-              <a:rPr lang="en-US" altLang="ja-JP" sz="1400" dirty="0" smtClean="0">
+              <a:t>user.eventid.pattern</a:t>
+            </a:r>
+            <a:r>
+              <a:rPr lang="en-US" altLang="ja-JP" sz="1400" dirty="0">
                 <a:solidFill>
                   <a:schemeClr val="bg1"/>
                 </a:solidFill>
@@ -7509,277 +7483,7 @@
                 <a:ea typeface="Meiryo UI" panose="020B0604030504040204" pitchFamily="50" charset="-128"/>
                 <a:cs typeface="Meiryo UI" panose="020B0604030504040204" pitchFamily="50" charset="-128"/>
               </a:rPr>
-              <a:t> </a:t>
-            </a:r>
-            <a:r>
-              <a:rPr lang="en-US" altLang="ja-JP" sz="1400" dirty="0">
-                <a:solidFill>
-                  <a:schemeClr val="bg1"/>
-                </a:solidFill>
-                <a:latin typeface="Meiryo UI" panose="020B0604030504040204" pitchFamily="50" charset="-128"/>
-                <a:ea typeface="Meiryo UI" panose="020B0604030504040204" pitchFamily="50" charset="-128"/>
-                <a:cs typeface="Meiryo UI" panose="020B0604030504040204" pitchFamily="50" charset="-128"/>
-              </a:rPr>
-              <a:t>= </a:t>
-            </a:r>
-            <a:r>
-              <a:rPr lang="en-US" altLang="ja-JP" sz="1400" dirty="0" smtClean="0">
-                <a:solidFill>
-                  <a:schemeClr val="bg1"/>
-                </a:solidFill>
-                <a:latin typeface="Meiryo UI" panose="020B0604030504040204" pitchFamily="50" charset="-128"/>
-                <a:ea typeface="Meiryo UI" panose="020B0604030504040204" pitchFamily="50" charset="-128"/>
-                <a:cs typeface="Meiryo UI" panose="020B0604030504040204" pitchFamily="50" charset="-128"/>
-              </a:rPr>
-              <a:t>[/]*.</a:t>
-            </a:r>
-            <a:r>
-              <a:rPr lang="en-US" altLang="ja-JP" sz="1400" dirty="0" err="1" smtClean="0">
-                <a:solidFill>
-                  <a:schemeClr val="bg1"/>
-                </a:solidFill>
-                <a:latin typeface="Meiryo UI" panose="020B0604030504040204" pitchFamily="50" charset="-128"/>
-                <a:ea typeface="Meiryo UI" panose="020B0604030504040204" pitchFamily="50" charset="-128"/>
-                <a:cs typeface="Meiryo UI" panose="020B0604030504040204" pitchFamily="50" charset="-128"/>
-              </a:rPr>
-              <a:t>jsp</a:t>
-            </a:r>
-            <a:endParaRPr lang="en-US" altLang="ja-JP" sz="1400" dirty="0">
-              <a:solidFill>
-                <a:schemeClr val="bg1"/>
-              </a:solidFill>
-              <a:latin typeface="Meiryo UI" panose="020B0604030504040204" pitchFamily="50" charset="-128"/>
-              <a:ea typeface="Meiryo UI" panose="020B0604030504040204" pitchFamily="50" charset="-128"/>
-              <a:cs typeface="Meiryo UI" panose="020B0604030504040204" pitchFamily="50" charset="-128"/>
-            </a:endParaRPr>
-          </a:p>
-          <a:p>
-            <a:r>
-              <a:rPr lang="en-US" altLang="ja-JP" sz="1400" dirty="0" err="1" smtClean="0">
-                <a:solidFill>
-                  <a:schemeClr val="bg1"/>
-                </a:solidFill>
-                <a:latin typeface="Meiryo UI" panose="020B0604030504040204" pitchFamily="50" charset="-128"/>
-                <a:ea typeface="Meiryo UI" panose="020B0604030504040204" pitchFamily="50" charset="-128"/>
-                <a:cs typeface="Meiryo UI" panose="020B0604030504040204" pitchFamily="50" charset="-128"/>
-              </a:rPr>
-              <a:t>admin.eventid.pattern</a:t>
-            </a:r>
-            <a:r>
-              <a:rPr lang="en-US" altLang="ja-JP" sz="1400" dirty="0" smtClean="0">
-                <a:solidFill>
-                  <a:schemeClr val="bg1"/>
-                </a:solidFill>
-                <a:latin typeface="Meiryo UI" panose="020B0604030504040204" pitchFamily="50" charset="-128"/>
-                <a:ea typeface="Meiryo UI" panose="020B0604030504040204" pitchFamily="50" charset="-128"/>
-                <a:cs typeface="Meiryo UI" panose="020B0604030504040204" pitchFamily="50" charset="-128"/>
-              </a:rPr>
-              <a:t> </a:t>
-            </a:r>
-            <a:r>
-              <a:rPr lang="en-US" altLang="ja-JP" sz="1400" dirty="0">
-                <a:solidFill>
-                  <a:schemeClr val="bg1"/>
-                </a:solidFill>
-                <a:latin typeface="Meiryo UI" panose="020B0604030504040204" pitchFamily="50" charset="-128"/>
-                <a:ea typeface="Meiryo UI" panose="020B0604030504040204" pitchFamily="50" charset="-128"/>
-                <a:cs typeface="Meiryo UI" panose="020B0604030504040204" pitchFamily="50" charset="-128"/>
-              </a:rPr>
-              <a:t>= </a:t>
-            </a:r>
-            <a:r>
-              <a:rPr lang="en-US" altLang="ja-JP" sz="1400" dirty="0" smtClean="0">
-                <a:solidFill>
-                  <a:schemeClr val="bg1"/>
-                </a:solidFill>
-                <a:latin typeface="Meiryo UI" panose="020B0604030504040204" pitchFamily="50" charset="-128"/>
-                <a:ea typeface="Meiryo UI" panose="020B0604030504040204" pitchFamily="50" charset="-128"/>
-                <a:cs typeface="Meiryo UI" panose="020B0604030504040204" pitchFamily="50" charset="-128"/>
-              </a:rPr>
-              <a:t>.*</a:t>
-            </a:r>
-            <a:endParaRPr lang="en-US" altLang="ja-JP" sz="1400" dirty="0">
-              <a:solidFill>
-                <a:schemeClr val="bg1"/>
-              </a:solidFill>
-              <a:latin typeface="Meiryo UI" panose="020B0604030504040204" pitchFamily="50" charset="-128"/>
-              <a:ea typeface="Meiryo UI" panose="020B0604030504040204" pitchFamily="50" charset="-128"/>
-              <a:cs typeface="Meiryo UI" panose="020B0604030504040204" pitchFamily="50" charset="-128"/>
-            </a:endParaRPr>
-          </a:p>
-          <a:p>
-            <a:endParaRPr lang="en-US" altLang="ja-JP" sz="1400" dirty="0">
-              <a:solidFill>
-                <a:schemeClr val="bg1"/>
-              </a:solidFill>
-              <a:latin typeface="Meiryo UI" panose="020B0604030504040204" pitchFamily="50" charset="-128"/>
-              <a:ea typeface="Meiryo UI" panose="020B0604030504040204" pitchFamily="50" charset="-128"/>
-              <a:cs typeface="Meiryo UI" panose="020B0604030504040204" pitchFamily="50" charset="-128"/>
-            </a:endParaRPr>
-          </a:p>
-          <a:p>
-            <a:r>
-              <a:rPr lang="en-US" altLang="ja-JP" sz="1400" dirty="0" err="1" smtClean="0">
-                <a:solidFill>
-                  <a:schemeClr val="bg1"/>
-                </a:solidFill>
-                <a:latin typeface="Meiryo UI" panose="020B0604030504040204" pitchFamily="50" charset="-128"/>
-                <a:ea typeface="Meiryo UI" panose="020B0604030504040204" pitchFamily="50" charset="-128"/>
-                <a:cs typeface="Meiryo UI" panose="020B0604030504040204" pitchFamily="50" charset="-128"/>
-              </a:rPr>
-              <a:t>user.auth.pattern</a:t>
-            </a:r>
-            <a:r>
-              <a:rPr lang="en-US" altLang="ja-JP" sz="1400" dirty="0" smtClean="0">
-                <a:solidFill>
-                  <a:schemeClr val="bg1"/>
-                </a:solidFill>
-                <a:latin typeface="Meiryo UI" panose="020B0604030504040204" pitchFamily="50" charset="-128"/>
-                <a:ea typeface="Meiryo UI" panose="020B0604030504040204" pitchFamily="50" charset="-128"/>
-                <a:cs typeface="Meiryo UI" panose="020B0604030504040204" pitchFamily="50" charset="-128"/>
-              </a:rPr>
-              <a:t> </a:t>
-            </a:r>
-            <a:r>
-              <a:rPr lang="en-US" altLang="ja-JP" sz="1400" dirty="0">
-                <a:solidFill>
-                  <a:schemeClr val="bg1"/>
-                </a:solidFill>
-                <a:latin typeface="Meiryo UI" panose="020B0604030504040204" pitchFamily="50" charset="-128"/>
-                <a:ea typeface="Meiryo UI" panose="020B0604030504040204" pitchFamily="50" charset="-128"/>
-                <a:cs typeface="Meiryo UI" panose="020B0604030504040204" pitchFamily="50" charset="-128"/>
-              </a:rPr>
-              <a:t>= </a:t>
-            </a:r>
-            <a:r>
-              <a:rPr lang="en-US" altLang="ja-JP" sz="1400" dirty="0" smtClean="0">
-                <a:solidFill>
-                  <a:schemeClr val="bg1"/>
-                </a:solidFill>
-                <a:latin typeface="Meiryo UI" panose="020B0604030504040204" pitchFamily="50" charset="-128"/>
-                <a:ea typeface="Meiryo UI" panose="020B0604030504040204" pitchFamily="50" charset="-128"/>
-                <a:cs typeface="Meiryo UI" panose="020B0604030504040204" pitchFamily="50" charset="-128"/>
-              </a:rPr>
-              <a:t>^((?!admin).)*$</a:t>
-            </a:r>
-            <a:endParaRPr lang="en-US" altLang="ja-JP" sz="1400" dirty="0">
-              <a:solidFill>
-                <a:schemeClr val="bg1"/>
-              </a:solidFill>
-              <a:latin typeface="Meiryo UI" panose="020B0604030504040204" pitchFamily="50" charset="-128"/>
-              <a:ea typeface="Meiryo UI" panose="020B0604030504040204" pitchFamily="50" charset="-128"/>
-              <a:cs typeface="Meiryo UI" panose="020B0604030504040204" pitchFamily="50" charset="-128"/>
-            </a:endParaRPr>
-          </a:p>
-          <a:p>
-            <a:r>
-              <a:rPr lang="en-US" altLang="ja-JP" sz="1400" dirty="0" err="1" smtClean="0">
-                <a:solidFill>
-                  <a:schemeClr val="bg1"/>
-                </a:solidFill>
-                <a:latin typeface="Meiryo UI" panose="020B0604030504040204" pitchFamily="50" charset="-128"/>
-                <a:ea typeface="Meiryo UI" panose="020B0604030504040204" pitchFamily="50" charset="-128"/>
-                <a:cs typeface="Meiryo UI" panose="020B0604030504040204" pitchFamily="50" charset="-128"/>
-              </a:rPr>
-              <a:t>user.url.pattern</a:t>
-            </a:r>
-            <a:r>
-              <a:rPr lang="en-US" altLang="ja-JP" sz="1400" dirty="0" smtClean="0">
-                <a:solidFill>
-                  <a:schemeClr val="bg1"/>
-                </a:solidFill>
-                <a:latin typeface="Meiryo UI" panose="020B0604030504040204" pitchFamily="50" charset="-128"/>
-                <a:ea typeface="Meiryo UI" panose="020B0604030504040204" pitchFamily="50" charset="-128"/>
-                <a:cs typeface="Meiryo UI" panose="020B0604030504040204" pitchFamily="50" charset="-128"/>
-              </a:rPr>
-              <a:t> </a:t>
-            </a:r>
-            <a:r>
-              <a:rPr lang="en-US" altLang="ja-JP" sz="1400" dirty="0">
-                <a:solidFill>
-                  <a:schemeClr val="bg1"/>
-                </a:solidFill>
-                <a:latin typeface="Meiryo UI" panose="020B0604030504040204" pitchFamily="50" charset="-128"/>
-                <a:ea typeface="Meiryo UI" panose="020B0604030504040204" pitchFamily="50" charset="-128"/>
-                <a:cs typeface="Meiryo UI" panose="020B0604030504040204" pitchFamily="50" charset="-128"/>
-              </a:rPr>
-              <a:t>= </a:t>
-            </a:r>
-            <a:r>
-              <a:rPr lang="en-US" altLang="ja-JP" sz="1400" dirty="0" smtClean="0">
-                <a:solidFill>
-                  <a:schemeClr val="bg1"/>
-                </a:solidFill>
-                <a:latin typeface="Meiryo UI" panose="020B0604030504040204" pitchFamily="50" charset="-128"/>
-                <a:ea typeface="Meiryo UI" panose="020B0604030504040204" pitchFamily="50" charset="-128"/>
-                <a:cs typeface="Meiryo UI" panose="020B0604030504040204" pitchFamily="50" charset="-128"/>
-              </a:rPr>
-              <a:t>[/](LG.*|LOG|CRM.*).</a:t>
-            </a:r>
-            <a:r>
-              <a:rPr lang="en-US" altLang="ja-JP" sz="1400" dirty="0" err="1" smtClean="0">
-                <a:solidFill>
-                  <a:schemeClr val="bg1"/>
-                </a:solidFill>
-                <a:latin typeface="Meiryo UI" panose="020B0604030504040204" pitchFamily="50" charset="-128"/>
-                <a:ea typeface="Meiryo UI" panose="020B0604030504040204" pitchFamily="50" charset="-128"/>
-                <a:cs typeface="Meiryo UI" panose="020B0604030504040204" pitchFamily="50" charset="-128"/>
-              </a:rPr>
-              <a:t>jsp</a:t>
-            </a:r>
-            <a:endParaRPr lang="en-US" altLang="ja-JP" sz="1400" dirty="0">
-              <a:solidFill>
-                <a:schemeClr val="bg1"/>
-              </a:solidFill>
-              <a:latin typeface="Meiryo UI" panose="020B0604030504040204" pitchFamily="50" charset="-128"/>
-              <a:ea typeface="Meiryo UI" panose="020B0604030504040204" pitchFamily="50" charset="-128"/>
-              <a:cs typeface="Meiryo UI" panose="020B0604030504040204" pitchFamily="50" charset="-128"/>
-            </a:endParaRPr>
-          </a:p>
-          <a:p>
-            <a:r>
-              <a:rPr lang="en-US" altLang="ja-JP" sz="1400" dirty="0" err="1" smtClean="0">
-                <a:solidFill>
-                  <a:schemeClr val="bg1"/>
-                </a:solidFill>
-                <a:latin typeface="Meiryo UI" panose="020B0604030504040204" pitchFamily="50" charset="-128"/>
-                <a:ea typeface="Meiryo UI" panose="020B0604030504040204" pitchFamily="50" charset="-128"/>
-                <a:cs typeface="Meiryo UI" panose="020B0604030504040204" pitchFamily="50" charset="-128"/>
-              </a:rPr>
-              <a:t>user.eventid.pattern</a:t>
-            </a:r>
-            <a:r>
-              <a:rPr lang="en-US" altLang="ja-JP" sz="1400" dirty="0" smtClean="0">
-                <a:solidFill>
-                  <a:schemeClr val="bg1"/>
-                </a:solidFill>
-                <a:latin typeface="Meiryo UI" panose="020B0604030504040204" pitchFamily="50" charset="-128"/>
-                <a:ea typeface="Meiryo UI" panose="020B0604030504040204" pitchFamily="50" charset="-128"/>
-                <a:cs typeface="Meiryo UI" panose="020B0604030504040204" pitchFamily="50" charset="-128"/>
-              </a:rPr>
-              <a:t> </a:t>
-            </a:r>
-            <a:r>
-              <a:rPr lang="en-US" altLang="ja-JP" sz="1400" dirty="0">
-                <a:solidFill>
-                  <a:schemeClr val="bg1"/>
-                </a:solidFill>
-                <a:latin typeface="Meiryo UI" panose="020B0604030504040204" pitchFamily="50" charset="-128"/>
-                <a:ea typeface="Meiryo UI" panose="020B0604030504040204" pitchFamily="50" charset="-128"/>
-                <a:cs typeface="Meiryo UI" panose="020B0604030504040204" pitchFamily="50" charset="-128"/>
-              </a:rPr>
-              <a:t>= </a:t>
-            </a:r>
-            <a:r>
-              <a:rPr lang="en-US" altLang="ja-JP" sz="1400" dirty="0" smtClean="0">
-                <a:solidFill>
-                  <a:schemeClr val="bg1"/>
-                </a:solidFill>
-                <a:latin typeface="Meiryo UI" panose="020B0604030504040204" pitchFamily="50" charset="-128"/>
-                <a:ea typeface="Meiryo UI" panose="020B0604030504040204" pitchFamily="50" charset="-128"/>
-                <a:cs typeface="Meiryo UI" panose="020B0604030504040204" pitchFamily="50" charset="-128"/>
-              </a:rPr>
-              <a:t>(LG.*|LOG|CRM.*)</a:t>
+              <a:t> = (LG.*|LOG|CRM.*)</a:t>
             </a:r>
             <a:endParaRPr lang="ja-JP" altLang="en-US" sz="1400" dirty="0">
               <a:solidFill>
@@ -7802,13 +7506,6 @@
   <p:clrMapOvr>
     <a:masterClrMapping/>
   </p:clrMapOvr>
-  <p:timing>
-    <p:tnLst>
-      <p:par>
-        <p:cTn id="1" dur="indefinite" restart="never" nodeType="tmRoot"/>
-      </p:par>
-    </p:tnLst>
-  </p:timing>
 </p:sld>
 </file>
 
@@ -7893,27 +7590,8 @@
                 <a:ea typeface="Meiryo UI" pitchFamily="50" charset="-128"/>
                 <a:cs typeface="Meiryo UI" pitchFamily="50" charset="-128"/>
               </a:rPr>
-              <a:t>３．インジェクション攻撃の対応</a:t>
-            </a:r>
-            <a:r>
-              <a:rPr lang="ja-JP" altLang="en-US" sz="2800" dirty="0" smtClean="0">
-                <a:solidFill>
-                  <a:schemeClr val="tx2"/>
-                </a:solidFill>
-                <a:latin typeface="Meiryo UI" pitchFamily="50" charset="-128"/>
-                <a:ea typeface="Meiryo UI" pitchFamily="50" charset="-128"/>
-                <a:cs typeface="Meiryo UI" pitchFamily="50" charset="-128"/>
-              </a:rPr>
-              <a:t>策</a:t>
-            </a:r>
-            <a:endParaRPr lang="ja-JP" altLang="en-US" sz="2800" dirty="0">
-              <a:solidFill>
-                <a:schemeClr val="tx2"/>
-              </a:solidFill>
-              <a:latin typeface="Meiryo UI" pitchFamily="50" charset="-128"/>
-              <a:ea typeface="Meiryo UI" pitchFamily="50" charset="-128"/>
-              <a:cs typeface="Meiryo UI" pitchFamily="50" charset="-128"/>
-            </a:endParaRPr>
+              <a:t>３．インジェクション攻撃の対応策</a:t>
+            </a:r>
           </a:p>
         </p:txBody>
       </p:sp>
@@ -8335,17 +8013,9 @@
                 <a:ea typeface="Meiryo UI" pitchFamily="50" charset="-128"/>
                 <a:cs typeface="Meiryo UI" pitchFamily="50" charset="-128"/>
               </a:rPr>
-              <a:t>）とは、内部に何かを注入することを意味する言葉だ。インジェクション攻撃とは、プログラムがごく普通に受け取る入力データの中にセキュリティを侵害するようなコマンドを巧みに混入し、それをコンピュータ内部で機能させてしまう攻撃手口のことをいう</a:t>
-            </a:r>
-            <a:r>
-              <a:rPr lang="ja-JP" altLang="en-US" sz="2000" dirty="0" smtClean="0">
-                <a:latin typeface="Meiryo UI" pitchFamily="50" charset="-128"/>
-                <a:ea typeface="Meiryo UI" pitchFamily="50" charset="-128"/>
-                <a:cs typeface="Meiryo UI" pitchFamily="50" charset="-128"/>
-              </a:rPr>
-              <a:t>。</a:t>
-            </a:r>
-            <a:endParaRPr lang="en-US" altLang="ja-JP" sz="2000" dirty="0" smtClean="0">
+              <a:t>）とは、内部に何かを注入することを意味する言葉だ。インジェクション攻撃とは、プログラムがごく普通に受け取る入力データの中にセキュリティを侵害するようなコマンドを巧みに混入し、それをコンピュータ内部で機能させてしまう攻撃手口のことをいう。</a:t>
+            </a:r>
+            <a:endParaRPr lang="en-US" altLang="ja-JP" sz="2000" dirty="0">
               <a:latin typeface="Meiryo UI" pitchFamily="50" charset="-128"/>
               <a:ea typeface="Meiryo UI" pitchFamily="50" charset="-128"/>
               <a:cs typeface="Meiryo UI" pitchFamily="50" charset="-128"/>
@@ -8450,7 +8120,7 @@
               </a:rPr>
               <a:t>インジェクションといった攻撃手口が知られている。</a:t>
             </a:r>
-            <a:endParaRPr lang="en-US" altLang="ja-JP" sz="2000" dirty="0" smtClean="0">
+            <a:endParaRPr lang="en-US" altLang="ja-JP" sz="2000" dirty="0">
               <a:latin typeface="Meiryo UI" pitchFamily="50" charset="-128"/>
               <a:ea typeface="Meiryo UI" pitchFamily="50" charset="-128"/>
               <a:cs typeface="Meiryo UI" pitchFamily="50" charset="-128"/>
@@ -8468,7 +8138,7 @@
               <a:buNone/>
             </a:pPr>
             <a:r>
-              <a:rPr lang="en-US" altLang="ja-JP" sz="2000" dirty="0" smtClean="0">
+              <a:rPr lang="en-US" altLang="ja-JP" sz="2000" dirty="0">
                 <a:solidFill>
                   <a:schemeClr val="bg1">
                     <a:lumMod val="65000"/>
@@ -8478,10 +8148,10 @@
                 <a:ea typeface="Meiryo UI" pitchFamily="50" charset="-128"/>
                 <a:cs typeface="Meiryo UI" pitchFamily="50" charset="-128"/>
               </a:rPr>
-              <a:t>(</a:t>
-            </a:r>
-            <a:r>
-              <a:rPr lang="en-US" altLang="ja-JP" sz="2000" dirty="0">
+              <a:t>(From : thinkit.co.jp/Web</a:t>
+            </a:r>
+            <a:r>
+              <a:rPr lang="ja-JP" altLang="en-US" sz="2000" dirty="0">
                 <a:solidFill>
                   <a:schemeClr val="bg1">
                     <a:lumMod val="65000"/>
@@ -8491,10 +8161,10 @@
                 <a:ea typeface="Meiryo UI" pitchFamily="50" charset="-128"/>
                 <a:cs typeface="Meiryo UI" pitchFamily="50" charset="-128"/>
               </a:rPr>
-              <a:t>From : thinkit.co.jp/Web</a:t>
-            </a:r>
-            <a:r>
-              <a:rPr lang="ja-JP" altLang="en-US" sz="2000" dirty="0">
+              <a:t>アプリケーションの脆弱性</a:t>
+            </a:r>
+            <a:r>
+              <a:rPr lang="en-US" altLang="ja-JP" sz="2000" dirty="0">
                 <a:solidFill>
                   <a:schemeClr val="bg1">
                     <a:lumMod val="65000"/>
@@ -8504,32 +8174,6 @@
                 <a:ea typeface="Meiryo UI" pitchFamily="50" charset="-128"/>
                 <a:cs typeface="Meiryo UI" pitchFamily="50" charset="-128"/>
               </a:rPr>
-              <a:t>アプリケーションの</a:t>
-            </a:r>
-            <a:r>
-              <a:rPr lang="ja-JP" altLang="en-US" sz="2000" dirty="0" smtClean="0">
-                <a:solidFill>
-                  <a:schemeClr val="bg1">
-                    <a:lumMod val="65000"/>
-                  </a:schemeClr>
-                </a:solidFill>
-                <a:latin typeface="Meiryo UI" pitchFamily="50" charset="-128"/>
-                <a:ea typeface="Meiryo UI" pitchFamily="50" charset="-128"/>
-                <a:cs typeface="Meiryo UI" pitchFamily="50" charset="-128"/>
-              </a:rPr>
-              <a:t>脆弱性</a:t>
-            </a:r>
-            <a:r>
-              <a:rPr lang="en-US" altLang="ja-JP" sz="2000" dirty="0" smtClean="0">
-                <a:solidFill>
-                  <a:schemeClr val="bg1">
-                    <a:lumMod val="65000"/>
-                  </a:schemeClr>
-                </a:solidFill>
-                <a:latin typeface="Meiryo UI" pitchFamily="50" charset="-128"/>
-                <a:ea typeface="Meiryo UI" pitchFamily="50" charset="-128"/>
-                <a:cs typeface="Meiryo UI" pitchFamily="50" charset="-128"/>
-              </a:rPr>
               <a:t>)</a:t>
             </a:r>
           </a:p>
@@ -8545,7 +8189,7 @@
               <a:buNone/>
             </a:pPr>
             <a:r>
-              <a:rPr lang="en-US" altLang="ja-JP" sz="2000" dirty="0" err="1" smtClean="0">
+              <a:rPr lang="en-US" altLang="ja-JP" sz="2000" dirty="0" err="1">
                 <a:solidFill>
                   <a:srgbClr val="0070C0"/>
                 </a:solidFill>
@@ -8556,7 +8200,7 @@
               <a:t>Efw</a:t>
             </a:r>
             <a:r>
-              <a:rPr lang="ja-JP" altLang="en-US" sz="2000" dirty="0" smtClean="0">
+              <a:rPr lang="ja-JP" altLang="en-US" sz="2000" dirty="0">
                 <a:solidFill>
                   <a:srgbClr val="0070C0"/>
                 </a:solidFill>
@@ -8566,7 +8210,7 @@
               </a:rPr>
               <a:t>は、</a:t>
             </a:r>
-            <a:endParaRPr lang="en-US" altLang="ja-JP" sz="2000" dirty="0" smtClean="0">
+            <a:endParaRPr lang="en-US" altLang="ja-JP" sz="2000" dirty="0">
               <a:solidFill>
                 <a:srgbClr val="0070C0"/>
               </a:solidFill>
@@ -8598,7 +8242,7 @@
               <a:t>・</a:t>
             </a:r>
             <a:r>
-              <a:rPr lang="en-US" altLang="ja-JP" sz="2000" dirty="0" smtClean="0">
+              <a:rPr lang="en-US" altLang="ja-JP" sz="2000" dirty="0">
                 <a:solidFill>
                   <a:srgbClr val="0070C0"/>
                 </a:solidFill>
@@ -8609,7 +8253,7 @@
               <a:t>Ajax</a:t>
             </a:r>
             <a:r>
-              <a:rPr lang="ja-JP" altLang="en-US" sz="2000" dirty="0" smtClean="0">
+              <a:rPr lang="ja-JP" altLang="en-US" sz="2000" dirty="0">
                 <a:solidFill>
                   <a:srgbClr val="0070C0"/>
                 </a:solidFill>
@@ -8620,7 +8264,7 @@
               <a:t>方式のフレームワークで、</a:t>
             </a:r>
             <a:r>
-              <a:rPr lang="ja-JP" altLang="en-US" sz="2000" b="1" dirty="0" smtClean="0">
+              <a:rPr lang="ja-JP" altLang="en-US" sz="2000" b="1" dirty="0">
                 <a:solidFill>
                   <a:srgbClr val="0070C0"/>
                 </a:solidFill>
@@ -8631,7 +8275,7 @@
               <a:t>サーバ送信</a:t>
             </a:r>
             <a:r>
-              <a:rPr lang="en-US" altLang="ja-JP" sz="2000" b="1" dirty="0" smtClean="0">
+              <a:rPr lang="en-US" altLang="ja-JP" sz="2000" b="1" dirty="0">
                 <a:solidFill>
                   <a:srgbClr val="0070C0"/>
                 </a:solidFill>
@@ -8642,7 +8286,7 @@
               <a:t>JSON</a:t>
             </a:r>
             <a:r>
-              <a:rPr lang="ja-JP" altLang="en-US" sz="2000" b="1" dirty="0" smtClean="0">
+              <a:rPr lang="ja-JP" altLang="en-US" sz="2000" b="1" dirty="0">
                 <a:solidFill>
                   <a:srgbClr val="0070C0"/>
                 </a:solidFill>
@@ -8653,7 +8297,7 @@
               <a:t>に</a:t>
             </a:r>
             <a:r>
-              <a:rPr lang="en-US" altLang="ja-JP" sz="2000" b="1" dirty="0" err="1" smtClean="0">
+              <a:rPr lang="en-US" altLang="ja-JP" sz="2000" b="1" dirty="0" err="1">
                 <a:solidFill>
                   <a:srgbClr val="0070C0"/>
                 </a:solidFill>
@@ -8664,7 +8308,7 @@
               <a:t>javaScript</a:t>
             </a:r>
             <a:r>
-              <a:rPr lang="ja-JP" altLang="en-US" sz="2000" b="1" dirty="0" smtClean="0">
+              <a:rPr lang="ja-JP" altLang="en-US" sz="2000" b="1" dirty="0">
                 <a:solidFill>
                   <a:srgbClr val="0070C0"/>
                 </a:solidFill>
@@ -8675,7 +8319,7 @@
               <a:t>挿入</a:t>
             </a:r>
             <a:r>
-              <a:rPr lang="ja-JP" altLang="en-US" sz="2000" dirty="0" smtClean="0">
+              <a:rPr lang="ja-JP" altLang="en-US" sz="2000" dirty="0">
                 <a:solidFill>
                   <a:srgbClr val="0070C0"/>
                 </a:solidFill>
@@ -8685,7 +8329,7 @@
               </a:rPr>
               <a:t>を想定し対応している。</a:t>
             </a:r>
-            <a:endParaRPr lang="en-US" altLang="ja-JP" sz="2000" dirty="0" smtClean="0">
+            <a:endParaRPr lang="en-US" altLang="ja-JP" sz="2000" dirty="0">
               <a:solidFill>
                 <a:srgbClr val="0070C0"/>
               </a:solidFill>
@@ -8714,10 +8358,10 @@
                 <a:ea typeface="Meiryo UI" pitchFamily="50" charset="-128"/>
                 <a:cs typeface="Meiryo UI" pitchFamily="50" charset="-128"/>
               </a:rPr>
-              <a:t>・</a:t>
-            </a:r>
-            <a:r>
-              <a:rPr lang="ja-JP" altLang="en-US" sz="2000" dirty="0" smtClean="0">
+              <a:t>・「処理結果自動表示」に</a:t>
+            </a:r>
+            <a:r>
+              <a:rPr lang="ja-JP" altLang="en-US" sz="2000" b="1" dirty="0">
                 <a:solidFill>
                   <a:srgbClr val="0070C0"/>
                 </a:solidFill>
@@ -8725,7 +8369,7 @@
                 <a:ea typeface="Meiryo UI" pitchFamily="50" charset="-128"/>
                 <a:cs typeface="Meiryo UI" pitchFamily="50" charset="-128"/>
               </a:rPr>
-              <a:t>「</a:t>
+              <a:t>特殊記号による画面崩れ</a:t>
             </a:r>
             <a:r>
               <a:rPr lang="ja-JP" altLang="en-US" sz="2000" dirty="0">
@@ -8736,42 +8380,9 @@
                 <a:ea typeface="Meiryo UI" pitchFamily="50" charset="-128"/>
                 <a:cs typeface="Meiryo UI" pitchFamily="50" charset="-128"/>
               </a:rPr>
-              <a:t>処理結果自動</a:t>
-            </a:r>
-            <a:r>
-              <a:rPr lang="ja-JP" altLang="en-US" sz="2000" dirty="0" smtClean="0">
-                <a:solidFill>
-                  <a:srgbClr val="0070C0"/>
-                </a:solidFill>
-                <a:latin typeface="Meiryo UI" pitchFamily="50" charset="-128"/>
-                <a:ea typeface="Meiryo UI" pitchFamily="50" charset="-128"/>
-                <a:cs typeface="Meiryo UI" pitchFamily="50" charset="-128"/>
-              </a:rPr>
-              <a:t>表示」に</a:t>
-            </a:r>
-            <a:r>
-              <a:rPr lang="ja-JP" altLang="en-US" sz="2000" b="1" dirty="0" smtClean="0">
-                <a:solidFill>
-                  <a:srgbClr val="0070C0"/>
-                </a:solidFill>
-                <a:latin typeface="Meiryo UI" pitchFamily="50" charset="-128"/>
-                <a:ea typeface="Meiryo UI" pitchFamily="50" charset="-128"/>
-                <a:cs typeface="Meiryo UI" pitchFamily="50" charset="-128"/>
-              </a:rPr>
-              <a:t>特殊記号による画面崩れ</a:t>
-            </a:r>
-            <a:r>
-              <a:rPr lang="ja-JP" altLang="en-US" sz="2000" dirty="0" smtClean="0">
-                <a:solidFill>
-                  <a:srgbClr val="0070C0"/>
-                </a:solidFill>
-                <a:latin typeface="Meiryo UI" pitchFamily="50" charset="-128"/>
-                <a:ea typeface="Meiryo UI" pitchFamily="50" charset="-128"/>
-                <a:cs typeface="Meiryo UI" pitchFamily="50" charset="-128"/>
-              </a:rPr>
               <a:t>を想定し対応している。</a:t>
             </a:r>
-            <a:endParaRPr lang="en-US" altLang="ja-JP" sz="2000" dirty="0" smtClean="0">
+            <a:endParaRPr lang="en-US" altLang="ja-JP" sz="2000" dirty="0">
               <a:solidFill>
                 <a:srgbClr val="0070C0"/>
               </a:solidFill>
@@ -8792,7 +8403,7 @@
               <a:buNone/>
             </a:pPr>
             <a:r>
-              <a:rPr lang="ja-JP" altLang="en-US" sz="2000" dirty="0" smtClean="0">
+              <a:rPr lang="ja-JP" altLang="en-US" sz="2000" dirty="0">
                 <a:solidFill>
                   <a:srgbClr val="0070C0"/>
                 </a:solidFill>
@@ -8803,7 +8414,7 @@
               <a:t>・</a:t>
             </a:r>
             <a:r>
-              <a:rPr lang="en-US" altLang="ja-JP" sz="2000" dirty="0" smtClean="0">
+              <a:rPr lang="en-US" altLang="ja-JP" sz="2000" dirty="0">
                 <a:solidFill>
                   <a:srgbClr val="0070C0"/>
                 </a:solidFill>
@@ -8814,7 +8425,7 @@
               <a:t>SQL</a:t>
             </a:r>
             <a:r>
-              <a:rPr lang="ja-JP" altLang="en-US" sz="2000" dirty="0" smtClean="0">
+              <a:rPr lang="ja-JP" altLang="en-US" sz="2000" dirty="0">
                 <a:solidFill>
                   <a:srgbClr val="0070C0"/>
                 </a:solidFill>
@@ -8825,7 +8436,7 @@
               <a:t>実行に</a:t>
             </a:r>
             <a:r>
-              <a:rPr lang="ja-JP" altLang="en-US" sz="2000" b="1" dirty="0" smtClean="0">
+              <a:rPr lang="ja-JP" altLang="en-US" sz="2000" b="1" dirty="0">
                 <a:solidFill>
                   <a:srgbClr val="0070C0"/>
                 </a:solidFill>
@@ -8836,7 +8447,7 @@
               <a:t>特殊記号による</a:t>
             </a:r>
             <a:r>
-              <a:rPr lang="en-US" altLang="ja-JP" sz="2000" b="1" dirty="0" smtClean="0">
+              <a:rPr lang="en-US" altLang="ja-JP" sz="2000" b="1" dirty="0">
                 <a:solidFill>
                   <a:srgbClr val="0070C0"/>
                 </a:solidFill>
@@ -8847,7 +8458,7 @@
               <a:t>SQL</a:t>
             </a:r>
             <a:r>
-              <a:rPr lang="ja-JP" altLang="en-US" sz="2000" b="1" dirty="0" smtClean="0">
+              <a:rPr lang="ja-JP" altLang="en-US" sz="2000" b="1" dirty="0">
                 <a:solidFill>
                   <a:srgbClr val="0070C0"/>
                 </a:solidFill>
@@ -8855,10 +8466,10 @@
                 <a:ea typeface="Meiryo UI" pitchFamily="50" charset="-128"/>
                 <a:cs typeface="Meiryo UI" pitchFamily="50" charset="-128"/>
               </a:rPr>
-              <a:t>実行失敗</a:t>
-            </a:r>
-            <a:r>
-              <a:rPr lang="ja-JP" altLang="en-US" sz="2000" b="1" dirty="0">
+              <a:t>実行失敗・想定外動作</a:t>
+            </a:r>
+            <a:r>
+              <a:rPr lang="ja-JP" altLang="en-US" sz="2000" dirty="0">
                 <a:solidFill>
                   <a:srgbClr val="0070C0"/>
                 </a:solidFill>
@@ -8866,10 +8477,10 @@
                 <a:ea typeface="Meiryo UI" pitchFamily="50" charset="-128"/>
                 <a:cs typeface="Meiryo UI" pitchFamily="50" charset="-128"/>
               </a:rPr>
-              <a:t>・</a:t>
-            </a:r>
-            <a:r>
-              <a:rPr lang="ja-JP" altLang="en-US" sz="2000" b="1" dirty="0" smtClean="0">
+              <a:t>をそう</a:t>
+            </a:r>
+            <a:r>
+              <a:rPr lang="ja-JP" altLang="en-US" sz="2000" dirty="0" err="1">
                 <a:solidFill>
                   <a:srgbClr val="0070C0"/>
                 </a:solidFill>
@@ -8877,10 +8488,10 @@
                 <a:ea typeface="Meiryo UI" pitchFamily="50" charset="-128"/>
                 <a:cs typeface="Meiryo UI" pitchFamily="50" charset="-128"/>
               </a:rPr>
-              <a:t>想定外動作</a:t>
-            </a:r>
-            <a:r>
-              <a:rPr lang="ja-JP" altLang="en-US" sz="2000" dirty="0" smtClean="0">
+              <a:t>て</a:t>
+            </a:r>
+            <a:r>
+              <a:rPr lang="ja-JP" altLang="en-US" sz="2000" dirty="0">
                 <a:solidFill>
                   <a:srgbClr val="0070C0"/>
                 </a:solidFill>
@@ -8888,31 +8499,9 @@
                 <a:ea typeface="Meiryo UI" pitchFamily="50" charset="-128"/>
                 <a:cs typeface="Meiryo UI" pitchFamily="50" charset="-128"/>
               </a:rPr>
-              <a:t>をそう</a:t>
-            </a:r>
-            <a:r>
-              <a:rPr lang="ja-JP" altLang="en-US" sz="2000" dirty="0" err="1" smtClean="0">
-                <a:solidFill>
-                  <a:srgbClr val="0070C0"/>
-                </a:solidFill>
-                <a:latin typeface="Meiryo UI" pitchFamily="50" charset="-128"/>
-                <a:ea typeface="Meiryo UI" pitchFamily="50" charset="-128"/>
-                <a:cs typeface="Meiryo UI" pitchFamily="50" charset="-128"/>
-              </a:rPr>
-              <a:t>て</a:t>
-            </a:r>
-            <a:r>
-              <a:rPr lang="ja-JP" altLang="en-US" sz="2000" dirty="0" smtClean="0">
-                <a:solidFill>
-                  <a:srgbClr val="0070C0"/>
-                </a:solidFill>
-                <a:latin typeface="Meiryo UI" pitchFamily="50" charset="-128"/>
-                <a:ea typeface="Meiryo UI" pitchFamily="50" charset="-128"/>
-                <a:cs typeface="Meiryo UI" pitchFamily="50" charset="-128"/>
-              </a:rPr>
               <a:t>対応している。</a:t>
             </a:r>
-            <a:endParaRPr lang="en-US" altLang="ja-JP" sz="2000" dirty="0" smtClean="0">
+            <a:endParaRPr lang="en-US" altLang="ja-JP" sz="2000" dirty="0">
               <a:solidFill>
                 <a:srgbClr val="0070C0"/>
               </a:solidFill>
@@ -8972,13 +8561,6 @@
   <p:clrMapOvr>
     <a:masterClrMapping/>
   </p:clrMapOvr>
-  <p:timing>
-    <p:tnLst>
-      <p:par>
-        <p:cTn id="1" dur="indefinite" restart="never" nodeType="tmRoot"/>
-      </p:par>
-    </p:tnLst>
-  </p:timing>
 </p:sld>
 </file>
 
@@ -9107,27 +8689,8 @@
                 <a:ea typeface="Meiryo UI" pitchFamily="50" charset="-128"/>
                 <a:cs typeface="Meiryo UI" pitchFamily="50" charset="-128"/>
               </a:rPr>
-              <a:t>インジェクション</a:t>
-            </a:r>
-            <a:r>
-              <a:rPr lang="ja-JP" altLang="en-US" sz="2800" dirty="0" smtClean="0">
-                <a:solidFill>
-                  <a:schemeClr val="tx2"/>
-                </a:solidFill>
-                <a:latin typeface="Meiryo UI" pitchFamily="50" charset="-128"/>
-                <a:ea typeface="Meiryo UI" pitchFamily="50" charset="-128"/>
-                <a:cs typeface="Meiryo UI" pitchFamily="50" charset="-128"/>
-              </a:rPr>
-              <a:t>防止</a:t>
-            </a:r>
-            <a:endParaRPr lang="ja-JP" altLang="en-US" sz="2800" dirty="0">
-              <a:solidFill>
-                <a:schemeClr val="tx2"/>
-              </a:solidFill>
-              <a:latin typeface="Meiryo UI" pitchFamily="50" charset="-128"/>
-              <a:ea typeface="Meiryo UI" pitchFamily="50" charset="-128"/>
-              <a:cs typeface="Meiryo UI" pitchFamily="50" charset="-128"/>
-            </a:endParaRPr>
+              <a:t>インジェクション防止</a:t>
+            </a:r>
           </a:p>
         </p:txBody>
       </p:sp>
@@ -9606,7 +9169,7 @@
               <a:buNone/>
             </a:pPr>
             <a:r>
-              <a:rPr lang="ja-JP" altLang="en-US" sz="2000" dirty="0" smtClean="0">
+              <a:rPr lang="ja-JP" altLang="en-US" sz="2000" dirty="0">
                 <a:latin typeface="Meiryo UI" pitchFamily="50" charset="-128"/>
                 <a:ea typeface="Meiryo UI" pitchFamily="50" charset="-128"/>
                 <a:cs typeface="Meiryo UI" pitchFamily="50" charset="-128"/>
@@ -9614,7 +9177,7 @@
               <a:t>クライアントから送信された文字列は直接に、</a:t>
             </a:r>
             <a:r>
-              <a:rPr lang="en-US" altLang="ja-JP" sz="2000" dirty="0" err="1" smtClean="0">
+              <a:rPr lang="en-US" altLang="ja-JP" sz="2000" dirty="0" err="1">
                 <a:latin typeface="Meiryo UI" pitchFamily="50" charset="-128"/>
                 <a:ea typeface="Meiryo UI" pitchFamily="50" charset="-128"/>
                 <a:cs typeface="Meiryo UI" pitchFamily="50" charset="-128"/>
@@ -9622,7 +9185,7 @@
               <a:t>javaScript</a:t>
             </a:r>
             <a:r>
-              <a:rPr lang="ja-JP" altLang="en-US" sz="2000" dirty="0" smtClean="0">
+              <a:rPr lang="ja-JP" altLang="en-US" sz="2000" dirty="0">
                 <a:latin typeface="Meiryo UI" pitchFamily="50" charset="-128"/>
                 <a:ea typeface="Meiryo UI" pitchFamily="50" charset="-128"/>
                 <a:cs typeface="Meiryo UI" pitchFamily="50" charset="-128"/>
@@ -9630,7 +9193,7 @@
               <a:t>オブジェクトとして利用せず、</a:t>
             </a:r>
             <a:r>
-              <a:rPr lang="en-US" altLang="ja-JP" sz="2000" dirty="0" err="1" smtClean="0">
+              <a:rPr lang="en-US" altLang="ja-JP" sz="2000" dirty="0" err="1">
                 <a:latin typeface="Meiryo UI" pitchFamily="50" charset="-128"/>
                 <a:ea typeface="Meiryo UI" pitchFamily="50" charset="-128"/>
                 <a:cs typeface="Meiryo UI" pitchFamily="50" charset="-128"/>
@@ -9638,7 +9201,7 @@
               <a:t>JSON.parse</a:t>
             </a:r>
             <a:r>
-              <a:rPr lang="ja-JP" altLang="en-US" sz="2000" dirty="0" smtClean="0">
+              <a:rPr lang="ja-JP" altLang="en-US" sz="2000" dirty="0">
                 <a:latin typeface="Meiryo UI" pitchFamily="50" charset="-128"/>
                 <a:ea typeface="Meiryo UI" pitchFamily="50" charset="-128"/>
                 <a:cs typeface="Meiryo UI" pitchFamily="50" charset="-128"/>
@@ -9646,7 +9209,7 @@
               <a:t>で変換するため、</a:t>
             </a:r>
             <a:r>
-              <a:rPr lang="en-US" altLang="ja-JP" sz="2000" dirty="0" smtClean="0">
+              <a:rPr lang="en-US" altLang="ja-JP" sz="2000" dirty="0">
                 <a:latin typeface="Meiryo UI" pitchFamily="50" charset="-128"/>
                 <a:ea typeface="Meiryo UI" pitchFamily="50" charset="-128"/>
                 <a:cs typeface="Meiryo UI" pitchFamily="50" charset="-128"/>
@@ -9654,7 +9217,7 @@
               <a:t>JSON</a:t>
             </a:r>
             <a:r>
-              <a:rPr lang="ja-JP" altLang="en-US" sz="2000" dirty="0" smtClean="0">
+              <a:rPr lang="ja-JP" altLang="en-US" sz="2000" dirty="0">
                 <a:latin typeface="Meiryo UI" pitchFamily="50" charset="-128"/>
                 <a:ea typeface="Meiryo UI" pitchFamily="50" charset="-128"/>
                 <a:cs typeface="Meiryo UI" pitchFamily="50" charset="-128"/>
@@ -9662,7 +9225,7 @@
               <a:t>通信の</a:t>
             </a:r>
             <a:r>
-              <a:rPr lang="en-US" altLang="ja-JP" sz="2000" dirty="0" smtClean="0">
+              <a:rPr lang="en-US" altLang="ja-JP" sz="2000" dirty="0">
                 <a:latin typeface="Meiryo UI" pitchFamily="50" charset="-128"/>
                 <a:ea typeface="Meiryo UI" pitchFamily="50" charset="-128"/>
                 <a:cs typeface="Meiryo UI" pitchFamily="50" charset="-128"/>
@@ -9670,14 +9233,14 @@
               <a:t>JavaScript</a:t>
             </a:r>
             <a:r>
-              <a:rPr lang="ja-JP" altLang="en-US" sz="2000" dirty="0" smtClean="0">
+              <a:rPr lang="ja-JP" altLang="en-US" sz="2000" dirty="0">
                 <a:latin typeface="Meiryo UI" pitchFamily="50" charset="-128"/>
                 <a:ea typeface="Meiryo UI" pitchFamily="50" charset="-128"/>
                 <a:cs typeface="Meiryo UI" pitchFamily="50" charset="-128"/>
               </a:rPr>
               <a:t>インジェクションを防いだ。</a:t>
             </a:r>
-            <a:endParaRPr lang="en-US" altLang="ja-JP" sz="2000" dirty="0" smtClean="0">
+            <a:endParaRPr lang="en-US" altLang="ja-JP" sz="2000" dirty="0">
               <a:latin typeface="Meiryo UI" pitchFamily="50" charset="-128"/>
               <a:ea typeface="Meiryo UI" pitchFamily="50" charset="-128"/>
               <a:cs typeface="Meiryo UI" pitchFamily="50" charset="-128"/>
@@ -9723,7 +9286,7 @@
           <a:lstStyle/>
           <a:p>
             <a:r>
-              <a:rPr lang="en-US" altLang="ja-JP" sz="1400" dirty="0" smtClean="0">
+              <a:rPr lang="en-US" altLang="ja-JP" sz="1400" dirty="0">
                 <a:solidFill>
                   <a:schemeClr val="bg1"/>
                 </a:solidFill>
@@ -9736,7 +9299,7 @@
           </a:p>
           <a:p>
             <a:r>
-              <a:rPr lang="en-US" altLang="ja-JP" sz="1400" dirty="0" smtClean="0">
+              <a:rPr lang="en-US" altLang="ja-JP" sz="1400" dirty="0">
                 <a:solidFill>
                   <a:schemeClr val="bg1"/>
                 </a:solidFill>
@@ -9747,7 +9310,7 @@
               <a:t>{</a:t>
             </a:r>
             <a:r>
-              <a:rPr lang="en-US" altLang="ja-JP" sz="1400" dirty="0" err="1" smtClean="0">
+              <a:rPr lang="en-US" altLang="ja-JP" sz="1400" dirty="0" err="1">
                 <a:solidFill>
                   <a:schemeClr val="bg1"/>
                 </a:solidFill>
@@ -9758,7 +9321,7 @@
               <a:t>eventId</a:t>
             </a:r>
             <a:r>
-              <a:rPr lang="en-US" altLang="ja-JP" sz="1400" dirty="0" smtClean="0">
+              <a:rPr lang="en-US" altLang="ja-JP" sz="1400" dirty="0">
                 <a:solidFill>
                   <a:schemeClr val="bg1"/>
                 </a:solidFill>
@@ -9769,7 +9332,7 @@
               <a:t>:”</a:t>
             </a:r>
             <a:r>
-              <a:rPr lang="en-US" altLang="ja-JP" sz="1400" dirty="0" err="1" smtClean="0">
+              <a:rPr lang="en-US" altLang="ja-JP" sz="1400" dirty="0" err="1">
                 <a:solidFill>
                   <a:schemeClr val="bg1"/>
                 </a:solidFill>
@@ -9780,7 +9343,7 @@
               <a:t>myEventId</a:t>
             </a:r>
             <a:r>
-              <a:rPr lang="en-US" altLang="ja-JP" sz="1400" dirty="0" smtClean="0">
+              <a:rPr lang="en-US" altLang="ja-JP" sz="1400" dirty="0">
                 <a:solidFill>
                   <a:schemeClr val="bg1"/>
                 </a:solidFill>
@@ -9842,7 +9405,7 @@
           <a:p>
             <a:pPr algn="ctr"/>
             <a:r>
-              <a:rPr lang="en-US" altLang="ja-JP" sz="1400" dirty="0" smtClean="0">
+              <a:rPr lang="en-US" altLang="ja-JP" sz="1400" dirty="0">
                 <a:solidFill>
                   <a:schemeClr val="bg1"/>
                 </a:solidFill>
@@ -9853,7 +9416,7 @@
               <a:t>Exception</a:t>
             </a:r>
             <a:r>
-              <a:rPr lang="ja-JP" altLang="en-US" sz="1400" dirty="0" smtClean="0">
+              <a:rPr lang="ja-JP" altLang="en-US" sz="1400" dirty="0">
                 <a:solidFill>
                   <a:schemeClr val="bg1"/>
                 </a:solidFill>
@@ -9863,14 +9426,6 @@
               </a:rPr>
               <a:t>を投げる</a:t>
             </a:r>
-            <a:endParaRPr lang="ja-JP" altLang="en-US" sz="1400" dirty="0">
-              <a:solidFill>
-                <a:schemeClr val="bg1"/>
-              </a:solidFill>
-              <a:latin typeface="Meiryo UI" panose="020B0604030504040204" pitchFamily="50" charset="-128"/>
-              <a:ea typeface="Meiryo UI" panose="020B0604030504040204" pitchFamily="50" charset="-128"/>
-              <a:cs typeface="Meiryo UI" panose="020B0604030504040204" pitchFamily="50" charset="-128"/>
-            </a:endParaRPr>
           </a:p>
         </p:txBody>
       </p:sp>
@@ -9910,7 +9465,7 @@
           <a:p>
             <a:pPr algn="ctr"/>
             <a:r>
-              <a:rPr lang="ja-JP" altLang="en-US" sz="1400" dirty="0" smtClean="0">
+              <a:rPr lang="ja-JP" altLang="en-US" sz="1400" dirty="0">
                 <a:solidFill>
                   <a:schemeClr val="bg1"/>
                 </a:solidFill>
@@ -9920,7 +9475,7 @@
               </a:rPr>
               <a:t>クライアント</a:t>
             </a:r>
-            <a:endParaRPr kumimoji="1" lang="ja-JP" altLang="en-US" sz="1400" dirty="0" smtClean="0">
+            <a:endParaRPr kumimoji="1" lang="ja-JP" altLang="en-US" sz="1400" dirty="0">
               <a:solidFill>
                 <a:schemeClr val="bg1"/>
               </a:solidFill>
@@ -9967,7 +9522,7 @@
           <a:p>
             <a:pPr algn="ctr"/>
             <a:r>
-              <a:rPr lang="en-US" altLang="ja-JP" sz="1400" dirty="0" err="1" smtClean="0">
+              <a:rPr lang="en-US" altLang="ja-JP" sz="1400" dirty="0" err="1">
                 <a:solidFill>
                   <a:schemeClr val="bg1"/>
                 </a:solidFill>
@@ -9978,7 +9533,7 @@
               <a:t>Efw</a:t>
             </a:r>
             <a:r>
-              <a:rPr lang="ja-JP" altLang="en-US" sz="1400" dirty="0" smtClean="0">
+              <a:rPr lang="ja-JP" altLang="en-US" sz="1400" dirty="0">
                 <a:solidFill>
                   <a:schemeClr val="bg1"/>
                 </a:solidFill>
@@ -9989,7 +9544,7 @@
               <a:t>サーバ側で</a:t>
             </a:r>
             <a:r>
-              <a:rPr lang="en-US" altLang="ja-JP" sz="1400" dirty="0" err="1" smtClean="0">
+              <a:rPr lang="en-US" altLang="ja-JP" sz="1400" dirty="0" err="1">
                 <a:solidFill>
                   <a:schemeClr val="bg1"/>
                 </a:solidFill>
@@ -10000,7 +9555,7 @@
               <a:t>JSON.parse</a:t>
             </a:r>
             <a:r>
-              <a:rPr lang="en-US" altLang="ja-JP" sz="1400" dirty="0" smtClean="0">
+              <a:rPr lang="en-US" altLang="ja-JP" sz="1400" dirty="0">
                 <a:solidFill>
                   <a:schemeClr val="bg1"/>
                 </a:solidFill>
@@ -10011,7 +9566,7 @@
               <a:t>()</a:t>
             </a:r>
             <a:r>
-              <a:rPr lang="ja-JP" altLang="en-US" sz="1400" dirty="0" smtClean="0">
+              <a:rPr lang="ja-JP" altLang="en-US" sz="1400" dirty="0">
                 <a:solidFill>
                   <a:schemeClr val="bg1"/>
                 </a:solidFill>
@@ -10021,7 +9576,7 @@
               </a:rPr>
               <a:t>を利用する</a:t>
             </a:r>
-            <a:endParaRPr kumimoji="1" lang="ja-JP" altLang="en-US" sz="1400" dirty="0" smtClean="0">
+            <a:endParaRPr kumimoji="1" lang="ja-JP" altLang="en-US" sz="1400" dirty="0">
               <a:solidFill>
                 <a:schemeClr val="bg1"/>
               </a:solidFill>
@@ -10070,7 +9625,7 @@
           <a:lstStyle/>
           <a:p>
             <a:r>
-              <a:rPr lang="en-US" altLang="ja-JP" sz="1400" dirty="0" err="1" smtClean="0">
+              <a:rPr lang="en-US" altLang="ja-JP" sz="1400" dirty="0" err="1">
                 <a:solidFill>
                   <a:schemeClr val="bg1"/>
                 </a:solidFill>
@@ -10081,7 +9636,7 @@
               <a:t>JSON.parse</a:t>
             </a:r>
             <a:r>
-              <a:rPr lang="en-US" altLang="ja-JP" sz="1400" dirty="0" smtClean="0">
+              <a:rPr lang="en-US" altLang="ja-JP" sz="1400" dirty="0">
                 <a:solidFill>
                   <a:schemeClr val="bg1"/>
                 </a:solidFill>
@@ -10141,7 +9696,7 @@
           <a:p>
             <a:pPr algn="ctr"/>
             <a:r>
-              <a:rPr lang="en-US" altLang="ja-JP" sz="1400" dirty="0" err="1" smtClean="0">
+              <a:rPr lang="en-US" altLang="ja-JP" sz="1400" dirty="0" err="1">
                 <a:solidFill>
                   <a:schemeClr val="bg1"/>
                 </a:solidFill>
@@ -10152,7 +9707,7 @@
               <a:t>file.remove</a:t>
             </a:r>
             <a:r>
-              <a:rPr lang="en-US" altLang="ja-JP" sz="1400" dirty="0" smtClean="0">
+              <a:rPr lang="en-US" altLang="ja-JP" sz="1400" dirty="0">
                 <a:solidFill>
                   <a:schemeClr val="bg1"/>
                 </a:solidFill>
@@ -10162,7 +9717,7 @@
               </a:rPr>
               <a:t>(“/*.*”);</a:t>
             </a:r>
-            <a:endParaRPr kumimoji="1" lang="ja-JP" altLang="en-US" sz="1400" dirty="0" smtClean="0">
+            <a:endParaRPr kumimoji="1" lang="ja-JP" altLang="en-US" sz="1400" dirty="0">
               <a:solidFill>
                 <a:schemeClr val="bg1"/>
               </a:solidFill>
@@ -10259,7 +9814,7 @@
           <a:lstStyle/>
           <a:p>
             <a:r>
-              <a:rPr lang="en-US" altLang="ja-JP" sz="1400" dirty="0" err="1" smtClean="0">
+              <a:rPr lang="en-US" altLang="ja-JP" sz="1400" dirty="0" err="1">
                 <a:solidFill>
                   <a:schemeClr val="bg1"/>
                 </a:solidFill>
@@ -10270,7 +9825,7 @@
               <a:t>eval</a:t>
             </a:r>
             <a:r>
-              <a:rPr lang="en-US" altLang="ja-JP" sz="1400" dirty="0" smtClean="0">
+              <a:rPr lang="en-US" altLang="ja-JP" sz="1400" dirty="0">
                 <a:solidFill>
                   <a:schemeClr val="bg1"/>
                 </a:solidFill>
@@ -10332,7 +9887,7 @@
           <a:p>
             <a:pPr algn="ctr"/>
             <a:r>
-              <a:rPr lang="ja-JP" altLang="en-US" sz="1400" dirty="0" smtClean="0">
+              <a:rPr lang="ja-JP" altLang="en-US" sz="1400" dirty="0">
                 <a:solidFill>
                   <a:schemeClr val="bg1"/>
                 </a:solidFill>
@@ -10342,14 +9897,6 @@
               </a:rPr>
               <a:t>サーバ障害発生</a:t>
             </a:r>
-            <a:endParaRPr lang="ja-JP" altLang="en-US" sz="1400" dirty="0">
-              <a:solidFill>
-                <a:schemeClr val="bg1"/>
-              </a:solidFill>
-              <a:latin typeface="Meiryo UI" panose="020B0604030504040204" pitchFamily="50" charset="-128"/>
-              <a:ea typeface="Meiryo UI" panose="020B0604030504040204" pitchFamily="50" charset="-128"/>
-              <a:cs typeface="Meiryo UI" panose="020B0604030504040204" pitchFamily="50" charset="-128"/>
-            </a:endParaRPr>
           </a:p>
         </p:txBody>
       </p:sp>
@@ -10389,7 +9936,7 @@
           <a:p>
             <a:pPr algn="ctr"/>
             <a:r>
-              <a:rPr kumimoji="1" lang="en-US" altLang="ja-JP" sz="1400" dirty="0" err="1" smtClean="0">
+              <a:rPr kumimoji="1" lang="en-US" altLang="ja-JP" sz="1400" dirty="0" err="1">
                 <a:solidFill>
                   <a:schemeClr val="bg1"/>
                 </a:solidFill>
@@ -10400,7 +9947,7 @@
               <a:t>eval</a:t>
             </a:r>
             <a:r>
-              <a:rPr kumimoji="1" lang="en-US" altLang="ja-JP" sz="1400" dirty="0" smtClean="0">
+              <a:rPr kumimoji="1" lang="en-US" altLang="ja-JP" sz="1400" dirty="0">
                 <a:solidFill>
                   <a:schemeClr val="bg1"/>
                 </a:solidFill>
@@ -10411,7 +9958,7 @@
               <a:t>()</a:t>
             </a:r>
             <a:r>
-              <a:rPr kumimoji="1" lang="ja-JP" altLang="en-US" sz="1400" dirty="0" smtClean="0">
+              <a:rPr kumimoji="1" lang="ja-JP" altLang="en-US" sz="1400" dirty="0">
                 <a:solidFill>
                   <a:schemeClr val="bg1"/>
                 </a:solidFill>
@@ -10434,13 +9981,6 @@
   <p:clrMapOvr>
     <a:masterClrMapping/>
   </p:clrMapOvr>
-  <p:timing>
-    <p:tnLst>
-      <p:par>
-        <p:cTn id="1" dur="indefinite" restart="never" nodeType="tmRoot"/>
-      </p:par>
-    </p:tnLst>
-  </p:timing>
 </p:sld>
 </file>
 
@@ -10525,10 +10065,10 @@
                 <a:ea typeface="Meiryo UI" pitchFamily="50" charset="-128"/>
                 <a:cs typeface="Meiryo UI" pitchFamily="50" charset="-128"/>
               </a:rPr>
-              <a:t>３ー２</a:t>
-            </a:r>
-            <a:r>
-              <a:rPr lang="ja-JP" altLang="en-US" sz="2800" dirty="0" smtClean="0">
+              <a:t>３ー２．処理結果自動表示の</a:t>
+            </a:r>
+            <a:r>
+              <a:rPr lang="en-US" altLang="ja-JP" sz="2800" dirty="0">
                 <a:solidFill>
                   <a:schemeClr val="tx2"/>
                 </a:solidFill>
@@ -10536,7 +10076,7 @@
                 <a:ea typeface="Meiryo UI" pitchFamily="50" charset="-128"/>
                 <a:cs typeface="Meiryo UI" pitchFamily="50" charset="-128"/>
               </a:rPr>
-              <a:t>．</a:t>
+              <a:t>HTML</a:t>
             </a:r>
             <a:r>
               <a:rPr lang="ja-JP" altLang="en-US" sz="2800" dirty="0">
@@ -10547,60 +10087,8 @@
                 <a:ea typeface="Meiryo UI" pitchFamily="50" charset="-128"/>
                 <a:cs typeface="Meiryo UI" pitchFamily="50" charset="-128"/>
               </a:rPr>
-              <a:t>処理結果自動</a:t>
-            </a:r>
-            <a:r>
-              <a:rPr lang="ja-JP" altLang="en-US" sz="2800" dirty="0" smtClean="0">
-                <a:solidFill>
-                  <a:schemeClr val="tx2"/>
-                </a:solidFill>
-                <a:latin typeface="Meiryo UI" pitchFamily="50" charset="-128"/>
-                <a:ea typeface="Meiryo UI" pitchFamily="50" charset="-128"/>
-                <a:cs typeface="Meiryo UI" pitchFamily="50" charset="-128"/>
-              </a:rPr>
-              <a:t>表示の</a:t>
-            </a:r>
-            <a:r>
-              <a:rPr lang="en-US" altLang="ja-JP" sz="2800" dirty="0">
-                <a:solidFill>
-                  <a:schemeClr val="tx2"/>
-                </a:solidFill>
-                <a:latin typeface="Meiryo UI" pitchFamily="50" charset="-128"/>
-                <a:ea typeface="Meiryo UI" pitchFamily="50" charset="-128"/>
-                <a:cs typeface="Meiryo UI" pitchFamily="50" charset="-128"/>
-              </a:rPr>
-              <a:t>HTML</a:t>
-            </a:r>
-            <a:r>
-              <a:rPr lang="ja-JP" altLang="en-US" sz="2800" dirty="0">
-                <a:solidFill>
-                  <a:schemeClr val="tx2"/>
-                </a:solidFill>
-                <a:latin typeface="Meiryo UI" pitchFamily="50" charset="-128"/>
-                <a:ea typeface="Meiryo UI" pitchFamily="50" charset="-128"/>
-                <a:cs typeface="Meiryo UI" pitchFamily="50" charset="-128"/>
-              </a:rPr>
-              <a:t>インジェクション</a:t>
-            </a:r>
-            <a:r>
-              <a:rPr lang="ja-JP" altLang="en-US" sz="2800" dirty="0" smtClean="0">
-                <a:solidFill>
-                  <a:schemeClr val="tx2"/>
-                </a:solidFill>
-                <a:latin typeface="Meiryo UI" pitchFamily="50" charset="-128"/>
-                <a:ea typeface="Meiryo UI" pitchFamily="50" charset="-128"/>
-                <a:cs typeface="Meiryo UI" pitchFamily="50" charset="-128"/>
-              </a:rPr>
-              <a:t>防止</a:t>
-            </a:r>
-            <a:endParaRPr lang="ja-JP" altLang="en-US" sz="2800" dirty="0">
-              <a:solidFill>
-                <a:schemeClr val="tx2"/>
-              </a:solidFill>
-              <a:latin typeface="Meiryo UI" pitchFamily="50" charset="-128"/>
-              <a:ea typeface="Meiryo UI" pitchFamily="50" charset="-128"/>
-              <a:cs typeface="Meiryo UI" pitchFamily="50" charset="-128"/>
-            </a:endParaRPr>
+              <a:t>インジェクション防止</a:t>
+            </a:r>
           </a:p>
         </p:txBody>
       </p:sp>
@@ -11079,7 +10567,7 @@
               <a:buNone/>
             </a:pPr>
             <a:r>
-              <a:rPr lang="ja-JP" altLang="en-US" sz="2000" dirty="0" smtClean="0">
+              <a:rPr lang="ja-JP" altLang="en-US" sz="2000" dirty="0">
                 <a:latin typeface="Meiryo UI" pitchFamily="50" charset="-128"/>
                 <a:ea typeface="Meiryo UI" pitchFamily="50" charset="-128"/>
                 <a:cs typeface="Meiryo UI" pitchFamily="50" charset="-128"/>
@@ -11087,7 +10575,7 @@
               <a:t>戻り値を画面に描画する際、</a:t>
             </a:r>
             <a:r>
-              <a:rPr lang="en-US" altLang="ja-JP" sz="2000" dirty="0" smtClean="0">
+              <a:rPr lang="en-US" altLang="ja-JP" sz="2000" dirty="0">
                 <a:latin typeface="Meiryo UI" pitchFamily="50" charset="-128"/>
                 <a:ea typeface="Meiryo UI" pitchFamily="50" charset="-128"/>
                 <a:cs typeface="Meiryo UI" pitchFamily="50" charset="-128"/>
@@ -11095,7 +10583,7 @@
               <a:t>jQuery</a:t>
             </a:r>
             <a:r>
-              <a:rPr lang="ja-JP" altLang="en-US" sz="2000" dirty="0" smtClean="0">
+              <a:rPr lang="ja-JP" altLang="en-US" sz="2000" dirty="0">
                 <a:latin typeface="Meiryo UI" pitchFamily="50" charset="-128"/>
                 <a:ea typeface="Meiryo UI" pitchFamily="50" charset="-128"/>
                 <a:cs typeface="Meiryo UI" pitchFamily="50" charset="-128"/>
@@ -11103,7 +10591,7 @@
               <a:t>機能を生かして</a:t>
             </a:r>
             <a:r>
-              <a:rPr lang="en-US" altLang="ja-JP" sz="2000" dirty="0" smtClean="0">
+              <a:rPr lang="en-US" altLang="ja-JP" sz="2000" dirty="0">
                 <a:latin typeface="Meiryo UI" pitchFamily="50" charset="-128"/>
                 <a:ea typeface="Meiryo UI" pitchFamily="50" charset="-128"/>
                 <a:cs typeface="Meiryo UI" pitchFamily="50" charset="-128"/>
@@ -11111,7 +10599,7 @@
               <a:t>HTML</a:t>
             </a:r>
             <a:r>
-              <a:rPr lang="ja-JP" altLang="en-US" sz="2000" dirty="0" smtClean="0">
+              <a:rPr lang="ja-JP" altLang="en-US" sz="2000" dirty="0">
                 <a:latin typeface="Meiryo UI" pitchFamily="50" charset="-128"/>
                 <a:ea typeface="Meiryo UI" pitchFamily="50" charset="-128"/>
                 <a:cs typeface="Meiryo UI" pitchFamily="50" charset="-128"/>
@@ -11164,7 +10652,7 @@
           <a:lstStyle/>
           <a:p>
             <a:r>
-              <a:rPr lang="en-US" altLang="ja-JP" sz="1400" dirty="0" smtClean="0">
+              <a:rPr lang="en-US" altLang="ja-JP" sz="1400" dirty="0">
                 <a:solidFill>
                   <a:schemeClr val="bg1"/>
                 </a:solidFill>
@@ -11177,7 +10665,7 @@
           </a:p>
           <a:p>
             <a:r>
-              <a:rPr lang="en-US" altLang="ja-JP" sz="1400" dirty="0" smtClean="0">
+              <a:rPr lang="en-US" altLang="ja-JP" sz="1400" dirty="0">
                 <a:solidFill>
                   <a:schemeClr val="bg1"/>
                 </a:solidFill>
@@ -11188,7 +10676,7 @@
               <a:t>.</a:t>
             </a:r>
             <a:r>
-              <a:rPr lang="en-US" altLang="ja-JP" sz="1400" dirty="0" err="1" smtClean="0">
+              <a:rPr lang="en-US" altLang="ja-JP" sz="1400" dirty="0" err="1">
                 <a:solidFill>
                   <a:schemeClr val="bg1"/>
                 </a:solidFill>
@@ -11199,7 +10687,7 @@
               <a:t>runat</a:t>
             </a:r>
             <a:r>
-              <a:rPr lang="en-US" altLang="ja-JP" sz="1400" dirty="0" smtClean="0">
+              <a:rPr lang="en-US" altLang="ja-JP" sz="1400" dirty="0">
                 <a:solidFill>
                   <a:schemeClr val="bg1"/>
                 </a:solidFill>
@@ -11212,7 +10700,7 @@
           </a:p>
           <a:p>
             <a:r>
-              <a:rPr lang="en-US" altLang="ja-JP" sz="1400" dirty="0" smtClean="0">
+              <a:rPr lang="en-US" altLang="ja-JP" sz="1400" dirty="0">
                 <a:solidFill>
                   <a:schemeClr val="bg1"/>
                 </a:solidFill>
@@ -11223,7 +10711,7 @@
               <a:t>.</a:t>
             </a:r>
             <a:r>
-              <a:rPr lang="en-US" altLang="ja-JP" sz="1400" dirty="0" err="1" smtClean="0">
+              <a:rPr lang="en-US" altLang="ja-JP" sz="1400" dirty="0" err="1">
                 <a:solidFill>
                   <a:schemeClr val="bg1"/>
                 </a:solidFill>
@@ -11234,7 +10722,7 @@
               <a:t>withdata</a:t>
             </a:r>
             <a:r>
-              <a:rPr lang="en-US" altLang="ja-JP" sz="1400" dirty="0" smtClean="0">
+              <a:rPr lang="en-US" altLang="ja-JP" sz="1400" dirty="0">
                 <a:solidFill>
                   <a:schemeClr val="bg1"/>
                 </a:solidFill>
@@ -11247,7 +10735,7 @@
           </a:p>
           <a:p>
             <a:r>
-              <a:rPr lang="en-US" altLang="ja-JP" sz="1400" dirty="0" smtClean="0">
+              <a:rPr lang="en-US" altLang="ja-JP" sz="1400" dirty="0">
                 <a:solidFill>
                   <a:schemeClr val="bg1"/>
                 </a:solidFill>
@@ -11258,7 +10746,7 @@
               <a:t>    “#span_value”:</a:t>
             </a:r>
             <a:r>
-              <a:rPr lang="en-US" altLang="ja-JP" sz="1400" dirty="0" err="1" smtClean="0">
+              <a:rPr lang="en-US" altLang="ja-JP" sz="1400" dirty="0" err="1">
                 <a:solidFill>
                   <a:schemeClr val="bg1"/>
                 </a:solidFill>
@@ -11277,31 +10765,12 @@
                 <a:ea typeface="Meiryo UI" panose="020B0604030504040204" pitchFamily="50" charset="-128"/>
                 <a:cs typeface="Meiryo UI" panose="020B0604030504040204" pitchFamily="50" charset="-128"/>
               </a:rPr>
-              <a:t>[“#input1”]</a:t>
-            </a:r>
-            <a:r>
-              <a:rPr lang="en-US" altLang="ja-JP" sz="1400" dirty="0" smtClean="0">
-                <a:solidFill>
-                  <a:schemeClr val="bg1"/>
-                </a:solidFill>
-                <a:latin typeface="Meiryo UI" panose="020B0604030504040204" pitchFamily="50" charset="-128"/>
-                <a:ea typeface="Meiryo UI" panose="020B0604030504040204" pitchFamily="50" charset="-128"/>
-                <a:cs typeface="Meiryo UI" panose="020B0604030504040204" pitchFamily="50" charset="-128"/>
-              </a:rPr>
-              <a:t>,</a:t>
-            </a:r>
-            <a:endParaRPr lang="en-US" altLang="ja-JP" sz="1400" dirty="0">
-              <a:solidFill>
-                <a:schemeClr val="bg1"/>
-              </a:solidFill>
-              <a:latin typeface="Meiryo UI" panose="020B0604030504040204" pitchFamily="50" charset="-128"/>
-              <a:ea typeface="Meiryo UI" panose="020B0604030504040204" pitchFamily="50" charset="-128"/>
-              <a:cs typeface="Meiryo UI" panose="020B0604030504040204" pitchFamily="50" charset="-128"/>
-            </a:endParaRPr>
-          </a:p>
-          <a:p>
-            <a:r>
-              <a:rPr lang="en-US" altLang="ja-JP" sz="1400" dirty="0" smtClean="0">
+              <a:t>[“#input1”],</a:t>
+            </a:r>
+          </a:p>
+          <a:p>
+            <a:r>
+              <a:rPr lang="en-US" altLang="ja-JP" sz="1400" dirty="0">
                 <a:solidFill>
                   <a:schemeClr val="bg1"/>
                 </a:solidFill>
@@ -11362,7 +10831,7 @@
           <a:lstStyle/>
           <a:p>
             <a:r>
-              <a:rPr lang="en-US" altLang="ja-JP" sz="1400" dirty="0" smtClean="0">
+              <a:rPr lang="en-US" altLang="ja-JP" sz="1400" dirty="0">
                 <a:solidFill>
                   <a:schemeClr val="tx1"/>
                 </a:solidFill>
@@ -11373,7 +10842,7 @@
               <a:t>B</a:t>
             </a:r>
             <a:r>
-              <a:rPr lang="ja-JP" altLang="en-US" sz="1400" dirty="0" smtClean="0">
+              <a:rPr lang="ja-JP" altLang="en-US" sz="1400" dirty="0">
                 <a:solidFill>
                   <a:schemeClr val="tx1"/>
                 </a:solidFill>
@@ -11383,7 +10852,7 @@
               </a:rPr>
               <a:t>画面</a:t>
             </a:r>
-            <a:endParaRPr lang="en-US" altLang="ja-JP" sz="1400" dirty="0" smtClean="0">
+            <a:endParaRPr lang="en-US" altLang="ja-JP" sz="1400" dirty="0">
               <a:solidFill>
                 <a:schemeClr val="tx1"/>
               </a:solidFill>
@@ -11393,7 +10862,7 @@
             </a:endParaRPr>
           </a:p>
           <a:p>
-            <a:endParaRPr lang="en-US" altLang="ja-JP" sz="1400" dirty="0" smtClean="0">
+            <a:endParaRPr lang="en-US" altLang="ja-JP" sz="1400" dirty="0">
               <a:solidFill>
                 <a:schemeClr val="tx1"/>
               </a:solidFill>
@@ -11404,7 +10873,7 @@
           </a:p>
           <a:p>
             <a:r>
-              <a:rPr lang="ja-JP" altLang="en-US" sz="1400" dirty="0" smtClean="0">
+              <a:rPr lang="ja-JP" altLang="en-US" sz="1400" dirty="0">
                 <a:solidFill>
                   <a:schemeClr val="tx1"/>
                 </a:solidFill>
@@ -11415,7 +10884,7 @@
               <a:t>商品名</a:t>
             </a:r>
             <a:r>
-              <a:rPr lang="en-US" altLang="ja-JP" sz="1400" dirty="0" smtClean="0">
+              <a:rPr lang="en-US" altLang="ja-JP" sz="1400" dirty="0">
                 <a:solidFill>
                   <a:schemeClr val="tx1"/>
                 </a:solidFill>
@@ -11423,18 +10892,7 @@
                 <a:ea typeface="Meiryo UI" panose="020B0604030504040204" pitchFamily="50" charset="-128"/>
                 <a:cs typeface="Meiryo UI" panose="020B0604030504040204" pitchFamily="50" charset="-128"/>
               </a:rPr>
-              <a:t>:&lt;</a:t>
-            </a:r>
-            <a:r>
-              <a:rPr lang="en-US" altLang="ja-JP" sz="1400" dirty="0">
-                <a:solidFill>
-                  <a:schemeClr val="tx1"/>
-                </a:solidFill>
-                <a:latin typeface="Meiryo UI" panose="020B0604030504040204" pitchFamily="50" charset="-128"/>
-                <a:ea typeface="Meiryo UI" panose="020B0604030504040204" pitchFamily="50" charset="-128"/>
-                <a:cs typeface="Meiryo UI" panose="020B0604030504040204" pitchFamily="50" charset="-128"/>
-              </a:rPr>
-              <a:t>a </a:t>
+              <a:t>:&lt;a </a:t>
             </a:r>
             <a:r>
               <a:rPr lang="en-US" altLang="ja-JP" sz="1400" dirty="0" err="1">
@@ -11558,7 +11016,7 @@
           <a:lstStyle/>
           <a:p>
             <a:pPr algn="ctr"/>
-            <a:endParaRPr kumimoji="1" lang="ja-JP" altLang="en-US" sz="1400" dirty="0" smtClean="0">
+            <a:endParaRPr kumimoji="1" lang="ja-JP" altLang="en-US" sz="1400" dirty="0">
               <a:solidFill>
                 <a:schemeClr val="tx1"/>
               </a:solidFill>
@@ -11609,7 +11067,7 @@
           <a:lstStyle/>
           <a:p>
             <a:r>
-              <a:rPr lang="en-US" altLang="ja-JP" sz="1400" dirty="0" smtClean="0">
+              <a:rPr lang="en-US" altLang="ja-JP" sz="1400" dirty="0">
                 <a:solidFill>
                   <a:schemeClr val="tx1"/>
                 </a:solidFill>
@@ -11620,7 +11078,7 @@
               <a:t>A</a:t>
             </a:r>
             <a:r>
-              <a:rPr lang="ja-JP" altLang="en-US" sz="1400" dirty="0" smtClean="0">
+              <a:rPr lang="ja-JP" altLang="en-US" sz="1400" dirty="0">
                 <a:solidFill>
                   <a:schemeClr val="tx1"/>
                 </a:solidFill>
@@ -11630,7 +11088,7 @@
               </a:rPr>
               <a:t>画面</a:t>
             </a:r>
-            <a:endParaRPr lang="en-US" altLang="ja-JP" sz="1400" dirty="0" smtClean="0">
+            <a:endParaRPr lang="en-US" altLang="ja-JP" sz="1400" dirty="0">
               <a:solidFill>
                 <a:schemeClr val="tx1"/>
               </a:solidFill>
@@ -11640,7 +11098,7 @@
             </a:endParaRPr>
           </a:p>
           <a:p>
-            <a:endParaRPr lang="en-US" altLang="ja-JP" sz="1400" dirty="0" smtClean="0">
+            <a:endParaRPr lang="en-US" altLang="ja-JP" sz="1400" dirty="0">
               <a:solidFill>
                 <a:schemeClr val="tx1"/>
               </a:solidFill>
@@ -11651,7 +11109,7 @@
           </a:p>
           <a:p>
             <a:r>
-              <a:rPr lang="ja-JP" altLang="en-US" sz="1400" dirty="0" smtClean="0">
+              <a:rPr lang="ja-JP" altLang="en-US" sz="1400" dirty="0">
                 <a:solidFill>
                   <a:schemeClr val="tx1"/>
                 </a:solidFill>
@@ -11662,7 +11120,7 @@
               <a:t>商品名</a:t>
             </a:r>
             <a:r>
-              <a:rPr lang="en-US" altLang="ja-JP" sz="1400" dirty="0" smtClean="0">
+              <a:rPr lang="en-US" altLang="ja-JP" sz="1400" dirty="0">
                 <a:solidFill>
                   <a:schemeClr val="tx1"/>
                 </a:solidFill>
@@ -11719,7 +11177,7 @@
           <a:p>
             <a:pPr algn="ctr"/>
             <a:r>
-              <a:rPr kumimoji="1" lang="en-US" altLang="ja-JP" sz="1400" dirty="0" smtClean="0">
+              <a:rPr kumimoji="1" lang="en-US" altLang="ja-JP" sz="1400" dirty="0">
                 <a:solidFill>
                   <a:schemeClr val="bg1"/>
                 </a:solidFill>
@@ -11730,7 +11188,7 @@
               <a:t>&lt;a </a:t>
             </a:r>
             <a:r>
-              <a:rPr kumimoji="1" lang="en-US" altLang="ja-JP" sz="1400" dirty="0" err="1" smtClean="0">
+              <a:rPr kumimoji="1" lang="en-US" altLang="ja-JP" sz="1400" dirty="0" err="1">
                 <a:solidFill>
                   <a:schemeClr val="bg1"/>
                 </a:solidFill>
@@ -11741,7 +11199,7 @@
               <a:t>href</a:t>
             </a:r>
             <a:r>
-              <a:rPr kumimoji="1" lang="en-US" altLang="ja-JP" sz="1400" dirty="0" smtClean="0">
+              <a:rPr kumimoji="1" lang="en-US" altLang="ja-JP" sz="1400" dirty="0">
                 <a:solidFill>
                   <a:schemeClr val="bg1"/>
                 </a:solidFill>
@@ -11752,7 +11210,7 @@
               <a:t>=“</a:t>
             </a:r>
             <a:r>
-              <a:rPr kumimoji="1" lang="ja-JP" altLang="en-US" sz="1400" dirty="0" smtClean="0">
+              <a:rPr kumimoji="1" lang="ja-JP" altLang="en-US" sz="1400" dirty="0">
                 <a:solidFill>
                   <a:schemeClr val="bg1"/>
                 </a:solidFill>
@@ -11763,7 +11221,7 @@
               <a:t>中古</a:t>
             </a:r>
             <a:r>
-              <a:rPr kumimoji="1" lang="en-US" altLang="ja-JP" sz="1400" dirty="0" smtClean="0">
+              <a:rPr kumimoji="1" lang="en-US" altLang="ja-JP" sz="1400" dirty="0">
                 <a:solidFill>
                   <a:schemeClr val="bg1"/>
                 </a:solidFill>
@@ -11774,7 +11232,7 @@
               <a:t>”&gt;</a:t>
             </a:r>
             <a:r>
-              <a:rPr kumimoji="1" lang="ja-JP" altLang="en-US" sz="1400" dirty="0" smtClean="0">
+              <a:rPr kumimoji="1" lang="ja-JP" altLang="en-US" sz="1400" dirty="0">
                 <a:solidFill>
                   <a:schemeClr val="bg1"/>
                 </a:solidFill>
@@ -11785,7 +11243,7 @@
               <a:t>正規</a:t>
             </a:r>
             <a:r>
-              <a:rPr lang="ja-JP" altLang="en-US" sz="1400" dirty="0" smtClean="0">
+              <a:rPr lang="ja-JP" altLang="en-US" sz="1400" dirty="0">
                 <a:solidFill>
                   <a:schemeClr val="bg1"/>
                 </a:solidFill>
@@ -11796,7 +11254,7 @@
               <a:t>品</a:t>
             </a:r>
             <a:r>
-              <a:rPr lang="en-US" altLang="ja-JP" sz="1400" dirty="0" smtClean="0">
+              <a:rPr lang="en-US" altLang="ja-JP" sz="1400" dirty="0">
                 <a:solidFill>
                   <a:schemeClr val="bg1"/>
                 </a:solidFill>
@@ -11806,7 +11264,7 @@
               </a:rPr>
               <a:t>&lt;/a&gt;</a:t>
             </a:r>
-            <a:endParaRPr kumimoji="1" lang="ja-JP" altLang="en-US" sz="1400" dirty="0" smtClean="0">
+            <a:endParaRPr kumimoji="1" lang="ja-JP" altLang="en-US" sz="1400" dirty="0">
               <a:solidFill>
                 <a:schemeClr val="bg1"/>
               </a:solidFill>
@@ -11852,7 +11310,7 @@
           <a:lstStyle/>
           <a:p>
             <a:pPr algn="ctr"/>
-            <a:endParaRPr kumimoji="1" lang="ja-JP" altLang="en-US" sz="1400" dirty="0" smtClean="0">
+            <a:endParaRPr kumimoji="1" lang="ja-JP" altLang="en-US" sz="1400" dirty="0">
               <a:solidFill>
                 <a:schemeClr val="tx1"/>
               </a:solidFill>
@@ -11951,7 +11409,7 @@
           <a:lstStyle/>
           <a:p>
             <a:r>
-              <a:rPr lang="en-US" altLang="ja-JP" sz="1400" dirty="0" smtClean="0">
+              <a:rPr lang="en-US" altLang="ja-JP" sz="1400" dirty="0">
                 <a:solidFill>
                   <a:schemeClr val="tx1"/>
                 </a:solidFill>
@@ -11962,7 +11420,7 @@
               <a:t>B</a:t>
             </a:r>
             <a:r>
-              <a:rPr lang="ja-JP" altLang="en-US" sz="1400" dirty="0" smtClean="0">
+              <a:rPr lang="ja-JP" altLang="en-US" sz="1400" dirty="0">
                 <a:solidFill>
                   <a:schemeClr val="tx1"/>
                 </a:solidFill>
@@ -11972,7 +11430,7 @@
               </a:rPr>
               <a:t>画面</a:t>
             </a:r>
-            <a:endParaRPr lang="en-US" altLang="ja-JP" sz="1400" dirty="0" smtClean="0">
+            <a:endParaRPr lang="en-US" altLang="ja-JP" sz="1400" dirty="0">
               <a:solidFill>
                 <a:schemeClr val="tx1"/>
               </a:solidFill>
@@ -11982,7 +11440,7 @@
             </a:endParaRPr>
           </a:p>
           <a:p>
-            <a:endParaRPr lang="en-US" altLang="ja-JP" sz="1400" dirty="0" smtClean="0">
+            <a:endParaRPr lang="en-US" altLang="ja-JP" sz="1400" dirty="0">
               <a:solidFill>
                 <a:schemeClr val="tx1"/>
               </a:solidFill>
@@ -11993,7 +11451,7 @@
           </a:p>
           <a:p>
             <a:r>
-              <a:rPr lang="ja-JP" altLang="en-US" sz="1400" dirty="0" smtClean="0">
+              <a:rPr lang="ja-JP" altLang="en-US" sz="1400" dirty="0">
                 <a:solidFill>
                   <a:schemeClr val="tx1"/>
                 </a:solidFill>
@@ -12004,7 +11462,7 @@
               <a:t>商品名</a:t>
             </a:r>
             <a:r>
-              <a:rPr lang="en-US" altLang="ja-JP" sz="1400" dirty="0" smtClean="0">
+              <a:rPr lang="en-US" altLang="ja-JP" sz="1400" dirty="0">
                 <a:solidFill>
                   <a:schemeClr val="tx1"/>
                 </a:solidFill>
@@ -12015,7 +11473,7 @@
               <a:t>:</a:t>
             </a:r>
             <a:r>
-              <a:rPr lang="ja-JP" altLang="en-US" sz="1400" u="sng" dirty="0" smtClean="0">
+              <a:rPr lang="ja-JP" altLang="en-US" sz="1400" u="sng" dirty="0">
                 <a:solidFill>
                   <a:schemeClr val="tx1"/>
                 </a:solidFill>
@@ -12025,14 +11483,6 @@
               </a:rPr>
               <a:t>正規品</a:t>
             </a:r>
-            <a:endParaRPr lang="ja-JP" altLang="en-US" sz="1400" u="sng" dirty="0">
-              <a:solidFill>
-                <a:schemeClr val="tx1"/>
-              </a:solidFill>
-              <a:latin typeface="Meiryo UI" panose="020B0604030504040204" pitchFamily="50" charset="-128"/>
-              <a:ea typeface="Meiryo UI" panose="020B0604030504040204" pitchFamily="50" charset="-128"/>
-              <a:cs typeface="Meiryo UI" panose="020B0604030504040204" pitchFamily="50" charset="-128"/>
-            </a:endParaRPr>
           </a:p>
           <a:p>
             <a:endParaRPr lang="ja-JP" altLang="en-US" sz="1400" dirty="0">
@@ -12081,7 +11531,7 @@
           <a:lstStyle/>
           <a:p>
             <a:pPr algn="ctr"/>
-            <a:endParaRPr kumimoji="1" lang="ja-JP" altLang="en-US" sz="1400" dirty="0" smtClean="0">
+            <a:endParaRPr kumimoji="1" lang="ja-JP" altLang="en-US" sz="1400" dirty="0">
               <a:solidFill>
                 <a:schemeClr val="tx1"/>
               </a:solidFill>
@@ -12127,42 +11577,42 @@
           <a:lstStyle/>
           <a:p>
             <a:r>
-              <a:rPr lang="en-US" altLang="ja-JP" sz="1400" dirty="0" err="1" smtClean="0"/>
+              <a:rPr lang="en-US" altLang="ja-JP" sz="1400" dirty="0" err="1"/>
               <a:t>Efw</a:t>
             </a:r>
             <a:r>
-              <a:rPr lang="ja-JP" altLang="en-US" sz="1400" dirty="0" smtClean="0"/>
+              <a:rPr lang="ja-JP" altLang="en-US" sz="1400" dirty="0"/>
               <a:t>は</a:t>
             </a:r>
             <a:r>
-              <a:rPr lang="en-US" altLang="ja-JP" sz="1400" dirty="0" smtClean="0"/>
+              <a:rPr lang="en-US" altLang="ja-JP" sz="1400" dirty="0"/>
               <a:t>jQuery</a:t>
             </a:r>
             <a:r>
-              <a:rPr lang="ja-JP" altLang="en-US" sz="1400" dirty="0" smtClean="0"/>
+              <a:rPr lang="ja-JP" altLang="en-US" sz="1400" dirty="0"/>
               <a:t>の</a:t>
             </a:r>
             <a:r>
-              <a:rPr lang="en-US" altLang="ja-JP" sz="1400" dirty="0" err="1" smtClean="0"/>
+              <a:rPr lang="en-US" altLang="ja-JP" sz="1400" dirty="0" err="1"/>
               <a:t>val</a:t>
             </a:r>
             <a:r>
-              <a:rPr lang="en-US" altLang="ja-JP" sz="1400" dirty="0" smtClean="0"/>
+              <a:rPr lang="en-US" altLang="ja-JP" sz="1400" dirty="0"/>
               <a:t>(data)</a:t>
             </a:r>
             <a:r>
-              <a:rPr lang="ja-JP" altLang="en-US" sz="1400" dirty="0" smtClean="0"/>
+              <a:rPr lang="ja-JP" altLang="en-US" sz="1400" dirty="0"/>
               <a:t>と</a:t>
             </a:r>
             <a:r>
-              <a:rPr lang="en-US" altLang="ja-JP" sz="1400" dirty="0" smtClean="0"/>
+              <a:rPr lang="en-US" altLang="ja-JP" sz="1400" dirty="0"/>
               <a:t>text(data)</a:t>
             </a:r>
             <a:r>
-              <a:rPr lang="ja-JP" altLang="en-US" sz="1400" dirty="0" smtClean="0"/>
+              <a:rPr lang="ja-JP" altLang="en-US" sz="1400" dirty="0"/>
               <a:t>を利用する</a:t>
             </a:r>
-            <a:endParaRPr kumimoji="1" lang="ja-JP" altLang="en-US" sz="1400" dirty="0" smtClean="0">
+            <a:endParaRPr kumimoji="1" lang="ja-JP" altLang="en-US" sz="1400" dirty="0">
               <a:solidFill>
                 <a:schemeClr val="bg1"/>
               </a:solidFill>
@@ -12212,19 +11662,15 @@
               <a:t>jQuery</a:t>
             </a:r>
             <a:r>
-              <a:rPr lang="ja-JP" altLang="en-US" sz="1400" dirty="0" smtClean="0"/>
+              <a:rPr lang="ja-JP" altLang="en-US" sz="1400" dirty="0"/>
               <a:t>の</a:t>
             </a:r>
             <a:r>
-              <a:rPr lang="en-US" altLang="ja-JP" sz="1400" dirty="0" smtClean="0"/>
-              <a:t>html(data</a:t>
-            </a:r>
-            <a:r>
               <a:rPr lang="en-US" altLang="ja-JP" sz="1400" dirty="0"/>
-              <a:t>)</a:t>
-            </a:r>
-            <a:r>
-              <a:rPr lang="ja-JP" altLang="en-US" sz="1400" dirty="0" smtClean="0"/>
+              <a:t>html(data)</a:t>
+            </a:r>
+            <a:r>
+              <a:rPr lang="ja-JP" altLang="en-US" sz="1400" dirty="0"/>
               <a:t>を利用する</a:t>
             </a:r>
             <a:r>
@@ -12435,7 +11881,7 @@
               <a:buNone/>
             </a:pPr>
             <a:r>
-              <a:rPr lang="en-US" altLang="ja-JP" sz="2000" dirty="0" err="1" smtClean="0">
+              <a:rPr lang="en-US" altLang="ja-JP" sz="2000" dirty="0" err="1">
                 <a:solidFill>
                   <a:srgbClr val="FF0000"/>
                 </a:solidFill>
@@ -12446,7 +11892,7 @@
               <a:t>Result.append</a:t>
             </a:r>
             <a:r>
-              <a:rPr lang="ja-JP" altLang="en-US" sz="2000" dirty="0" smtClean="0">
+              <a:rPr lang="ja-JP" altLang="en-US" sz="2000" dirty="0">
                 <a:solidFill>
                   <a:srgbClr val="FF0000"/>
                 </a:solidFill>
@@ -12457,7 +11903,7 @@
               <a:t>でエンコードなしの処理結果表示の使い方がある。</a:t>
             </a:r>
             <a:r>
-              <a:rPr lang="en-US" altLang="ja-JP" sz="2000" dirty="0" err="1" smtClean="0">
+              <a:rPr lang="en-US" altLang="ja-JP" sz="2000" dirty="0" err="1">
                 <a:solidFill>
                   <a:srgbClr val="FF0000"/>
                 </a:solidFill>
@@ -12468,7 +11914,7 @@
               <a:t>Result.eval</a:t>
             </a:r>
             <a:r>
-              <a:rPr lang="ja-JP" altLang="en-US" sz="2000" dirty="0" smtClean="0">
+              <a:rPr lang="ja-JP" altLang="en-US" sz="2000" dirty="0">
                 <a:solidFill>
                   <a:srgbClr val="FF0000"/>
                 </a:solidFill>
@@ -12479,7 +11925,7 @@
               <a:t>で画面の</a:t>
             </a:r>
             <a:r>
-              <a:rPr lang="en-US" altLang="ja-JP" sz="2000" dirty="0" err="1" smtClean="0">
+              <a:rPr lang="en-US" altLang="ja-JP" sz="2000" dirty="0" err="1">
                 <a:solidFill>
                   <a:srgbClr val="FF0000"/>
                 </a:solidFill>
@@ -12490,7 +11936,7 @@
               <a:t>javaScript</a:t>
             </a:r>
             <a:r>
-              <a:rPr lang="ja-JP" altLang="en-US" sz="2000" dirty="0" smtClean="0">
+              <a:rPr lang="ja-JP" altLang="en-US" sz="2000" dirty="0">
                 <a:solidFill>
                   <a:srgbClr val="FF0000"/>
                 </a:solidFill>
@@ -12521,13 +11967,6 @@
   <p:clrMapOvr>
     <a:masterClrMapping/>
   </p:clrMapOvr>
-  <p:timing>
-    <p:tnLst>
-      <p:par>
-        <p:cTn id="1" dur="indefinite" restart="never" nodeType="tmRoot"/>
-      </p:par>
-    </p:tnLst>
-  </p:timing>
 </p:sld>
 </file>
 
@@ -12634,27 +12073,8 @@
                 <a:ea typeface="Meiryo UI" pitchFamily="50" charset="-128"/>
                 <a:cs typeface="Meiryo UI" pitchFamily="50" charset="-128"/>
               </a:rPr>
-              <a:t>インジェクション</a:t>
-            </a:r>
-            <a:r>
-              <a:rPr lang="ja-JP" altLang="en-US" sz="2800" dirty="0" smtClean="0">
-                <a:solidFill>
-                  <a:schemeClr val="tx2"/>
-                </a:solidFill>
-                <a:latin typeface="Meiryo UI" pitchFamily="50" charset="-128"/>
-                <a:ea typeface="Meiryo UI" pitchFamily="50" charset="-128"/>
-                <a:cs typeface="Meiryo UI" pitchFamily="50" charset="-128"/>
-              </a:rPr>
-              <a:t>防止</a:t>
-            </a:r>
-            <a:endParaRPr lang="ja-JP" altLang="en-US" sz="2800" dirty="0">
-              <a:solidFill>
-                <a:schemeClr val="tx2"/>
-              </a:solidFill>
-              <a:latin typeface="Meiryo UI" pitchFamily="50" charset="-128"/>
-              <a:ea typeface="Meiryo UI" pitchFamily="50" charset="-128"/>
-              <a:cs typeface="Meiryo UI" pitchFamily="50" charset="-128"/>
-            </a:endParaRPr>
+              <a:t>インジェクション防止</a:t>
+            </a:r>
           </a:p>
         </p:txBody>
       </p:sp>
@@ -13133,7 +12553,7 @@
               <a:buNone/>
             </a:pPr>
             <a:r>
-              <a:rPr lang="en-US" altLang="ja-JP" sz="2000" dirty="0" err="1" smtClean="0">
+              <a:rPr lang="en-US" altLang="ja-JP" sz="2000" dirty="0" err="1">
                 <a:solidFill>
                   <a:srgbClr val="002060"/>
                 </a:solidFill>
@@ -13144,7 +12564,7 @@
               <a:t>Efw</a:t>
             </a:r>
             <a:r>
-              <a:rPr lang="ja-JP" altLang="en-US" sz="2000" dirty="0" smtClean="0">
+              <a:rPr lang="ja-JP" altLang="en-US" sz="2000" dirty="0">
                 <a:solidFill>
                   <a:srgbClr val="002060"/>
                 </a:solidFill>
@@ -13155,7 +12575,7 @@
               <a:t>は、外出し</a:t>
             </a:r>
             <a:r>
-              <a:rPr lang="en-US" altLang="ja-JP" sz="2000" dirty="0" smtClean="0">
+              <a:rPr lang="en-US" altLang="ja-JP" sz="2000" dirty="0">
                 <a:solidFill>
                   <a:srgbClr val="002060"/>
                 </a:solidFill>
@@ -13166,7 +12586,7 @@
               <a:t>SQL</a:t>
             </a:r>
             <a:r>
-              <a:rPr lang="ja-JP" altLang="en-US" sz="2000" dirty="0" smtClean="0">
+              <a:rPr lang="ja-JP" altLang="en-US" sz="2000" dirty="0">
                 <a:solidFill>
                   <a:srgbClr val="002060"/>
                 </a:solidFill>
@@ -13174,43 +12594,21 @@
                 <a:ea typeface="Meiryo UI" pitchFamily="50" charset="-128"/>
                 <a:cs typeface="Meiryo UI" pitchFamily="50" charset="-128"/>
               </a:rPr>
-              <a:t>のパラメータ</a:t>
+              <a:t>のパラメータは、プリペアドステートメント方式のパラメータに変換し、</a:t>
+            </a:r>
+            <a:r>
+              <a:rPr lang="en-US" altLang="ja-JP" sz="2000" dirty="0">
+                <a:solidFill>
+                  <a:srgbClr val="002060"/>
+                </a:solidFill>
+                <a:latin typeface="Meiryo UI" pitchFamily="50" charset="-128"/>
+                <a:ea typeface="Meiryo UI" pitchFamily="50" charset="-128"/>
+                <a:cs typeface="Meiryo UI" pitchFamily="50" charset="-128"/>
+              </a:rPr>
+              <a:t>SQL</a:t>
             </a:r>
             <a:r>
               <a:rPr lang="ja-JP" altLang="en-US" sz="2000" dirty="0">
-                <a:solidFill>
-                  <a:srgbClr val="002060"/>
-                </a:solidFill>
-                <a:latin typeface="Meiryo UI" pitchFamily="50" charset="-128"/>
-                <a:ea typeface="Meiryo UI" pitchFamily="50" charset="-128"/>
-                <a:cs typeface="Meiryo UI" pitchFamily="50" charset="-128"/>
-              </a:rPr>
-              <a:t>は、</a:t>
-            </a:r>
-            <a:r>
-              <a:rPr lang="ja-JP" altLang="en-US" sz="2000" dirty="0" smtClean="0">
-                <a:solidFill>
-                  <a:srgbClr val="002060"/>
-                </a:solidFill>
-                <a:latin typeface="Meiryo UI" pitchFamily="50" charset="-128"/>
-                <a:ea typeface="Meiryo UI" pitchFamily="50" charset="-128"/>
-                <a:cs typeface="Meiryo UI" pitchFamily="50" charset="-128"/>
-              </a:rPr>
-              <a:t>プリペアドステートメント方式のパラメータに変換し、</a:t>
-            </a:r>
-            <a:r>
-              <a:rPr lang="en-US" altLang="ja-JP" sz="2000" dirty="0" smtClean="0">
-                <a:solidFill>
-                  <a:srgbClr val="002060"/>
-                </a:solidFill>
-                <a:latin typeface="Meiryo UI" pitchFamily="50" charset="-128"/>
-                <a:ea typeface="Meiryo UI" pitchFamily="50" charset="-128"/>
-                <a:cs typeface="Meiryo UI" pitchFamily="50" charset="-128"/>
-              </a:rPr>
-              <a:t>SQL</a:t>
-            </a:r>
-            <a:r>
-              <a:rPr lang="ja-JP" altLang="en-US" sz="2000" dirty="0" smtClean="0">
                 <a:solidFill>
                   <a:srgbClr val="002060"/>
                 </a:solidFill>
@@ -13269,7 +12667,7 @@
           <a:lstStyle/>
           <a:p>
             <a:r>
-              <a:rPr lang="en-US" altLang="ja-JP" sz="1400" dirty="0" smtClean="0">
+              <a:rPr lang="en-US" altLang="ja-JP" sz="1400" dirty="0">
                 <a:solidFill>
                   <a:schemeClr val="bg1"/>
                 </a:solidFill>
@@ -13280,7 +12678,7 @@
               <a:t>&lt;</a:t>
             </a:r>
             <a:r>
-              <a:rPr lang="en-US" altLang="ja-JP" sz="1400" dirty="0" err="1" smtClean="0">
+              <a:rPr lang="en-US" altLang="ja-JP" sz="1400" dirty="0" err="1">
                 <a:solidFill>
                   <a:schemeClr val="bg1"/>
                 </a:solidFill>
@@ -13291,7 +12689,7 @@
               <a:t>sql</a:t>
             </a:r>
             <a:r>
-              <a:rPr lang="en-US" altLang="ja-JP" sz="1400" dirty="0" smtClean="0">
+              <a:rPr lang="en-US" altLang="ja-JP" sz="1400" dirty="0">
                 <a:solidFill>
                   <a:schemeClr val="bg1"/>
                 </a:solidFill>
@@ -13302,7 +12700,7 @@
               <a:t> id=‘</a:t>
             </a:r>
             <a:r>
-              <a:rPr lang="en-US" altLang="ja-JP" sz="1400" dirty="0" err="1" smtClean="0">
+              <a:rPr lang="en-US" altLang="ja-JP" sz="1400" dirty="0" err="1">
                 <a:solidFill>
                   <a:schemeClr val="bg1"/>
                 </a:solidFill>
@@ -13313,7 +12711,7 @@
               <a:t>select_user_by_uid</a:t>
             </a:r>
             <a:r>
-              <a:rPr lang="en-US" altLang="ja-JP" sz="1400" dirty="0" smtClean="0">
+              <a:rPr lang="en-US" altLang="ja-JP" sz="1400" dirty="0">
                 <a:solidFill>
                   <a:schemeClr val="bg1"/>
                 </a:solidFill>
@@ -13326,7 +12724,7 @@
           </a:p>
           <a:p>
             <a:r>
-              <a:rPr lang="en-US" altLang="ja-JP" sz="1400" dirty="0" smtClean="0">
+              <a:rPr lang="en-US" altLang="ja-JP" sz="1400" dirty="0">
                 <a:solidFill>
                   <a:schemeClr val="bg1"/>
                 </a:solidFill>
@@ -13339,7 +12737,7 @@
           </a:p>
           <a:p>
             <a:r>
-              <a:rPr lang="en-US" altLang="ja-JP" sz="1400" dirty="0" smtClean="0">
+              <a:rPr lang="en-US" altLang="ja-JP" sz="1400" dirty="0">
                 <a:solidFill>
                   <a:schemeClr val="bg1"/>
                 </a:solidFill>
@@ -13350,7 +12748,7 @@
               <a:t>        </a:t>
             </a:r>
             <a:r>
-              <a:rPr lang="en-US" altLang="ja-JP" sz="1400" dirty="0" err="1" smtClean="0">
+              <a:rPr lang="en-US" altLang="ja-JP" sz="1400" dirty="0" err="1">
                 <a:solidFill>
                   <a:schemeClr val="bg1"/>
                 </a:solidFill>
@@ -13361,7 +12759,7 @@
               <a:t>uid,unm,pwd</a:t>
             </a:r>
             <a:r>
-              <a:rPr lang="en-US" altLang="ja-JP" sz="1400" dirty="0" smtClean="0">
+              <a:rPr lang="en-US" altLang="ja-JP" sz="1400" dirty="0">
                 <a:solidFill>
                   <a:schemeClr val="bg1"/>
                 </a:solidFill>
@@ -13374,7 +12772,7 @@
           </a:p>
           <a:p>
             <a:r>
-              <a:rPr lang="en-US" altLang="ja-JP" sz="1400" dirty="0" smtClean="0">
+              <a:rPr lang="en-US" altLang="ja-JP" sz="1400" dirty="0">
                 <a:solidFill>
                   <a:schemeClr val="bg1"/>
                 </a:solidFill>
@@ -13395,10 +12793,10 @@
                 <a:ea typeface="Meiryo UI" panose="020B0604030504040204" pitchFamily="50" charset="-128"/>
                 <a:cs typeface="Meiryo UI" panose="020B0604030504040204" pitchFamily="50" charset="-128"/>
               </a:rPr>
-              <a:t> </a:t>
-            </a:r>
-            <a:r>
-              <a:rPr lang="en-US" altLang="ja-JP" sz="1400" dirty="0" smtClean="0">
+              <a:t>        </a:t>
+            </a:r>
+            <a:r>
+              <a:rPr lang="en-US" altLang="ja-JP" sz="1400" dirty="0" err="1">
                 <a:solidFill>
                   <a:schemeClr val="bg1"/>
                 </a:solidFill>
@@ -13406,20 +12804,9 @@
                 <a:ea typeface="Meiryo UI" panose="020B0604030504040204" pitchFamily="50" charset="-128"/>
                 <a:cs typeface="Meiryo UI" panose="020B0604030504040204" pitchFamily="50" charset="-128"/>
               </a:rPr>
-              <a:t>       </a:t>
-            </a:r>
-            <a:r>
-              <a:rPr lang="en-US" altLang="ja-JP" sz="1400" dirty="0" err="1" smtClean="0">
-                <a:solidFill>
-                  <a:schemeClr val="bg1"/>
-                </a:solidFill>
-                <a:latin typeface="Meiryo UI" panose="020B0604030504040204" pitchFamily="50" charset="-128"/>
-                <a:ea typeface="Meiryo UI" panose="020B0604030504040204" pitchFamily="50" charset="-128"/>
-                <a:cs typeface="Meiryo UI" panose="020B0604030504040204" pitchFamily="50" charset="-128"/>
-              </a:rPr>
               <a:t>tb_user</a:t>
             </a:r>
-            <a:endParaRPr lang="en-US" altLang="ja-JP" sz="1400" dirty="0" smtClean="0">
+            <a:endParaRPr lang="en-US" altLang="ja-JP" sz="1400" dirty="0">
               <a:solidFill>
                 <a:schemeClr val="bg1"/>
               </a:solidFill>
@@ -13430,7 +12817,7 @@
           </a:p>
           <a:p>
             <a:r>
-              <a:rPr lang="en-US" altLang="ja-JP" sz="1400" dirty="0" smtClean="0">
+              <a:rPr lang="en-US" altLang="ja-JP" sz="1400" dirty="0">
                 <a:solidFill>
                   <a:schemeClr val="bg1"/>
                 </a:solidFill>
@@ -13451,10 +12838,10 @@
                 <a:ea typeface="Meiryo UI" panose="020B0604030504040204" pitchFamily="50" charset="-128"/>
                 <a:cs typeface="Meiryo UI" panose="020B0604030504040204" pitchFamily="50" charset="-128"/>
               </a:rPr>
-              <a:t> </a:t>
-            </a:r>
-            <a:r>
-              <a:rPr lang="en-US" altLang="ja-JP" sz="1400" dirty="0" smtClean="0">
+              <a:t>        </a:t>
+            </a:r>
+            <a:r>
+              <a:rPr lang="en-US" altLang="ja-JP" sz="1400" dirty="0" err="1">
                 <a:solidFill>
                   <a:schemeClr val="bg1"/>
                 </a:solidFill>
@@ -13462,10 +12849,10 @@
                 <a:ea typeface="Meiryo UI" panose="020B0604030504040204" pitchFamily="50" charset="-128"/>
                 <a:cs typeface="Meiryo UI" panose="020B0604030504040204" pitchFamily="50" charset="-128"/>
               </a:rPr>
-              <a:t>       </a:t>
-            </a:r>
-            <a:r>
-              <a:rPr lang="en-US" altLang="ja-JP" sz="1400" dirty="0" err="1" smtClean="0">
+              <a:t>uid</a:t>
+            </a:r>
+            <a:r>
+              <a:rPr lang="en-US" altLang="ja-JP" sz="1400" dirty="0">
                 <a:solidFill>
                   <a:schemeClr val="bg1"/>
                 </a:solidFill>
@@ -13473,10 +12860,10 @@
                 <a:ea typeface="Meiryo UI" panose="020B0604030504040204" pitchFamily="50" charset="-128"/>
                 <a:cs typeface="Meiryo UI" panose="020B0604030504040204" pitchFamily="50" charset="-128"/>
               </a:rPr>
-              <a:t>uid</a:t>
-            </a:r>
-            <a:r>
-              <a:rPr lang="en-US" altLang="ja-JP" sz="1400" dirty="0" smtClean="0">
+              <a:t> = :</a:t>
+            </a:r>
+            <a:r>
+              <a:rPr lang="en-US" altLang="ja-JP" sz="1400" dirty="0" err="1">
                 <a:solidFill>
                   <a:schemeClr val="bg1"/>
                 </a:solidFill>
@@ -13484,20 +12871,9 @@
                 <a:ea typeface="Meiryo UI" panose="020B0604030504040204" pitchFamily="50" charset="-128"/>
                 <a:cs typeface="Meiryo UI" panose="020B0604030504040204" pitchFamily="50" charset="-128"/>
               </a:rPr>
-              <a:t> = :</a:t>
-            </a:r>
-            <a:r>
-              <a:rPr lang="en-US" altLang="ja-JP" sz="1400" dirty="0" err="1" smtClean="0">
-                <a:solidFill>
-                  <a:schemeClr val="bg1"/>
-                </a:solidFill>
-                <a:latin typeface="Meiryo UI" panose="020B0604030504040204" pitchFamily="50" charset="-128"/>
-                <a:ea typeface="Meiryo UI" panose="020B0604030504040204" pitchFamily="50" charset="-128"/>
-                <a:cs typeface="Meiryo UI" panose="020B0604030504040204" pitchFamily="50" charset="-128"/>
-              </a:rPr>
               <a:t>txt_uid</a:t>
             </a:r>
-            <a:endParaRPr lang="en-US" altLang="ja-JP" sz="1400" dirty="0" smtClean="0">
+            <a:endParaRPr lang="en-US" altLang="ja-JP" sz="1400" dirty="0">
               <a:solidFill>
                 <a:schemeClr val="bg1"/>
               </a:solidFill>
@@ -13508,7 +12884,7 @@
           </a:p>
           <a:p>
             <a:r>
-              <a:rPr lang="en-US" altLang="ja-JP" sz="1400" dirty="0" smtClean="0">
+              <a:rPr lang="en-US" altLang="ja-JP" sz="1400" dirty="0">
                 <a:solidFill>
                   <a:schemeClr val="bg1"/>
                 </a:solidFill>
@@ -13519,7 +12895,7 @@
               <a:t>&lt;/</a:t>
             </a:r>
             <a:r>
-              <a:rPr lang="en-US" altLang="ja-JP" sz="1400" dirty="0" err="1" smtClean="0">
+              <a:rPr lang="en-US" altLang="ja-JP" sz="1400" dirty="0" err="1">
                 <a:solidFill>
                   <a:schemeClr val="bg1"/>
                 </a:solidFill>
@@ -13530,7 +12906,7 @@
               <a:t>sql</a:t>
             </a:r>
             <a:r>
-              <a:rPr lang="en-US" altLang="ja-JP" sz="1400" dirty="0" smtClean="0">
+              <a:rPr lang="en-US" altLang="ja-JP" sz="1400" dirty="0">
                 <a:solidFill>
                   <a:schemeClr val="bg1"/>
                 </a:solidFill>
@@ -13591,7 +12967,7 @@
           <a:lstStyle/>
           <a:p>
             <a:r>
-              <a:rPr lang="ja-JP" altLang="en-US" sz="1400" dirty="0" smtClean="0">
+              <a:rPr lang="ja-JP" altLang="en-US" sz="1400" dirty="0">
                 <a:solidFill>
                   <a:schemeClr val="tx1"/>
                 </a:solidFill>
@@ -13601,14 +12977,6 @@
               </a:rPr>
               <a:t>ログイン失敗</a:t>
             </a:r>
-            <a:endParaRPr lang="ja-JP" altLang="en-US" sz="1400" dirty="0">
-              <a:solidFill>
-                <a:schemeClr val="tx1"/>
-              </a:solidFill>
-              <a:latin typeface="Meiryo UI" panose="020B0604030504040204" pitchFamily="50" charset="-128"/>
-              <a:ea typeface="Meiryo UI" panose="020B0604030504040204" pitchFamily="50" charset="-128"/>
-              <a:cs typeface="Meiryo UI" panose="020B0604030504040204" pitchFamily="50" charset="-128"/>
-            </a:endParaRPr>
           </a:p>
         </p:txBody>
       </p:sp>
@@ -13647,7 +13015,7 @@
           <a:lstStyle/>
           <a:p>
             <a:pPr algn="ctr"/>
-            <a:endParaRPr kumimoji="1" lang="ja-JP" altLang="en-US" sz="1400" dirty="0" smtClean="0">
+            <a:endParaRPr kumimoji="1" lang="ja-JP" altLang="en-US" sz="1400" dirty="0">
               <a:solidFill>
                 <a:schemeClr val="tx1"/>
               </a:solidFill>
@@ -13698,7 +13066,7 @@
           <a:lstStyle/>
           <a:p>
             <a:r>
-              <a:rPr lang="ja-JP" altLang="en-US" sz="1400" dirty="0" smtClean="0">
+              <a:rPr lang="ja-JP" altLang="en-US" sz="1400" dirty="0">
                 <a:solidFill>
                   <a:schemeClr val="tx1"/>
                 </a:solidFill>
@@ -13708,39 +13076,6 @@
               </a:rPr>
               <a:t>ログイン画面</a:t>
             </a:r>
-            <a:endParaRPr lang="en-US" altLang="ja-JP" sz="1400" dirty="0" smtClean="0">
-              <a:solidFill>
-                <a:schemeClr val="tx1"/>
-              </a:solidFill>
-              <a:latin typeface="Meiryo UI" panose="020B0604030504040204" pitchFamily="50" charset="-128"/>
-              <a:ea typeface="Meiryo UI" panose="020B0604030504040204" pitchFamily="50" charset="-128"/>
-              <a:cs typeface="Meiryo UI" panose="020B0604030504040204" pitchFamily="50" charset="-128"/>
-            </a:endParaRPr>
-          </a:p>
-          <a:p>
-            <a:endParaRPr lang="en-US" altLang="ja-JP" sz="1400" dirty="0" smtClean="0">
-              <a:solidFill>
-                <a:schemeClr val="tx1"/>
-              </a:solidFill>
-              <a:latin typeface="Meiryo UI" panose="020B0604030504040204" pitchFamily="50" charset="-128"/>
-              <a:ea typeface="Meiryo UI" panose="020B0604030504040204" pitchFamily="50" charset="-128"/>
-              <a:cs typeface="Meiryo UI" panose="020B0604030504040204" pitchFamily="50" charset="-128"/>
-            </a:endParaRPr>
-          </a:p>
-          <a:p>
-            <a:r>
-              <a:rPr lang="en-US" altLang="ja-JP" sz="1400" dirty="0" smtClean="0">
-                <a:solidFill>
-                  <a:schemeClr val="tx1"/>
-                </a:solidFill>
-                <a:latin typeface="Meiryo UI" panose="020B0604030504040204" pitchFamily="50" charset="-128"/>
-                <a:ea typeface="Meiryo UI" panose="020B0604030504040204" pitchFamily="50" charset="-128"/>
-                <a:cs typeface="Meiryo UI" panose="020B0604030504040204" pitchFamily="50" charset="-128"/>
-              </a:rPr>
-              <a:t>UID:</a:t>
-            </a:r>
-          </a:p>
-          <a:p>
             <a:endParaRPr lang="en-US" altLang="ja-JP" sz="1400" dirty="0">
               <a:solidFill>
                 <a:schemeClr val="tx1"/>
@@ -13751,8 +13086,41 @@
             </a:endParaRPr>
           </a:p>
           <a:p>
-            <a:r>
-              <a:rPr lang="en-US" altLang="ja-JP" sz="1400" dirty="0" smtClean="0">
+            <a:endParaRPr lang="en-US" altLang="ja-JP" sz="1400" dirty="0">
+              <a:solidFill>
+                <a:schemeClr val="tx1"/>
+              </a:solidFill>
+              <a:latin typeface="Meiryo UI" panose="020B0604030504040204" pitchFamily="50" charset="-128"/>
+              <a:ea typeface="Meiryo UI" panose="020B0604030504040204" pitchFamily="50" charset="-128"/>
+              <a:cs typeface="Meiryo UI" panose="020B0604030504040204" pitchFamily="50" charset="-128"/>
+            </a:endParaRPr>
+          </a:p>
+          <a:p>
+            <a:r>
+              <a:rPr lang="en-US" altLang="ja-JP" sz="1400" dirty="0">
+                <a:solidFill>
+                  <a:schemeClr val="tx1"/>
+                </a:solidFill>
+                <a:latin typeface="Meiryo UI" panose="020B0604030504040204" pitchFamily="50" charset="-128"/>
+                <a:ea typeface="Meiryo UI" panose="020B0604030504040204" pitchFamily="50" charset="-128"/>
+                <a:cs typeface="Meiryo UI" panose="020B0604030504040204" pitchFamily="50" charset="-128"/>
+              </a:rPr>
+              <a:t>UID:</a:t>
+            </a:r>
+          </a:p>
+          <a:p>
+            <a:endParaRPr lang="en-US" altLang="ja-JP" sz="1400" dirty="0">
+              <a:solidFill>
+                <a:schemeClr val="tx1"/>
+              </a:solidFill>
+              <a:latin typeface="Meiryo UI" panose="020B0604030504040204" pitchFamily="50" charset="-128"/>
+              <a:ea typeface="Meiryo UI" panose="020B0604030504040204" pitchFamily="50" charset="-128"/>
+              <a:cs typeface="Meiryo UI" panose="020B0604030504040204" pitchFamily="50" charset="-128"/>
+            </a:endParaRPr>
+          </a:p>
+          <a:p>
+            <a:r>
+              <a:rPr lang="en-US" altLang="ja-JP" sz="1400" dirty="0">
                 <a:solidFill>
                   <a:schemeClr val="tx1"/>
                 </a:solidFill>
@@ -13809,7 +13177,7 @@
           <a:p>
             <a:pPr algn="ctr"/>
             <a:r>
-              <a:rPr kumimoji="1" lang="en-US" altLang="ja-JP" sz="1400" dirty="0" smtClean="0">
+              <a:rPr kumimoji="1" lang="en-US" altLang="ja-JP" sz="1400" dirty="0">
                 <a:solidFill>
                   <a:schemeClr val="bg1"/>
                 </a:solidFill>
@@ -13820,7 +13188,7 @@
               <a:t>‘ or </a:t>
             </a:r>
             <a:r>
-              <a:rPr kumimoji="1" lang="en-US" altLang="ja-JP" sz="1400" dirty="0" err="1" smtClean="0">
+              <a:rPr kumimoji="1" lang="en-US" altLang="ja-JP" sz="1400" dirty="0" err="1">
                 <a:solidFill>
                   <a:schemeClr val="bg1"/>
                 </a:solidFill>
@@ -13831,7 +13199,7 @@
               <a:t>ture</a:t>
             </a:r>
             <a:r>
-              <a:rPr kumimoji="1" lang="en-US" altLang="ja-JP" sz="1400" dirty="0" smtClean="0">
+              <a:rPr kumimoji="1" lang="en-US" altLang="ja-JP" sz="1400" dirty="0">
                 <a:solidFill>
                   <a:schemeClr val="bg1"/>
                 </a:solidFill>
@@ -13842,7 +13210,7 @@
               <a:t> or ‘</a:t>
             </a:r>
             <a:r>
-              <a:rPr kumimoji="1" lang="en-US" altLang="ja-JP" sz="1400" dirty="0" err="1" smtClean="0">
+              <a:rPr kumimoji="1" lang="en-US" altLang="ja-JP" sz="1400" dirty="0" err="1">
                 <a:solidFill>
                   <a:schemeClr val="bg1"/>
                 </a:solidFill>
@@ -13853,7 +13221,7 @@
               <a:t>helloworld</a:t>
             </a:r>
             <a:r>
-              <a:rPr kumimoji="1" lang="en-US" altLang="ja-JP" sz="1400" dirty="0" smtClean="0">
+              <a:rPr kumimoji="1" lang="en-US" altLang="ja-JP" sz="1400" dirty="0">
                 <a:solidFill>
                   <a:schemeClr val="bg1"/>
                 </a:solidFill>
@@ -13863,7 +13231,7 @@
               </a:rPr>
               <a:t>’= ‘</a:t>
             </a:r>
-            <a:endParaRPr kumimoji="1" lang="ja-JP" altLang="en-US" sz="1400" dirty="0" smtClean="0">
+            <a:endParaRPr kumimoji="1" lang="ja-JP" altLang="en-US" sz="1400" dirty="0">
               <a:solidFill>
                 <a:schemeClr val="bg1"/>
               </a:solidFill>
@@ -13909,7 +13277,7 @@
           <a:lstStyle/>
           <a:p>
             <a:pPr algn="ctr"/>
-            <a:endParaRPr kumimoji="1" lang="ja-JP" altLang="en-US" sz="1400" dirty="0" smtClean="0">
+            <a:endParaRPr kumimoji="1" lang="ja-JP" altLang="en-US" sz="1400" dirty="0">
               <a:solidFill>
                 <a:schemeClr val="tx1"/>
               </a:solidFill>
@@ -14008,7 +13376,7 @@
           <a:lstStyle/>
           <a:p>
             <a:r>
-              <a:rPr lang="ja-JP" altLang="en-US" sz="1400" dirty="0" smtClean="0">
+              <a:rPr lang="ja-JP" altLang="en-US" sz="1400" dirty="0">
                 <a:solidFill>
                   <a:schemeClr val="tx1"/>
                 </a:solidFill>
@@ -14018,14 +13386,6 @@
               </a:rPr>
               <a:t>ログイン成功</a:t>
             </a:r>
-            <a:endParaRPr lang="ja-JP" altLang="en-US" sz="1400" dirty="0">
-              <a:solidFill>
-                <a:schemeClr val="tx1"/>
-              </a:solidFill>
-              <a:latin typeface="Meiryo UI" panose="020B0604030504040204" pitchFamily="50" charset="-128"/>
-              <a:ea typeface="Meiryo UI" panose="020B0604030504040204" pitchFamily="50" charset="-128"/>
-              <a:cs typeface="Meiryo UI" panose="020B0604030504040204" pitchFamily="50" charset="-128"/>
-            </a:endParaRPr>
           </a:p>
         </p:txBody>
       </p:sp>
@@ -14064,7 +13424,7 @@
           <a:lstStyle/>
           <a:p>
             <a:pPr algn="ctr"/>
-            <a:endParaRPr kumimoji="1" lang="ja-JP" altLang="en-US" sz="1400" dirty="0" smtClean="0">
+            <a:endParaRPr kumimoji="1" lang="ja-JP" altLang="en-US" sz="1400" dirty="0">
               <a:solidFill>
                 <a:schemeClr val="tx1"/>
               </a:solidFill>
@@ -14110,18 +13470,14 @@
           <a:lstStyle/>
           <a:p>
             <a:r>
-              <a:rPr lang="en-US" altLang="ja-JP" sz="1400" dirty="0" err="1" smtClean="0"/>
+              <a:rPr lang="en-US" altLang="ja-JP" sz="1400" dirty="0" err="1"/>
               <a:t>Efw</a:t>
             </a:r>
             <a:r>
               <a:rPr lang="ja-JP" altLang="en-US" sz="1400" dirty="0"/>
-              <a:t>は</a:t>
-            </a:r>
-            <a:r>
-              <a:rPr lang="ja-JP" altLang="en-US" sz="1400" dirty="0" smtClean="0"/>
-              <a:t>プリペアドステートメントを利用する</a:t>
-            </a:r>
-            <a:endParaRPr kumimoji="1" lang="ja-JP" altLang="en-US" sz="1400" dirty="0" smtClean="0">
+              <a:t>はプリペアドステートメントを利用する</a:t>
+            </a:r>
+            <a:endParaRPr kumimoji="1" lang="ja-JP" altLang="en-US" sz="1400" dirty="0">
               <a:solidFill>
                 <a:schemeClr val="bg1"/>
               </a:solidFill>
@@ -14167,19 +13523,19 @@
           <a:lstStyle/>
           <a:p>
             <a:r>
-              <a:rPr lang="ja-JP" altLang="en-US" sz="1400" dirty="0" smtClean="0"/>
+              <a:rPr lang="ja-JP" altLang="en-US" sz="1400" dirty="0"/>
               <a:t>文字列結合で</a:t>
             </a:r>
             <a:r>
-              <a:rPr lang="en-US" altLang="ja-JP" sz="1400" dirty="0" smtClean="0"/>
+              <a:rPr lang="en-US" altLang="ja-JP" sz="1400" dirty="0"/>
               <a:t>SQL</a:t>
             </a:r>
             <a:r>
-              <a:rPr lang="ja-JP" altLang="en-US" sz="1400" dirty="0" smtClean="0"/>
+              <a:rPr lang="ja-JP" altLang="en-US" sz="1400" dirty="0"/>
               <a:t>を作る</a:t>
             </a:r>
             <a:r>
-              <a:rPr lang="ja-JP" altLang="en-US" sz="1400" dirty="0" smtClean="0">
+              <a:rPr lang="ja-JP" altLang="en-US" sz="1400" dirty="0">
                 <a:solidFill>
                   <a:schemeClr val="bg1"/>
                 </a:solidFill>
@@ -14235,7 +13591,7 @@
           <a:p>
             <a:pPr algn="ctr"/>
             <a:r>
-              <a:rPr kumimoji="1" lang="en-US" altLang="ja-JP" sz="1400" dirty="0" smtClean="0">
+              <a:rPr kumimoji="1" lang="en-US" altLang="ja-JP" sz="1400" dirty="0">
                 <a:solidFill>
                   <a:schemeClr val="bg1"/>
                 </a:solidFill>
@@ -14245,7 +13601,7 @@
               </a:rPr>
               <a:t>1234567</a:t>
             </a:r>
-            <a:endParaRPr kumimoji="1" lang="ja-JP" altLang="en-US" sz="1400" dirty="0" smtClean="0">
+            <a:endParaRPr kumimoji="1" lang="ja-JP" altLang="en-US" sz="1400" dirty="0">
               <a:solidFill>
                 <a:schemeClr val="bg1"/>
               </a:solidFill>
@@ -14443,7 +13799,7 @@
               <a:buNone/>
             </a:pPr>
             <a:r>
-              <a:rPr lang="en-US" altLang="ja-JP" sz="2000" dirty="0" smtClean="0">
+              <a:rPr lang="en-US" altLang="ja-JP" sz="2000" dirty="0">
                 <a:solidFill>
                   <a:srgbClr val="FF0000"/>
                 </a:solidFill>
@@ -14454,7 +13810,7 @@
               <a:t>SQL</a:t>
             </a:r>
             <a:r>
-              <a:rPr lang="ja-JP" altLang="en-US" sz="2000" dirty="0" smtClean="0">
+              <a:rPr lang="ja-JP" altLang="en-US" sz="2000" dirty="0">
                 <a:solidFill>
                   <a:srgbClr val="FF0000"/>
                 </a:solidFill>
@@ -14465,7 +13821,7 @@
               <a:t>のテーブル名、項目名などパーツを代入したい場合、動的パラメータの</a:t>
             </a:r>
             <a:r>
-              <a:rPr lang="en-US" altLang="ja-JP" sz="2000" dirty="0" smtClean="0">
+              <a:rPr lang="en-US" altLang="ja-JP" sz="2000" dirty="0">
                 <a:solidFill>
                   <a:srgbClr val="FF0000"/>
                 </a:solidFill>
@@ -14476,7 +13832,7 @@
               <a:t>API</a:t>
             </a:r>
             <a:r>
-              <a:rPr lang="ja-JP" altLang="en-US" sz="2000" dirty="0" smtClean="0">
+              <a:rPr lang="ja-JP" altLang="en-US" sz="2000" dirty="0">
                 <a:solidFill>
                   <a:srgbClr val="FF0000"/>
                 </a:solidFill>
@@ -14484,40 +13840,7 @@
                 <a:ea typeface="Meiryo UI" pitchFamily="50" charset="-128"/>
                 <a:cs typeface="Meiryo UI" pitchFamily="50" charset="-128"/>
               </a:rPr>
-              <a:t>をご覧</a:t>
-            </a:r>
-            <a:r>
-              <a:rPr lang="ja-JP" altLang="en-US" sz="2000" dirty="0">
-                <a:solidFill>
-                  <a:srgbClr val="FF0000"/>
-                </a:solidFill>
-                <a:latin typeface="Meiryo UI" pitchFamily="50" charset="-128"/>
-                <a:ea typeface="Meiryo UI" pitchFamily="50" charset="-128"/>
-                <a:cs typeface="Meiryo UI" pitchFamily="50" charset="-128"/>
-              </a:rPr>
-              <a:t>ください。この場合、利用する値は、直接画面からのものではないよう</a:t>
-            </a:r>
-            <a:r>
-              <a:rPr lang="ja-JP" altLang="en-US" sz="2000" dirty="0" smtClean="0">
-                <a:solidFill>
-                  <a:srgbClr val="FF0000"/>
-                </a:solidFill>
-                <a:latin typeface="Meiryo UI" pitchFamily="50" charset="-128"/>
-                <a:ea typeface="Meiryo UI" pitchFamily="50" charset="-128"/>
-                <a:cs typeface="Meiryo UI" pitchFamily="50" charset="-128"/>
-              </a:rPr>
-              <a:t>に注意</a:t>
-            </a:r>
-            <a:r>
-              <a:rPr lang="ja-JP" altLang="en-US" sz="2000" dirty="0">
-                <a:solidFill>
-                  <a:srgbClr val="FF0000"/>
-                </a:solidFill>
-                <a:latin typeface="Meiryo UI" pitchFamily="50" charset="-128"/>
-                <a:ea typeface="Meiryo UI" pitchFamily="50" charset="-128"/>
-                <a:cs typeface="Meiryo UI" pitchFamily="50" charset="-128"/>
-              </a:rPr>
-              <a:t>してください。</a:t>
+              <a:t>をご覧ください。この場合、利用する値は、直接画面からのものではないように注意してください。</a:t>
             </a:r>
             <a:endParaRPr lang="en-US" altLang="ja-JP" sz="2000" dirty="0">
               <a:solidFill>
@@ -14540,13 +13863,6 @@
   <p:clrMapOvr>
     <a:masterClrMapping/>
   </p:clrMapOvr>
-  <p:timing>
-    <p:tnLst>
-      <p:par>
-        <p:cTn id="1" dur="indefinite" restart="never" nodeType="tmRoot"/>
-      </p:par>
-    </p:tnLst>
-  </p:timing>
 </p:sld>
 </file>
 
@@ -15035,14 +14351,14 @@
               <a:buChar char="Ø"/>
             </a:pPr>
             <a:r>
-              <a:rPr lang="ja-JP" altLang="en-US" sz="2000" dirty="0" smtClean="0">
+              <a:rPr lang="ja-JP" altLang="en-US" sz="2000" dirty="0">
                 <a:latin typeface="Meiryo UI" pitchFamily="50" charset="-128"/>
                 <a:ea typeface="Meiryo UI" pitchFamily="50" charset="-128"/>
                 <a:cs typeface="Meiryo UI" pitchFamily="50" charset="-128"/>
               </a:rPr>
               <a:t>１、ファイル流出の対応策</a:t>
             </a:r>
-            <a:endParaRPr lang="en-US" altLang="ja-JP" sz="2000" dirty="0" smtClean="0">
+            <a:endParaRPr lang="en-US" altLang="ja-JP" sz="2000" dirty="0">
               <a:latin typeface="Meiryo UI" pitchFamily="50" charset="-128"/>
               <a:ea typeface="Meiryo UI" pitchFamily="50" charset="-128"/>
               <a:cs typeface="Meiryo UI" pitchFamily="50" charset="-128"/>
@@ -15055,7 +14371,7 @@
               </a:lnSpc>
             </a:pPr>
             <a:r>
-              <a:rPr lang="en-US" altLang="ja-JP" sz="1600" dirty="0" smtClean="0">
+              <a:rPr lang="en-US" altLang="ja-JP" sz="1600" dirty="0">
                 <a:latin typeface="Meiryo UI" pitchFamily="50" charset="-128"/>
                 <a:ea typeface="Meiryo UI" pitchFamily="50" charset="-128"/>
                 <a:cs typeface="Meiryo UI" pitchFamily="50" charset="-128"/>
@@ -15063,7 +14379,7 @@
               <a:t>	</a:t>
             </a:r>
             <a:r>
-              <a:rPr lang="ja-JP" altLang="en-US" sz="1600" dirty="0" smtClean="0">
+              <a:rPr lang="ja-JP" altLang="en-US" sz="1600" dirty="0">
                 <a:latin typeface="Meiryo UI" pitchFamily="50" charset="-128"/>
                 <a:ea typeface="Meiryo UI" pitchFamily="50" charset="-128"/>
                 <a:cs typeface="Meiryo UI" pitchFamily="50" charset="-128"/>
@@ -15071,7 +14387,7 @@
               <a:t>１－１、</a:t>
             </a:r>
             <a:r>
-              <a:rPr lang="en-US" altLang="ja-JP" sz="1600" dirty="0" err="1" smtClean="0">
+              <a:rPr lang="en-US" altLang="ja-JP" sz="1600" dirty="0" err="1">
                 <a:latin typeface="Meiryo UI" pitchFamily="50" charset="-128"/>
                 <a:ea typeface="Meiryo UI" pitchFamily="50" charset="-128"/>
                 <a:cs typeface="Meiryo UI" pitchFamily="50" charset="-128"/>
@@ -15079,14 +14395,14 @@
               <a:t>efw</a:t>
             </a:r>
             <a:r>
-              <a:rPr lang="ja-JP" altLang="en-US" sz="1600" dirty="0" smtClean="0">
+              <a:rPr lang="ja-JP" altLang="en-US" sz="1600" dirty="0">
                 <a:latin typeface="Meiryo UI" pitchFamily="50" charset="-128"/>
                 <a:ea typeface="Meiryo UI" pitchFamily="50" charset="-128"/>
                 <a:cs typeface="Meiryo UI" pitchFamily="50" charset="-128"/>
               </a:rPr>
               <a:t>フォルダの置く場所</a:t>
             </a:r>
-            <a:endParaRPr lang="en-US" altLang="ja-JP" sz="1600" dirty="0" smtClean="0">
+            <a:endParaRPr lang="en-US" altLang="ja-JP" sz="1600" dirty="0">
               <a:latin typeface="Meiryo UI" pitchFamily="50" charset="-128"/>
               <a:ea typeface="Meiryo UI" pitchFamily="50" charset="-128"/>
               <a:cs typeface="Meiryo UI" pitchFamily="50" charset="-128"/>
@@ -15107,7 +14423,7 @@
               <a:t>	</a:t>
             </a:r>
             <a:r>
-              <a:rPr lang="ja-JP" altLang="en-US" sz="1600" dirty="0" smtClean="0">
+              <a:rPr lang="ja-JP" altLang="en-US" sz="1600" dirty="0">
                 <a:latin typeface="Meiryo UI" pitchFamily="50" charset="-128"/>
                 <a:ea typeface="Meiryo UI" pitchFamily="50" charset="-128"/>
                 <a:cs typeface="Meiryo UI" pitchFamily="50" charset="-128"/>
@@ -15115,7 +14431,7 @@
               <a:t>１－２、ファイル管理ツール</a:t>
             </a:r>
             <a:r>
-              <a:rPr lang="en-US" altLang="ja-JP" sz="1600" dirty="0" err="1" smtClean="0">
+              <a:rPr lang="en-US" altLang="ja-JP" sz="1600" dirty="0" err="1">
                 <a:latin typeface="Meiryo UI" pitchFamily="50" charset="-128"/>
                 <a:ea typeface="Meiryo UI" pitchFamily="50" charset="-128"/>
                 <a:cs typeface="Meiryo UI" pitchFamily="50" charset="-128"/>
@@ -15123,7 +14439,7 @@
               <a:t>elfinder</a:t>
             </a:r>
             <a:r>
-              <a:rPr lang="ja-JP" altLang="en-US" sz="1600" dirty="0" smtClean="0">
+              <a:rPr lang="ja-JP" altLang="en-US" sz="1600" dirty="0">
                 <a:latin typeface="Meiryo UI" pitchFamily="50" charset="-128"/>
                 <a:ea typeface="Meiryo UI" pitchFamily="50" charset="-128"/>
                 <a:cs typeface="Meiryo UI" pitchFamily="50" charset="-128"/>
@@ -15143,7 +14459,7 @@
               </a:lnSpc>
             </a:pPr>
             <a:r>
-              <a:rPr lang="en-US" altLang="ja-JP" sz="1600" dirty="0" smtClean="0">
+              <a:rPr lang="en-US" altLang="ja-JP" sz="1600" dirty="0">
                 <a:latin typeface="Meiryo UI" pitchFamily="50" charset="-128"/>
                 <a:ea typeface="Meiryo UI" pitchFamily="50" charset="-128"/>
                 <a:cs typeface="Meiryo UI" pitchFamily="50" charset="-128"/>
@@ -15151,14 +14467,14 @@
               <a:t>	</a:t>
             </a:r>
             <a:r>
-              <a:rPr lang="ja-JP" altLang="en-US" sz="1600" dirty="0" smtClean="0">
+              <a:rPr lang="ja-JP" altLang="en-US" sz="1600" dirty="0">
                 <a:latin typeface="Meiryo UI" pitchFamily="50" charset="-128"/>
                 <a:ea typeface="Meiryo UI" pitchFamily="50" charset="-128"/>
                 <a:cs typeface="Meiryo UI" pitchFamily="50" charset="-128"/>
               </a:rPr>
               <a:t>１－３、ダウンロードの仕組み</a:t>
             </a:r>
-            <a:endParaRPr lang="en-US" altLang="ja-JP" sz="1600" dirty="0" smtClean="0">
+            <a:endParaRPr lang="en-US" altLang="ja-JP" sz="1600" dirty="0">
               <a:latin typeface="Meiryo UI" pitchFamily="50" charset="-128"/>
               <a:ea typeface="Meiryo UI" pitchFamily="50" charset="-128"/>
               <a:cs typeface="Meiryo UI" pitchFamily="50" charset="-128"/>
@@ -15173,14 +14489,14 @@
               <a:buChar char="Ø"/>
             </a:pPr>
             <a:r>
-              <a:rPr lang="ja-JP" altLang="en-US" sz="2000" dirty="0" smtClean="0">
+              <a:rPr lang="ja-JP" altLang="en-US" sz="2000" dirty="0">
                 <a:latin typeface="Meiryo UI" pitchFamily="50" charset="-128"/>
                 <a:ea typeface="Meiryo UI" pitchFamily="50" charset="-128"/>
                 <a:cs typeface="Meiryo UI" pitchFamily="50" charset="-128"/>
               </a:rPr>
               <a:t>２、パラメータから情報流出の対応策</a:t>
             </a:r>
-            <a:endParaRPr lang="en-US" altLang="ja-JP" sz="2000" dirty="0" smtClean="0">
+            <a:endParaRPr lang="en-US" altLang="ja-JP" sz="2000" dirty="0">
               <a:latin typeface="Meiryo UI" pitchFamily="50" charset="-128"/>
               <a:ea typeface="Meiryo UI" pitchFamily="50" charset="-128"/>
               <a:cs typeface="Meiryo UI" pitchFamily="50" charset="-128"/>
@@ -15201,14 +14517,14 @@
               <a:t>	</a:t>
             </a:r>
             <a:r>
-              <a:rPr lang="ja-JP" altLang="en-US" sz="1600" dirty="0" smtClean="0">
+              <a:rPr lang="ja-JP" altLang="en-US" sz="1600" dirty="0">
                 <a:latin typeface="Meiryo UI" pitchFamily="50" charset="-128"/>
                 <a:ea typeface="Meiryo UI" pitchFamily="50" charset="-128"/>
                 <a:cs typeface="Meiryo UI" pitchFamily="50" charset="-128"/>
               </a:rPr>
               <a:t>２－１、イベントパラメータチェックの仕組み</a:t>
             </a:r>
-            <a:endParaRPr lang="en-US" altLang="ja-JP" sz="1600" dirty="0" smtClean="0">
+            <a:endParaRPr lang="en-US" altLang="ja-JP" sz="1600" dirty="0">
               <a:latin typeface="Meiryo UI" pitchFamily="50" charset="-128"/>
               <a:ea typeface="Meiryo UI" pitchFamily="50" charset="-128"/>
               <a:cs typeface="Meiryo UI" pitchFamily="50" charset="-128"/>
@@ -15229,14 +14545,14 @@
               <a:t>	</a:t>
             </a:r>
             <a:r>
-              <a:rPr lang="ja-JP" altLang="en-US" sz="1600" dirty="0" smtClean="0">
+              <a:rPr lang="ja-JP" altLang="en-US" sz="1600" dirty="0">
                 <a:latin typeface="Meiryo UI" pitchFamily="50" charset="-128"/>
                 <a:ea typeface="Meiryo UI" pitchFamily="50" charset="-128"/>
                 <a:cs typeface="Meiryo UI" pitchFamily="50" charset="-128"/>
               </a:rPr>
               <a:t>２－２、ログインチェックの仕組み</a:t>
             </a:r>
-            <a:endParaRPr lang="en-US" altLang="ja-JP" sz="1600" dirty="0" smtClean="0">
+            <a:endParaRPr lang="en-US" altLang="ja-JP" sz="1600" dirty="0">
               <a:latin typeface="Meiryo UI" pitchFamily="50" charset="-128"/>
               <a:ea typeface="Meiryo UI" pitchFamily="50" charset="-128"/>
               <a:cs typeface="Meiryo UI" pitchFamily="50" charset="-128"/>
@@ -15257,14 +14573,14 @@
               <a:t>	</a:t>
             </a:r>
             <a:r>
-              <a:rPr lang="ja-JP" altLang="en-US" sz="1600" dirty="0" smtClean="0">
+              <a:rPr lang="ja-JP" altLang="en-US" sz="1600" dirty="0">
                 <a:latin typeface="Meiryo UI" pitchFamily="50" charset="-128"/>
                 <a:ea typeface="Meiryo UI" pitchFamily="50" charset="-128"/>
                 <a:cs typeface="Meiryo UI" pitchFamily="50" charset="-128"/>
               </a:rPr>
               <a:t>２－３、ロールチェックの仕組み</a:t>
             </a:r>
-            <a:endParaRPr lang="en-US" altLang="ja-JP" sz="1600" dirty="0" smtClean="0">
+            <a:endParaRPr lang="en-US" altLang="ja-JP" sz="1600" dirty="0">
               <a:latin typeface="Meiryo UI" pitchFamily="50" charset="-128"/>
               <a:ea typeface="Meiryo UI" pitchFamily="50" charset="-128"/>
               <a:cs typeface="Meiryo UI" pitchFamily="50" charset="-128"/>
@@ -15279,7 +14595,7 @@
               <a:buChar char="Ø"/>
             </a:pPr>
             <a:r>
-              <a:rPr lang="ja-JP" altLang="en-US" sz="2000" dirty="0" smtClean="0">
+              <a:rPr lang="ja-JP" altLang="en-US" sz="2000" dirty="0">
                 <a:latin typeface="Meiryo UI" pitchFamily="50" charset="-128"/>
                 <a:ea typeface="Meiryo UI" pitchFamily="50" charset="-128"/>
                 <a:cs typeface="Meiryo UI" pitchFamily="50" charset="-128"/>
@@ -15299,7 +14615,7 @@
               </a:lnSpc>
             </a:pPr>
             <a:r>
-              <a:rPr lang="en-US" altLang="ja-JP" sz="1600" dirty="0" smtClean="0">
+              <a:rPr lang="en-US" altLang="ja-JP" sz="1600" dirty="0">
                 <a:latin typeface="Meiryo UI" pitchFamily="50" charset="-128"/>
                 <a:ea typeface="Meiryo UI" pitchFamily="50" charset="-128"/>
                 <a:cs typeface="Meiryo UI" pitchFamily="50" charset="-128"/>
@@ -15307,7 +14623,7 @@
               <a:t>	</a:t>
             </a:r>
             <a:r>
-              <a:rPr lang="ja-JP" altLang="en-US" sz="1600" dirty="0" smtClean="0">
+              <a:rPr lang="ja-JP" altLang="en-US" sz="1600" dirty="0">
                 <a:latin typeface="Meiryo UI" pitchFamily="50" charset="-128"/>
                 <a:ea typeface="Meiryo UI" pitchFamily="50" charset="-128"/>
                 <a:cs typeface="Meiryo UI" pitchFamily="50" charset="-128"/>
@@ -15315,7 +14631,7 @@
               <a:t>３－１、</a:t>
             </a:r>
             <a:r>
-              <a:rPr lang="en-US" altLang="ja-JP" sz="1600" dirty="0" smtClean="0">
+              <a:rPr lang="en-US" altLang="ja-JP" sz="1600" dirty="0">
                 <a:latin typeface="Meiryo UI" pitchFamily="50" charset="-128"/>
                 <a:ea typeface="Meiryo UI" pitchFamily="50" charset="-128"/>
                 <a:cs typeface="Meiryo UI" pitchFamily="50" charset="-128"/>
@@ -15323,7 +14639,7 @@
               <a:t>JSON</a:t>
             </a:r>
             <a:r>
-              <a:rPr lang="ja-JP" altLang="en-US" sz="1600" dirty="0" smtClean="0">
+              <a:rPr lang="ja-JP" altLang="en-US" sz="1600" dirty="0">
                 <a:latin typeface="Meiryo UI" pitchFamily="50" charset="-128"/>
                 <a:ea typeface="Meiryo UI" pitchFamily="50" charset="-128"/>
                 <a:cs typeface="Meiryo UI" pitchFamily="50" charset="-128"/>
@@ -15331,7 +14647,7 @@
               <a:t>通信の</a:t>
             </a:r>
             <a:r>
-              <a:rPr lang="en-US" altLang="ja-JP" sz="1600" dirty="0" smtClean="0">
+              <a:rPr lang="en-US" altLang="ja-JP" sz="1600" dirty="0">
                 <a:latin typeface="Meiryo UI" pitchFamily="50" charset="-128"/>
                 <a:ea typeface="Meiryo UI" pitchFamily="50" charset="-128"/>
                 <a:cs typeface="Meiryo UI" pitchFamily="50" charset="-128"/>
@@ -15339,14 +14655,14 @@
               <a:t>JavaScript</a:t>
             </a:r>
             <a:r>
-              <a:rPr lang="ja-JP" altLang="en-US" sz="1600" dirty="0" smtClean="0">
+              <a:rPr lang="ja-JP" altLang="en-US" sz="1600" dirty="0">
                 <a:latin typeface="Meiryo UI" pitchFamily="50" charset="-128"/>
                 <a:ea typeface="Meiryo UI" pitchFamily="50" charset="-128"/>
                 <a:cs typeface="Meiryo UI" pitchFamily="50" charset="-128"/>
               </a:rPr>
               <a:t>インジェクション防止</a:t>
             </a:r>
-            <a:endParaRPr lang="en-US" altLang="ja-JP" sz="1600" dirty="0" smtClean="0">
+            <a:endParaRPr lang="en-US" altLang="ja-JP" sz="1600" dirty="0">
               <a:latin typeface="Meiryo UI" pitchFamily="50" charset="-128"/>
               <a:ea typeface="Meiryo UI" pitchFamily="50" charset="-128"/>
               <a:cs typeface="Meiryo UI" pitchFamily="50" charset="-128"/>
@@ -15367,7 +14683,7 @@
               <a:t>	</a:t>
             </a:r>
             <a:r>
-              <a:rPr lang="ja-JP" altLang="en-US" sz="1600" dirty="0" smtClean="0">
+              <a:rPr lang="ja-JP" altLang="en-US" sz="1600" dirty="0">
                 <a:latin typeface="Meiryo UI" pitchFamily="50" charset="-128"/>
                 <a:ea typeface="Meiryo UI" pitchFamily="50" charset="-128"/>
                 <a:cs typeface="Meiryo UI" pitchFamily="50" charset="-128"/>
@@ -15375,7 +14691,7 @@
               <a:t>３－２、処理結果自動表示の</a:t>
             </a:r>
             <a:r>
-              <a:rPr lang="en-US" altLang="ja-JP" sz="1600" dirty="0" smtClean="0">
+              <a:rPr lang="en-US" altLang="ja-JP" sz="1600" dirty="0">
                 <a:latin typeface="Meiryo UI" pitchFamily="50" charset="-128"/>
                 <a:ea typeface="Meiryo UI" pitchFamily="50" charset="-128"/>
                 <a:cs typeface="Meiryo UI" pitchFamily="50" charset="-128"/>
@@ -15383,14 +14699,14 @@
               <a:t>HTML</a:t>
             </a:r>
             <a:r>
-              <a:rPr lang="ja-JP" altLang="en-US" sz="1600" dirty="0" smtClean="0">
+              <a:rPr lang="ja-JP" altLang="en-US" sz="1600" dirty="0">
                 <a:latin typeface="Meiryo UI" pitchFamily="50" charset="-128"/>
                 <a:ea typeface="Meiryo UI" pitchFamily="50" charset="-128"/>
                 <a:cs typeface="Meiryo UI" pitchFamily="50" charset="-128"/>
               </a:rPr>
               <a:t>インジェクション防止</a:t>
             </a:r>
-            <a:endParaRPr lang="en-US" altLang="ja-JP" sz="1600" dirty="0" smtClean="0">
+            <a:endParaRPr lang="en-US" altLang="ja-JP" sz="1600" dirty="0">
               <a:latin typeface="Meiryo UI" pitchFamily="50" charset="-128"/>
               <a:ea typeface="Meiryo UI" pitchFamily="50" charset="-128"/>
               <a:cs typeface="Meiryo UI" pitchFamily="50" charset="-128"/>
@@ -15411,7 +14727,7 @@
               <a:t>	</a:t>
             </a:r>
             <a:r>
-              <a:rPr lang="ja-JP" altLang="en-US" sz="1600" dirty="0" smtClean="0">
+              <a:rPr lang="ja-JP" altLang="en-US" sz="1600" dirty="0">
                 <a:latin typeface="Meiryo UI" pitchFamily="50" charset="-128"/>
                 <a:ea typeface="Meiryo UI" pitchFamily="50" charset="-128"/>
                 <a:cs typeface="Meiryo UI" pitchFamily="50" charset="-128"/>
@@ -15419,7 +14735,7 @@
               <a:t>３－３、プリペアドステートメントの</a:t>
             </a:r>
             <a:r>
-              <a:rPr lang="en-US" altLang="ja-JP" sz="1600" dirty="0" smtClean="0">
+              <a:rPr lang="en-US" altLang="ja-JP" sz="1600" dirty="0">
                 <a:latin typeface="Meiryo UI" pitchFamily="50" charset="-128"/>
                 <a:ea typeface="Meiryo UI" pitchFamily="50" charset="-128"/>
                 <a:cs typeface="Meiryo UI" pitchFamily="50" charset="-128"/>
@@ -15427,14 +14743,14 @@
               <a:t>SQL</a:t>
             </a:r>
             <a:r>
-              <a:rPr lang="ja-JP" altLang="en-US" sz="1600" dirty="0" smtClean="0">
+              <a:rPr lang="ja-JP" altLang="en-US" sz="1600" dirty="0">
                 <a:latin typeface="Meiryo UI" pitchFamily="50" charset="-128"/>
                 <a:ea typeface="Meiryo UI" pitchFamily="50" charset="-128"/>
                 <a:cs typeface="Meiryo UI" pitchFamily="50" charset="-128"/>
               </a:rPr>
               <a:t>インジェクション防止</a:t>
             </a:r>
-            <a:endParaRPr lang="en-US" altLang="ja-JP" sz="1600" dirty="0" smtClean="0">
+            <a:endParaRPr lang="en-US" altLang="ja-JP" sz="1600" dirty="0">
               <a:latin typeface="Meiryo UI" pitchFamily="50" charset="-128"/>
               <a:ea typeface="Meiryo UI" pitchFamily="50" charset="-128"/>
               <a:cs typeface="Meiryo UI" pitchFamily="50" charset="-128"/>
@@ -15452,13 +14768,6 @@
   <p:clrMapOvr>
     <a:masterClrMapping/>
   </p:clrMapOvr>
-  <p:timing>
-    <p:tnLst>
-      <p:par>
-        <p:cTn id="1" dur="indefinite" restart="never" nodeType="tmRoot"/>
-      </p:par>
-    </p:tnLst>
-  </p:timing>
 </p:sld>
 </file>
 
@@ -15543,27 +14852,8 @@
                 <a:ea typeface="Meiryo UI" pitchFamily="50" charset="-128"/>
                 <a:cs typeface="Meiryo UI" pitchFamily="50" charset="-128"/>
               </a:rPr>
-              <a:t>１</a:t>
-            </a:r>
-            <a:r>
-              <a:rPr lang="ja-JP" altLang="en-US" sz="2800" dirty="0" smtClean="0">
-                <a:solidFill>
-                  <a:schemeClr val="tx2"/>
-                </a:solidFill>
-                <a:latin typeface="Meiryo UI" pitchFamily="50" charset="-128"/>
-                <a:ea typeface="Meiryo UI" pitchFamily="50" charset="-128"/>
-                <a:cs typeface="Meiryo UI" pitchFamily="50" charset="-128"/>
-              </a:rPr>
-              <a:t>．ファイル流出とは</a:t>
-            </a:r>
-            <a:endParaRPr lang="ja-JP" altLang="en-US" sz="2800" dirty="0">
-              <a:solidFill>
-                <a:schemeClr val="tx2"/>
-              </a:solidFill>
-              <a:latin typeface="Meiryo UI" pitchFamily="50" charset="-128"/>
-              <a:ea typeface="Meiryo UI" pitchFamily="50" charset="-128"/>
-              <a:cs typeface="Meiryo UI" pitchFamily="50" charset="-128"/>
-            </a:endParaRPr>
+              <a:t>１．ファイル流出とは</a:t>
+            </a:r>
           </a:p>
         </p:txBody>
       </p:sp>
@@ -15964,7 +15254,7 @@
               <a:buNone/>
             </a:pPr>
             <a:r>
-              <a:rPr lang="en-US" altLang="ja-JP" sz="2000" dirty="0" smtClean="0">
+              <a:rPr lang="en-US" altLang="ja-JP" sz="2000" dirty="0">
                 <a:latin typeface="Meiryo UI" pitchFamily="50" charset="-128"/>
                 <a:ea typeface="Meiryo UI" pitchFamily="50" charset="-128"/>
                 <a:cs typeface="Meiryo UI" pitchFamily="50" charset="-128"/>
@@ -15993,15 +15283,15 @@
                 <a:ea typeface="Meiryo UI" pitchFamily="50" charset="-128"/>
                 <a:cs typeface="Meiryo UI" pitchFamily="50" charset="-128"/>
               </a:rPr>
-              <a:t>アプリケーションの脆弱性のうちもっとも基本的なものだ</a:t>
-            </a:r>
-            <a:r>
-              <a:rPr lang="ja-JP" altLang="en-US" sz="2000" dirty="0" smtClean="0">
-                <a:latin typeface="Meiryo UI" pitchFamily="50" charset="-128"/>
-                <a:ea typeface="Meiryo UI" pitchFamily="50" charset="-128"/>
-                <a:cs typeface="Meiryo UI" pitchFamily="50" charset="-128"/>
-              </a:rPr>
-              <a:t>。</a:t>
+              <a:t>アプリケーションの脆弱性のうちもっとも基本的なものだ。ファイル流出対策ができていない</a:t>
+            </a:r>
+            <a:r>
+              <a:rPr lang="en-US" altLang="ja-JP" sz="2000" dirty="0">
+                <a:latin typeface="Meiryo UI" pitchFamily="50" charset="-128"/>
+                <a:ea typeface="Meiryo UI" pitchFamily="50" charset="-128"/>
+                <a:cs typeface="Meiryo UI" pitchFamily="50" charset="-128"/>
+              </a:rPr>
+              <a:t>Web</a:t>
             </a:r>
             <a:r>
               <a:rPr lang="ja-JP" altLang="en-US" sz="2000" dirty="0">
@@ -16009,25 +15299,9 @@
                 <a:ea typeface="Meiryo UI" pitchFamily="50" charset="-128"/>
                 <a:cs typeface="Meiryo UI" pitchFamily="50" charset="-128"/>
               </a:rPr>
-              <a:t>ファイル流出対策ができていない</a:t>
-            </a:r>
-            <a:r>
-              <a:rPr lang="en-US" altLang="ja-JP" sz="2000" dirty="0">
-                <a:latin typeface="Meiryo UI" pitchFamily="50" charset="-128"/>
-                <a:ea typeface="Meiryo UI" pitchFamily="50" charset="-128"/>
-                <a:cs typeface="Meiryo UI" pitchFamily="50" charset="-128"/>
-              </a:rPr>
-              <a:t>Web</a:t>
-            </a:r>
-            <a:r>
-              <a:rPr lang="ja-JP" altLang="en-US" sz="2000" dirty="0">
-                <a:latin typeface="Meiryo UI" pitchFamily="50" charset="-128"/>
-                <a:ea typeface="Meiryo UI" pitchFamily="50" charset="-128"/>
-                <a:cs typeface="Meiryo UI" pitchFamily="50" charset="-128"/>
-              </a:rPr>
               <a:t>サイトは、最もセキュリティレベルの低いサイトの部類に入る。このようなところでは、ほかのセキュリティ脆弱性対策を行ってもほとんど効果がない。</a:t>
             </a:r>
-            <a:endParaRPr lang="en-US" altLang="ja-JP" sz="2000" dirty="0" smtClean="0">
+            <a:endParaRPr lang="en-US" altLang="ja-JP" sz="2000" dirty="0">
               <a:latin typeface="Meiryo UI" pitchFamily="50" charset="-128"/>
               <a:ea typeface="Meiryo UI" pitchFamily="50" charset="-128"/>
               <a:cs typeface="Meiryo UI" pitchFamily="50" charset="-128"/>
@@ -16141,7 +15415,7 @@
               </a:rPr>
               <a:t>が何らかの形で読み出されてしまう、などがある。</a:t>
             </a:r>
-            <a:endParaRPr lang="en-US" altLang="ja-JP" sz="2000" dirty="0" smtClean="0">
+            <a:endParaRPr lang="en-US" altLang="ja-JP" sz="2000" dirty="0">
               <a:latin typeface="Meiryo UI" pitchFamily="50" charset="-128"/>
               <a:ea typeface="Meiryo UI" pitchFamily="50" charset="-128"/>
               <a:cs typeface="Meiryo UI" pitchFamily="50" charset="-128"/>
@@ -16159,7 +15433,7 @@
               <a:buNone/>
             </a:pPr>
             <a:r>
-              <a:rPr lang="en-US" altLang="ja-JP" sz="2000" dirty="0" smtClean="0">
+              <a:rPr lang="en-US" altLang="ja-JP" sz="2000" dirty="0">
                 <a:solidFill>
                   <a:schemeClr val="bg1">
                     <a:lumMod val="65000"/>
@@ -16169,10 +15443,10 @@
                 <a:ea typeface="Meiryo UI" pitchFamily="50" charset="-128"/>
                 <a:cs typeface="Meiryo UI" pitchFamily="50" charset="-128"/>
               </a:rPr>
-              <a:t>(</a:t>
-            </a:r>
-            <a:r>
-              <a:rPr lang="en-US" altLang="ja-JP" sz="2000" dirty="0">
+              <a:t>(From : thinkit.co.jp/Web</a:t>
+            </a:r>
+            <a:r>
+              <a:rPr lang="ja-JP" altLang="en-US" sz="2000" dirty="0">
                 <a:solidFill>
                   <a:schemeClr val="bg1">
                     <a:lumMod val="65000"/>
@@ -16182,36 +15456,10 @@
                 <a:ea typeface="Meiryo UI" pitchFamily="50" charset="-128"/>
                 <a:cs typeface="Meiryo UI" pitchFamily="50" charset="-128"/>
               </a:rPr>
-              <a:t>From : thinkit.co.jp/Web</a:t>
-            </a:r>
-            <a:r>
-              <a:rPr lang="ja-JP" altLang="en-US" sz="2000" dirty="0">
-                <a:solidFill>
-                  <a:schemeClr val="bg1">
-                    <a:lumMod val="65000"/>
-                  </a:schemeClr>
-                </a:solidFill>
-                <a:latin typeface="Meiryo UI" pitchFamily="50" charset="-128"/>
-                <a:ea typeface="Meiryo UI" pitchFamily="50" charset="-128"/>
-                <a:cs typeface="Meiryo UI" pitchFamily="50" charset="-128"/>
-              </a:rPr>
-              <a:t>アプリケーションの</a:t>
-            </a:r>
-            <a:r>
-              <a:rPr lang="ja-JP" altLang="en-US" sz="2000" dirty="0" smtClean="0">
-                <a:solidFill>
-                  <a:schemeClr val="bg1">
-                    <a:lumMod val="65000"/>
-                  </a:schemeClr>
-                </a:solidFill>
-                <a:latin typeface="Meiryo UI" pitchFamily="50" charset="-128"/>
-                <a:ea typeface="Meiryo UI" pitchFamily="50" charset="-128"/>
-                <a:cs typeface="Meiryo UI" pitchFamily="50" charset="-128"/>
-              </a:rPr>
-              <a:t>脆弱性</a:t>
-            </a:r>
-            <a:r>
-              <a:rPr lang="en-US" altLang="ja-JP" sz="2000" dirty="0" smtClean="0">
+              <a:t>アプリケーションの脆弱性</a:t>
+            </a:r>
+            <a:r>
+              <a:rPr lang="en-US" altLang="ja-JP" sz="2000" dirty="0">
                 <a:solidFill>
                   <a:schemeClr val="bg1">
                     <a:lumMod val="65000"/>
@@ -16452,7 +15700,7 @@
               <a:buNone/>
             </a:pPr>
             <a:r>
-              <a:rPr lang="en-US" altLang="ja-JP" sz="2000" dirty="0" smtClean="0">
+              <a:rPr lang="en-US" altLang="ja-JP" sz="2000" dirty="0">
                 <a:solidFill>
                   <a:srgbClr val="0070C0"/>
                 </a:solidFill>
@@ -16463,7 +15711,7 @@
               <a:t>※</a:t>
             </a:r>
             <a:r>
-              <a:rPr lang="en-US" altLang="ja-JP" sz="2000" dirty="0" err="1" smtClean="0">
+              <a:rPr lang="en-US" altLang="ja-JP" sz="2000" dirty="0" err="1">
                 <a:solidFill>
                   <a:srgbClr val="0070C0"/>
                 </a:solidFill>
@@ -16474,7 +15722,7 @@
               <a:t>Efw</a:t>
             </a:r>
             <a:r>
-              <a:rPr lang="ja-JP" altLang="en-US" sz="2000" dirty="0" smtClean="0">
+              <a:rPr lang="ja-JP" altLang="en-US" sz="2000" dirty="0">
                 <a:solidFill>
                   <a:srgbClr val="0070C0"/>
                 </a:solidFill>
@@ -16485,7 +15733,7 @@
               <a:t>のソースコードとデータ蓄積場所は、</a:t>
             </a:r>
             <a:r>
-              <a:rPr lang="en-US" altLang="ja-JP" sz="2000" dirty="0" smtClean="0">
+              <a:rPr lang="en-US" altLang="ja-JP" sz="2000" dirty="0">
                 <a:solidFill>
                   <a:srgbClr val="0070C0"/>
                 </a:solidFill>
@@ -16496,7 +15744,7 @@
               <a:t>Web</a:t>
             </a:r>
             <a:r>
-              <a:rPr lang="ja-JP" altLang="en-US" sz="2000" dirty="0" smtClean="0">
+              <a:rPr lang="ja-JP" altLang="en-US" sz="2000" dirty="0">
                 <a:solidFill>
                   <a:srgbClr val="0070C0"/>
                 </a:solidFill>
@@ -16507,7 +15755,7 @@
               <a:t>公開領域を避けている。</a:t>
             </a:r>
             <a:r>
-              <a:rPr lang="ja-JP" altLang="en-US" sz="2000" dirty="0" smtClean="0">
+              <a:rPr lang="ja-JP" altLang="en-US" sz="2000" dirty="0">
                 <a:solidFill>
                   <a:srgbClr val="FF0000"/>
                 </a:solidFill>
@@ -16518,7 +15766,7 @@
               <a:t>ただし、</a:t>
             </a:r>
             <a:r>
-              <a:rPr lang="en-US" altLang="ja-JP" sz="2000" dirty="0" err="1" smtClean="0">
+              <a:rPr lang="en-US" altLang="ja-JP" sz="2000" dirty="0" err="1">
                 <a:solidFill>
                   <a:srgbClr val="FF0000"/>
                 </a:solidFill>
@@ -16529,7 +15777,7 @@
               <a:t>Efw</a:t>
             </a:r>
             <a:r>
-              <a:rPr lang="ja-JP" altLang="en-US" sz="2000" dirty="0" smtClean="0">
+              <a:rPr lang="ja-JP" altLang="en-US" sz="2000" dirty="0">
                 <a:solidFill>
                   <a:srgbClr val="FF0000"/>
                 </a:solidFill>
@@ -16540,7 +15788,7 @@
               <a:t>のファイル処理</a:t>
             </a:r>
             <a:r>
-              <a:rPr lang="en-US" altLang="ja-JP" sz="2000" dirty="0" smtClean="0">
+              <a:rPr lang="en-US" altLang="ja-JP" sz="2000" dirty="0">
                 <a:solidFill>
                   <a:srgbClr val="FF0000"/>
                 </a:solidFill>
@@ -16551,7 +15799,7 @@
               <a:t>API</a:t>
             </a:r>
             <a:r>
-              <a:rPr lang="ja-JP" altLang="en-US" sz="2000" dirty="0" smtClean="0">
+              <a:rPr lang="ja-JP" altLang="en-US" sz="2000" dirty="0">
                 <a:solidFill>
                   <a:srgbClr val="FF0000"/>
                 </a:solidFill>
@@ -16562,7 +15810,7 @@
               <a:t>は、サーバの任意のファイルを操作可能。また、</a:t>
             </a:r>
             <a:r>
-              <a:rPr lang="en-US" altLang="ja-JP" sz="2000" dirty="0" smtClean="0">
+              <a:rPr lang="en-US" altLang="ja-JP" sz="2000" dirty="0">
                 <a:solidFill>
                   <a:srgbClr val="FF0000"/>
                 </a:solidFill>
@@ -16573,7 +15821,7 @@
               <a:t>java</a:t>
             </a:r>
             <a:r>
-              <a:rPr lang="ja-JP" altLang="en-US" sz="2000" dirty="0" smtClean="0">
+              <a:rPr lang="ja-JP" altLang="en-US" sz="2000" dirty="0">
                 <a:solidFill>
                   <a:srgbClr val="FF0000"/>
                 </a:solidFill>
@@ -16584,7 +15832,7 @@
               <a:t>の</a:t>
             </a:r>
             <a:r>
-              <a:rPr lang="en-US" altLang="ja-JP" sz="2000" dirty="0" smtClean="0">
+              <a:rPr lang="en-US" altLang="ja-JP" sz="2000" dirty="0">
                 <a:solidFill>
                   <a:srgbClr val="FF0000"/>
                 </a:solidFill>
@@ -16595,7 +15843,7 @@
               <a:t>API</a:t>
             </a:r>
             <a:r>
-              <a:rPr lang="ja-JP" altLang="en-US" sz="2000" dirty="0" smtClean="0">
+              <a:rPr lang="ja-JP" altLang="en-US" sz="2000" dirty="0">
                 <a:solidFill>
                   <a:srgbClr val="FF0000"/>
                 </a:solidFill>
@@ -16603,31 +15851,9 @@
                 <a:ea typeface="Meiryo UI" pitchFamily="50" charset="-128"/>
                 <a:cs typeface="Meiryo UI" pitchFamily="50" charset="-128"/>
               </a:rPr>
-              <a:t>も利用可能。そして、</a:t>
-            </a:r>
-            <a:r>
-              <a:rPr lang="ja-JP" altLang="en-US" sz="2000" dirty="0">
-                <a:solidFill>
-                  <a:srgbClr val="FF0000"/>
-                </a:solidFill>
-                <a:latin typeface="Meiryo UI" pitchFamily="50" charset="-128"/>
-                <a:ea typeface="Meiryo UI" pitchFamily="50" charset="-128"/>
-                <a:cs typeface="Meiryo UI" pitchFamily="50" charset="-128"/>
-              </a:rPr>
-              <a:t>ファイル</a:t>
-            </a:r>
-            <a:r>
-              <a:rPr lang="ja-JP" altLang="en-US" sz="2000" dirty="0" smtClean="0">
-                <a:solidFill>
-                  <a:srgbClr val="FF0000"/>
-                </a:solidFill>
-                <a:latin typeface="Meiryo UI" pitchFamily="50" charset="-128"/>
-                <a:ea typeface="Meiryo UI" pitchFamily="50" charset="-128"/>
-                <a:cs typeface="Meiryo UI" pitchFamily="50" charset="-128"/>
-              </a:rPr>
-              <a:t>流出を防ぐため、アプリプログラムの注意が必要。</a:t>
-            </a:r>
-            <a:endParaRPr lang="en-US" altLang="ja-JP" sz="2000" dirty="0" smtClean="0">
+              <a:t>も利用可能。そして、ファイル流出を防ぐため、アプリプログラムの注意が必要。</a:t>
+            </a:r>
+            <a:endParaRPr lang="en-US" altLang="ja-JP" sz="2000" dirty="0">
               <a:solidFill>
                 <a:srgbClr val="FF0000"/>
               </a:solidFill>
@@ -16648,13 +15874,6 @@
   <p:clrMapOvr>
     <a:masterClrMapping/>
   </p:clrMapOvr>
-  <p:timing>
-    <p:tnLst>
-      <p:par>
-        <p:cTn id="1" dur="indefinite" restart="never" nodeType="tmRoot"/>
-      </p:par>
-    </p:tnLst>
-  </p:timing>
 </p:sld>
 </file>
 
@@ -16731,7 +15950,7 @@
               </a:spcBef>
             </a:pPr>
             <a:r>
-              <a:rPr lang="ja-JP" altLang="en-US" sz="2800" dirty="0" smtClean="0">
+              <a:rPr lang="ja-JP" altLang="en-US" sz="2800" dirty="0">
                 <a:solidFill>
                   <a:schemeClr val="tx2"/>
                 </a:solidFill>
@@ -16739,7 +15958,18 @@
                 <a:ea typeface="Meiryo UI" pitchFamily="50" charset="-128"/>
                 <a:cs typeface="Meiryo UI" pitchFamily="50" charset="-128"/>
               </a:rPr>
-              <a:t>１ー</a:t>
+              <a:t>１ー１．</a:t>
+            </a:r>
+            <a:r>
+              <a:rPr lang="en-US" altLang="ja-JP" sz="2800" dirty="0" err="1">
+                <a:solidFill>
+                  <a:schemeClr val="tx2"/>
+                </a:solidFill>
+                <a:latin typeface="Meiryo UI" pitchFamily="50" charset="-128"/>
+                <a:ea typeface="Meiryo UI" pitchFamily="50" charset="-128"/>
+                <a:cs typeface="Meiryo UI" pitchFamily="50" charset="-128"/>
+              </a:rPr>
+              <a:t>efw</a:t>
             </a:r>
             <a:r>
               <a:rPr lang="ja-JP" altLang="en-US" sz="2800" dirty="0">
@@ -16750,49 +15980,8 @@
                 <a:ea typeface="Meiryo UI" pitchFamily="50" charset="-128"/>
                 <a:cs typeface="Meiryo UI" pitchFamily="50" charset="-128"/>
               </a:rPr>
-              <a:t>１</a:t>
-            </a:r>
-            <a:r>
-              <a:rPr lang="ja-JP" altLang="en-US" sz="2800" dirty="0" smtClean="0">
-                <a:solidFill>
-                  <a:schemeClr val="tx2"/>
-                </a:solidFill>
-                <a:latin typeface="Meiryo UI" pitchFamily="50" charset="-128"/>
-                <a:ea typeface="Meiryo UI" pitchFamily="50" charset="-128"/>
-                <a:cs typeface="Meiryo UI" pitchFamily="50" charset="-128"/>
-              </a:rPr>
-              <a:t>．</a:t>
-            </a:r>
-            <a:r>
-              <a:rPr lang="en-US" altLang="ja-JP" sz="2800" dirty="0" err="1" smtClean="0">
-                <a:solidFill>
-                  <a:schemeClr val="tx2"/>
-                </a:solidFill>
-                <a:latin typeface="Meiryo UI" pitchFamily="50" charset="-128"/>
-                <a:ea typeface="Meiryo UI" pitchFamily="50" charset="-128"/>
-                <a:cs typeface="Meiryo UI" pitchFamily="50" charset="-128"/>
-              </a:rPr>
-              <a:t>efw</a:t>
-            </a:r>
-            <a:r>
-              <a:rPr lang="ja-JP" altLang="en-US" sz="2800" dirty="0" smtClean="0">
-                <a:solidFill>
-                  <a:schemeClr val="tx2"/>
-                </a:solidFill>
-                <a:latin typeface="Meiryo UI" pitchFamily="50" charset="-128"/>
-                <a:ea typeface="Meiryo UI" pitchFamily="50" charset="-128"/>
-                <a:cs typeface="Meiryo UI" pitchFamily="50" charset="-128"/>
-              </a:rPr>
               <a:t>フォルダの置く場所</a:t>
             </a:r>
-            <a:endParaRPr lang="ja-JP" altLang="en-US" sz="2800" dirty="0">
-              <a:solidFill>
-                <a:schemeClr val="tx2"/>
-              </a:solidFill>
-              <a:latin typeface="Meiryo UI" pitchFamily="50" charset="-128"/>
-              <a:ea typeface="Meiryo UI" pitchFamily="50" charset="-128"/>
-              <a:cs typeface="Meiryo UI" pitchFamily="50" charset="-128"/>
-            </a:endParaRPr>
           </a:p>
         </p:txBody>
       </p:sp>
@@ -17295,7 +16484,7 @@
               <a:buNone/>
             </a:pPr>
             <a:r>
-              <a:rPr lang="en-US" altLang="ja-JP" sz="2000" dirty="0" err="1" smtClean="0">
+              <a:rPr lang="en-US" altLang="ja-JP" sz="2000" dirty="0" err="1">
                 <a:latin typeface="Meiryo UI" pitchFamily="50" charset="-128"/>
                 <a:ea typeface="Meiryo UI" pitchFamily="50" charset="-128"/>
                 <a:cs typeface="Meiryo UI" pitchFamily="50" charset="-128"/>
@@ -17303,7 +16492,7 @@
               <a:t>efw</a:t>
             </a:r>
             <a:r>
-              <a:rPr lang="ja-JP" altLang="en-US" sz="2000" dirty="0" smtClean="0">
+              <a:rPr lang="ja-JP" altLang="en-US" sz="2000" dirty="0">
                 <a:latin typeface="Meiryo UI" pitchFamily="50" charset="-128"/>
                 <a:ea typeface="Meiryo UI" pitchFamily="50" charset="-128"/>
                 <a:cs typeface="Meiryo UI" pitchFamily="50" charset="-128"/>
@@ -17311,7 +16500,7 @@
               <a:t>フレームワークのデフォルト設定で、アプリプログラムと各種リソース（</a:t>
             </a:r>
             <a:r>
-              <a:rPr lang="en-US" altLang="ja-JP" sz="2000" dirty="0" err="1" smtClean="0">
+              <a:rPr lang="en-US" altLang="ja-JP" sz="2000" dirty="0" err="1">
                 <a:latin typeface="Meiryo UI" pitchFamily="50" charset="-128"/>
                 <a:ea typeface="Meiryo UI" pitchFamily="50" charset="-128"/>
                 <a:cs typeface="Meiryo UI" pitchFamily="50" charset="-128"/>
@@ -17319,7 +16508,7 @@
               <a:t>jsp</a:t>
             </a:r>
             <a:r>
-              <a:rPr lang="ja-JP" altLang="en-US" sz="2000" dirty="0" smtClean="0">
+              <a:rPr lang="ja-JP" altLang="en-US" sz="2000" dirty="0">
                 <a:latin typeface="Meiryo UI" pitchFamily="50" charset="-128"/>
                 <a:ea typeface="Meiryo UI" pitchFamily="50" charset="-128"/>
                 <a:cs typeface="Meiryo UI" pitchFamily="50" charset="-128"/>
@@ -17327,7 +16516,7 @@
               <a:t>・</a:t>
             </a:r>
             <a:r>
-              <a:rPr lang="en-US" altLang="ja-JP" sz="2000" dirty="0" err="1" smtClean="0">
+              <a:rPr lang="en-US" altLang="ja-JP" sz="2000" dirty="0" err="1">
                 <a:latin typeface="Meiryo UI" pitchFamily="50" charset="-128"/>
                 <a:ea typeface="Meiryo UI" pitchFamily="50" charset="-128"/>
                 <a:cs typeface="Meiryo UI" pitchFamily="50" charset="-128"/>
@@ -17335,7 +16524,7 @@
               <a:t>css</a:t>
             </a:r>
             <a:r>
-              <a:rPr lang="ja-JP" altLang="en-US" sz="2000" dirty="0" smtClean="0">
+              <a:rPr lang="ja-JP" altLang="en-US" sz="2000" dirty="0">
                 <a:latin typeface="Meiryo UI" pitchFamily="50" charset="-128"/>
                 <a:ea typeface="Meiryo UI" pitchFamily="50" charset="-128"/>
                 <a:cs typeface="Meiryo UI" pitchFamily="50" charset="-128"/>
@@ -17343,7 +16532,7 @@
               <a:t>などを除く）は、</a:t>
             </a:r>
             <a:r>
-              <a:rPr lang="en-US" altLang="ja-JP" sz="2000" dirty="0" smtClean="0">
+              <a:rPr lang="en-US" altLang="ja-JP" sz="2000" dirty="0">
                 <a:latin typeface="Meiryo UI" pitchFamily="50" charset="-128"/>
                 <a:ea typeface="Meiryo UI" pitchFamily="50" charset="-128"/>
                 <a:cs typeface="Meiryo UI" pitchFamily="50" charset="-128"/>
@@ -17351,7 +16540,7 @@
               <a:t>Web</a:t>
             </a:r>
             <a:r>
-              <a:rPr lang="ja-JP" altLang="en-US" sz="2000" dirty="0" smtClean="0">
+              <a:rPr lang="ja-JP" altLang="en-US" sz="2000" dirty="0">
                 <a:latin typeface="Meiryo UI" pitchFamily="50" charset="-128"/>
                 <a:ea typeface="Meiryo UI" pitchFamily="50" charset="-128"/>
                 <a:cs typeface="Meiryo UI" pitchFamily="50" charset="-128"/>
@@ -17359,7 +16548,7 @@
               <a:t>非公開領域の</a:t>
             </a:r>
             <a:r>
-              <a:rPr lang="en-US" altLang="ja-JP" sz="2000" dirty="0" smtClean="0">
+              <a:rPr lang="en-US" altLang="ja-JP" sz="2000" dirty="0">
                 <a:latin typeface="Meiryo UI" pitchFamily="50" charset="-128"/>
                 <a:ea typeface="Meiryo UI" pitchFamily="50" charset="-128"/>
                 <a:cs typeface="Meiryo UI" pitchFamily="50" charset="-128"/>
@@ -17367,7 +16556,7 @@
               <a:t>WEB-INF</a:t>
             </a:r>
             <a:r>
-              <a:rPr lang="ja-JP" altLang="en-US" sz="2000" dirty="0" smtClean="0">
+              <a:rPr lang="ja-JP" altLang="en-US" sz="2000" dirty="0">
                 <a:latin typeface="Meiryo UI" pitchFamily="50" charset="-128"/>
                 <a:ea typeface="Meiryo UI" pitchFamily="50" charset="-128"/>
                 <a:cs typeface="Meiryo UI" pitchFamily="50" charset="-128"/>
@@ -17400,10 +16589,10 @@
                 <a:ea typeface="Meiryo UI" pitchFamily="50" charset="-128"/>
                 <a:cs typeface="Meiryo UI" pitchFamily="50" charset="-128"/>
               </a:rPr>
-              <a:t>e</a:t>
-            </a:r>
-            <a:r>
-              <a:rPr lang="en-US" altLang="ja-JP" sz="1400" dirty="0" smtClean="0">
+              <a:t>event</a:t>
+            </a:r>
+            <a:r>
+              <a:rPr lang="ja-JP" altLang="en-US" sz="1400" dirty="0">
                 <a:solidFill>
                   <a:srgbClr val="0070C0"/>
                 </a:solidFill>
@@ -17411,10 +16600,10 @@
                 <a:ea typeface="Meiryo UI" pitchFamily="50" charset="-128"/>
                 <a:cs typeface="Meiryo UI" pitchFamily="50" charset="-128"/>
               </a:rPr>
-              <a:t>vent</a:t>
-            </a:r>
-            <a:r>
-              <a:rPr lang="ja-JP" altLang="en-US" sz="1400" dirty="0" smtClean="0">
+              <a:t>：イベント</a:t>
+            </a:r>
+            <a:r>
+              <a:rPr lang="en-US" altLang="ja-JP" sz="1400" dirty="0" err="1">
                 <a:solidFill>
                   <a:srgbClr val="0070C0"/>
                 </a:solidFill>
@@ -17422,10 +16611,10 @@
                 <a:ea typeface="Meiryo UI" pitchFamily="50" charset="-128"/>
                 <a:cs typeface="Meiryo UI" pitchFamily="50" charset="-128"/>
               </a:rPr>
-              <a:t>：イベント</a:t>
-            </a:r>
-            <a:r>
-              <a:rPr lang="en-US" altLang="ja-JP" sz="1400" dirty="0" err="1" smtClean="0">
+              <a:t>js</a:t>
+            </a:r>
+            <a:r>
+              <a:rPr lang="ja-JP" altLang="en-US" sz="1400" dirty="0">
                 <a:solidFill>
                   <a:srgbClr val="0070C0"/>
                 </a:solidFill>
@@ -17433,20 +16622,9 @@
                 <a:ea typeface="Meiryo UI" pitchFamily="50" charset="-128"/>
                 <a:cs typeface="Meiryo UI" pitchFamily="50" charset="-128"/>
               </a:rPr>
-              <a:t>js</a:t>
-            </a:r>
-            <a:r>
-              <a:rPr lang="ja-JP" altLang="en-US" sz="1400" dirty="0" smtClean="0">
-                <a:solidFill>
-                  <a:srgbClr val="0070C0"/>
-                </a:solidFill>
-                <a:latin typeface="Meiryo UI" pitchFamily="50" charset="-128"/>
-                <a:ea typeface="Meiryo UI" pitchFamily="50" charset="-128"/>
-                <a:cs typeface="Meiryo UI" pitchFamily="50" charset="-128"/>
-              </a:rPr>
               <a:t>ファイルを格納するフォルダ。</a:t>
             </a:r>
-            <a:endParaRPr lang="en-US" altLang="ja-JP" sz="1400" dirty="0" smtClean="0">
+            <a:endParaRPr lang="en-US" altLang="ja-JP" sz="1400" dirty="0">
               <a:solidFill>
                 <a:srgbClr val="0070C0"/>
               </a:solidFill>
@@ -17467,7 +16645,7 @@
               <a:buNone/>
             </a:pPr>
             <a:r>
-              <a:rPr lang="en-US" altLang="ja-JP" sz="1400" dirty="0" smtClean="0">
+              <a:rPr lang="en-US" altLang="ja-JP" sz="1400" dirty="0">
                 <a:solidFill>
                   <a:srgbClr val="0070C0"/>
                 </a:solidFill>
@@ -17478,7 +16656,7 @@
               <a:t>i18n</a:t>
             </a:r>
             <a:r>
-              <a:rPr lang="ja-JP" altLang="en-US" sz="1400" dirty="0" smtClean="0">
+              <a:rPr lang="ja-JP" altLang="en-US" sz="1400" dirty="0">
                 <a:solidFill>
                   <a:srgbClr val="0070C0"/>
                 </a:solidFill>
@@ -17488,7 +16666,7 @@
               </a:rPr>
               <a:t>：多国語メッセージ定義を格納するフォルダ。</a:t>
             </a:r>
-            <a:endParaRPr lang="en-US" altLang="ja-JP" sz="1400" dirty="0" smtClean="0">
+            <a:endParaRPr lang="en-US" altLang="ja-JP" sz="1400" dirty="0">
               <a:solidFill>
                 <a:srgbClr val="0070C0"/>
               </a:solidFill>
@@ -17517,10 +16695,10 @@
                 <a:ea typeface="Meiryo UI" pitchFamily="50" charset="-128"/>
                 <a:cs typeface="Meiryo UI" pitchFamily="50" charset="-128"/>
               </a:rPr>
-              <a:t>m</a:t>
-            </a:r>
-            <a:r>
-              <a:rPr lang="en-US" altLang="ja-JP" sz="1400" dirty="0" smtClean="0">
+              <a:t>mail</a:t>
+            </a:r>
+            <a:r>
+              <a:rPr lang="ja-JP" altLang="en-US" sz="1400" dirty="0">
                 <a:solidFill>
                   <a:srgbClr val="0070C0"/>
                 </a:solidFill>
@@ -17528,20 +16706,9 @@
                 <a:ea typeface="Meiryo UI" pitchFamily="50" charset="-128"/>
                 <a:cs typeface="Meiryo UI" pitchFamily="50" charset="-128"/>
               </a:rPr>
-              <a:t>ail</a:t>
-            </a:r>
-            <a:r>
-              <a:rPr lang="ja-JP" altLang="en-US" sz="1400" dirty="0" smtClean="0">
-                <a:solidFill>
-                  <a:srgbClr val="0070C0"/>
-                </a:solidFill>
-                <a:latin typeface="Meiryo UI" pitchFamily="50" charset="-128"/>
-                <a:ea typeface="Meiryo UI" pitchFamily="50" charset="-128"/>
-                <a:cs typeface="Meiryo UI" pitchFamily="50" charset="-128"/>
-              </a:rPr>
               <a:t>：メールテンプレートを格納するフォルダ。</a:t>
             </a:r>
-            <a:endParaRPr lang="en-US" altLang="ja-JP" sz="1400" dirty="0" smtClean="0">
+            <a:endParaRPr lang="en-US" altLang="ja-JP" sz="1400" dirty="0">
               <a:solidFill>
                 <a:srgbClr val="0070C0"/>
               </a:solidFill>
@@ -17570,10 +16737,10 @@
                 <a:ea typeface="Meiryo UI" pitchFamily="50" charset="-128"/>
                 <a:cs typeface="Meiryo UI" pitchFamily="50" charset="-128"/>
               </a:rPr>
-              <a:t>s</a:t>
-            </a:r>
-            <a:r>
-              <a:rPr lang="en-US" altLang="ja-JP" sz="1400" dirty="0" err="1" smtClean="0">
+              <a:t>sql</a:t>
+            </a:r>
+            <a:r>
+              <a:rPr lang="ja-JP" altLang="en-US" sz="1400" dirty="0">
                 <a:solidFill>
                   <a:srgbClr val="0070C0"/>
                 </a:solidFill>
@@ -17581,10 +16748,10 @@
                 <a:ea typeface="Meiryo UI" pitchFamily="50" charset="-128"/>
                 <a:cs typeface="Meiryo UI" pitchFamily="50" charset="-128"/>
               </a:rPr>
-              <a:t>ql</a:t>
-            </a:r>
-            <a:r>
-              <a:rPr lang="ja-JP" altLang="en-US" sz="1400" dirty="0" smtClean="0">
+              <a:t>：外出し</a:t>
+            </a:r>
+            <a:r>
+              <a:rPr lang="en-US" altLang="ja-JP" sz="1400" dirty="0">
                 <a:solidFill>
                   <a:srgbClr val="0070C0"/>
                 </a:solidFill>
@@ -17592,10 +16759,10 @@
                 <a:ea typeface="Meiryo UI" pitchFamily="50" charset="-128"/>
                 <a:cs typeface="Meiryo UI" pitchFamily="50" charset="-128"/>
               </a:rPr>
-              <a:t>：外出し</a:t>
-            </a:r>
-            <a:r>
-              <a:rPr lang="en-US" altLang="ja-JP" sz="1400" dirty="0" smtClean="0">
+              <a:t>SQL</a:t>
+            </a:r>
+            <a:r>
+              <a:rPr lang="ja-JP" altLang="en-US" sz="1400" dirty="0">
                 <a:solidFill>
                   <a:srgbClr val="0070C0"/>
                 </a:solidFill>
@@ -17603,20 +16770,9 @@
                 <a:ea typeface="Meiryo UI" pitchFamily="50" charset="-128"/>
                 <a:cs typeface="Meiryo UI" pitchFamily="50" charset="-128"/>
               </a:rPr>
-              <a:t>SQL</a:t>
-            </a:r>
-            <a:r>
-              <a:rPr lang="ja-JP" altLang="en-US" sz="1400" dirty="0" smtClean="0">
-                <a:solidFill>
-                  <a:srgbClr val="0070C0"/>
-                </a:solidFill>
-                <a:latin typeface="Meiryo UI" pitchFamily="50" charset="-128"/>
-                <a:ea typeface="Meiryo UI" pitchFamily="50" charset="-128"/>
-                <a:cs typeface="Meiryo UI" pitchFamily="50" charset="-128"/>
-              </a:rPr>
               <a:t>を格納するフォルダ。</a:t>
             </a:r>
-            <a:endParaRPr lang="en-US" altLang="ja-JP" sz="1400" dirty="0" smtClean="0">
+            <a:endParaRPr lang="en-US" altLang="ja-JP" sz="1400" dirty="0">
               <a:solidFill>
                 <a:srgbClr val="0070C0"/>
               </a:solidFill>
@@ -17645,10 +16801,10 @@
                 <a:ea typeface="Meiryo UI" pitchFamily="50" charset="-128"/>
                 <a:cs typeface="Meiryo UI" pitchFamily="50" charset="-128"/>
               </a:rPr>
-              <a:t>s</a:t>
-            </a:r>
-            <a:r>
-              <a:rPr lang="en-US" altLang="ja-JP" sz="1400" dirty="0" smtClean="0">
+              <a:t>storage</a:t>
+            </a:r>
+            <a:r>
+              <a:rPr lang="ja-JP" altLang="en-US" sz="1400" dirty="0">
                 <a:solidFill>
                   <a:srgbClr val="0070C0"/>
                 </a:solidFill>
@@ -17656,20 +16812,9 @@
                 <a:ea typeface="Meiryo UI" pitchFamily="50" charset="-128"/>
                 <a:cs typeface="Meiryo UI" pitchFamily="50" charset="-128"/>
               </a:rPr>
-              <a:t>torage</a:t>
-            </a:r>
-            <a:r>
-              <a:rPr lang="ja-JP" altLang="en-US" sz="1400" dirty="0" smtClean="0">
-                <a:solidFill>
-                  <a:srgbClr val="0070C0"/>
-                </a:solidFill>
-                <a:latin typeface="Meiryo UI" pitchFamily="50" charset="-128"/>
-                <a:ea typeface="Meiryo UI" pitchFamily="50" charset="-128"/>
-                <a:cs typeface="Meiryo UI" pitchFamily="50" charset="-128"/>
-              </a:rPr>
               <a:t>：アプリが操作するファイルを格納するフォルダ。</a:t>
             </a:r>
-            <a:endParaRPr lang="en-US" altLang="ja-JP" sz="1400" dirty="0" smtClean="0">
+            <a:endParaRPr lang="en-US" altLang="ja-JP" sz="1400" dirty="0">
               <a:solidFill>
                 <a:srgbClr val="0070C0"/>
               </a:solidFill>
@@ -17716,7 +16861,7 @@
           <a:p>
             <a:pPr algn="ctr"/>
             <a:r>
-              <a:rPr lang="ja-JP" altLang="en-US" sz="1400" dirty="0" smtClean="0">
+              <a:rPr lang="ja-JP" altLang="en-US" sz="1400" dirty="0">
                 <a:solidFill>
                   <a:schemeClr val="bg1"/>
                 </a:solidFill>
@@ -17726,7 +16871,7 @@
               </a:rPr>
               <a:t>クライアント</a:t>
             </a:r>
-            <a:endParaRPr kumimoji="1" lang="ja-JP" altLang="en-US" sz="1400" dirty="0" smtClean="0">
+            <a:endParaRPr kumimoji="1" lang="ja-JP" altLang="en-US" sz="1400" dirty="0">
               <a:solidFill>
                 <a:schemeClr val="bg1"/>
               </a:solidFill>
@@ -17775,7 +16920,7 @@
           <a:lstStyle/>
           <a:p>
             <a:r>
-              <a:rPr lang="en-US" altLang="ja-JP" sz="1400" dirty="0" smtClean="0">
+              <a:rPr lang="en-US" altLang="ja-JP" sz="1400" dirty="0">
                 <a:solidFill>
                   <a:schemeClr val="bg1"/>
                 </a:solidFill>
@@ -17786,7 +16931,7 @@
               <a:t>http://..../WEB-INF/</a:t>
             </a:r>
             <a:r>
-              <a:rPr lang="en-US" altLang="ja-JP" sz="1400" dirty="0" err="1" smtClean="0">
+              <a:rPr lang="en-US" altLang="ja-JP" sz="1400" dirty="0" err="1">
                 <a:solidFill>
                   <a:schemeClr val="bg1"/>
                 </a:solidFill>
@@ -17797,7 +16942,7 @@
               <a:t>efw</a:t>
             </a:r>
             <a:r>
-              <a:rPr lang="en-US" altLang="ja-JP" sz="1400" dirty="0" smtClean="0">
+              <a:rPr lang="en-US" altLang="ja-JP" sz="1400" dirty="0">
                 <a:solidFill>
                   <a:schemeClr val="bg1"/>
                 </a:solidFill>
@@ -17853,7 +16998,7 @@
           <a:lstStyle/>
           <a:p>
             <a:pPr algn="ctr"/>
-            <a:endParaRPr kumimoji="1" lang="ja-JP" altLang="en-US" sz="1400" dirty="0" smtClean="0">
+            <a:endParaRPr kumimoji="1" lang="ja-JP" altLang="en-US" sz="1400" dirty="0">
               <a:solidFill>
                 <a:schemeClr val="tx1"/>
               </a:solidFill>
@@ -17948,7 +17093,7 @@
           <a:p>
             <a:pPr algn="ctr"/>
             <a:r>
-              <a:rPr lang="en-US" altLang="ja-JP" sz="1400" dirty="0" err="1" smtClean="0">
+              <a:rPr lang="en-US" altLang="ja-JP" sz="1400" dirty="0" err="1">
                 <a:solidFill>
                   <a:schemeClr val="bg1"/>
                 </a:solidFill>
@@ -17959,7 +17104,7 @@
               <a:t>Efw</a:t>
             </a:r>
             <a:r>
-              <a:rPr lang="ja-JP" altLang="en-US" sz="1400" dirty="0" smtClean="0">
+              <a:rPr lang="ja-JP" altLang="en-US" sz="1400" dirty="0">
                 <a:solidFill>
                   <a:schemeClr val="bg1"/>
                 </a:solidFill>
@@ -17969,7 +17114,7 @@
               </a:rPr>
               <a:t>サーバ側</a:t>
             </a:r>
-            <a:endParaRPr kumimoji="1" lang="ja-JP" altLang="en-US" sz="1400" dirty="0" smtClean="0">
+            <a:endParaRPr kumimoji="1" lang="ja-JP" altLang="en-US" sz="1400" dirty="0">
               <a:solidFill>
                 <a:schemeClr val="bg1"/>
               </a:solidFill>
@@ -18167,7 +17312,7 @@
               <a:buNone/>
             </a:pPr>
             <a:r>
-              <a:rPr lang="en-US" altLang="ja-JP" sz="2000" dirty="0" smtClean="0">
+              <a:rPr lang="en-US" altLang="ja-JP" sz="2000" dirty="0">
                 <a:solidFill>
                   <a:srgbClr val="FF0000"/>
                 </a:solidFill>
@@ -18178,7 +17323,7 @@
               <a:t>※</a:t>
             </a:r>
             <a:r>
-              <a:rPr lang="ja-JP" altLang="en-US" sz="2000" dirty="0" smtClean="0">
+              <a:rPr lang="ja-JP" altLang="en-US" sz="2000" dirty="0">
                 <a:solidFill>
                   <a:srgbClr val="FF0000"/>
                 </a:solidFill>
@@ -18188,7 +17333,7 @@
               </a:rPr>
               <a:t>画面からパラメータを直接にファイル・フォルダ名として利用する場合、改ざんにより親フォルダのファイルを操作される危険性があり、要注意。</a:t>
             </a:r>
-            <a:endParaRPr lang="en-US" altLang="ja-JP" sz="2000" dirty="0" smtClean="0">
+            <a:endParaRPr lang="en-US" altLang="ja-JP" sz="2000" dirty="0">
               <a:solidFill>
                 <a:srgbClr val="FF0000"/>
               </a:solidFill>
@@ -18209,13 +17354,6 @@
   <p:clrMapOvr>
     <a:masterClrMapping/>
   </p:clrMapOvr>
-  <p:timing>
-    <p:tnLst>
-      <p:par>
-        <p:cTn id="1" dur="indefinite" restart="never" nodeType="tmRoot"/>
-      </p:par>
-    </p:tnLst>
-  </p:timing>
 </p:sld>
 </file>
 
@@ -18292,7 +17430,7 @@
               </a:spcBef>
             </a:pPr>
             <a:r>
-              <a:rPr lang="ja-JP" altLang="en-US" sz="2800" dirty="0" smtClean="0">
+              <a:rPr lang="ja-JP" altLang="en-US" sz="2800" dirty="0">
                 <a:solidFill>
                   <a:schemeClr val="tx2"/>
                 </a:solidFill>
@@ -18300,7 +17438,18 @@
                 <a:ea typeface="Meiryo UI" pitchFamily="50" charset="-128"/>
                 <a:cs typeface="Meiryo UI" pitchFamily="50" charset="-128"/>
               </a:rPr>
-              <a:t>１ー</a:t>
+              <a:t>１ー２．ファイル管理ツール</a:t>
+            </a:r>
+            <a:r>
+              <a:rPr lang="en-US" altLang="ja-JP" sz="2800" dirty="0" err="1">
+                <a:solidFill>
+                  <a:schemeClr val="tx2"/>
+                </a:solidFill>
+                <a:latin typeface="Meiryo UI" pitchFamily="50" charset="-128"/>
+                <a:ea typeface="Meiryo UI" pitchFamily="50" charset="-128"/>
+                <a:cs typeface="Meiryo UI" pitchFamily="50" charset="-128"/>
+              </a:rPr>
+              <a:t>elfinder</a:t>
             </a:r>
             <a:r>
               <a:rPr lang="ja-JP" altLang="en-US" sz="2800" dirty="0">
@@ -18311,60 +17460,8 @@
                 <a:ea typeface="Meiryo UI" pitchFamily="50" charset="-128"/>
                 <a:cs typeface="Meiryo UI" pitchFamily="50" charset="-128"/>
               </a:rPr>
-              <a:t>２．ファイル管理</a:t>
-            </a:r>
-            <a:r>
-              <a:rPr lang="ja-JP" altLang="en-US" sz="2800" dirty="0" smtClean="0">
-                <a:solidFill>
-                  <a:schemeClr val="tx2"/>
-                </a:solidFill>
-                <a:latin typeface="Meiryo UI" pitchFamily="50" charset="-128"/>
-                <a:ea typeface="Meiryo UI" pitchFamily="50" charset="-128"/>
-                <a:cs typeface="Meiryo UI" pitchFamily="50" charset="-128"/>
-              </a:rPr>
-              <a:t>ツール</a:t>
-            </a:r>
-            <a:r>
-              <a:rPr lang="en-US" altLang="ja-JP" sz="2800" dirty="0" err="1" smtClean="0">
-                <a:solidFill>
-                  <a:schemeClr val="tx2"/>
-                </a:solidFill>
-                <a:latin typeface="Meiryo UI" pitchFamily="50" charset="-128"/>
-                <a:ea typeface="Meiryo UI" pitchFamily="50" charset="-128"/>
-                <a:cs typeface="Meiryo UI" pitchFamily="50" charset="-128"/>
-              </a:rPr>
-              <a:t>elfinder</a:t>
-            </a:r>
-            <a:r>
-              <a:rPr lang="ja-JP" altLang="en-US" sz="2800" dirty="0">
-                <a:solidFill>
-                  <a:schemeClr val="tx2"/>
-                </a:solidFill>
-                <a:latin typeface="Meiryo UI" pitchFamily="50" charset="-128"/>
-                <a:ea typeface="Meiryo UI" pitchFamily="50" charset="-128"/>
-                <a:cs typeface="Meiryo UI" pitchFamily="50" charset="-128"/>
-              </a:rPr>
-              <a:t>の</a:t>
-            </a:r>
-            <a:r>
-              <a:rPr lang="ja-JP" altLang="en-US" sz="2800" dirty="0" smtClean="0">
-                <a:solidFill>
-                  <a:schemeClr val="tx2"/>
-                </a:solidFill>
-                <a:latin typeface="Meiryo UI" pitchFamily="50" charset="-128"/>
-                <a:ea typeface="Meiryo UI" pitchFamily="50" charset="-128"/>
-                <a:cs typeface="Meiryo UI" pitchFamily="50" charset="-128"/>
-              </a:rPr>
-              <a:t>改造</a:t>
-            </a:r>
-            <a:endParaRPr lang="ja-JP" altLang="en-US" sz="2800" dirty="0">
-              <a:solidFill>
-                <a:schemeClr val="tx2"/>
-              </a:solidFill>
-              <a:latin typeface="Meiryo UI" pitchFamily="50" charset="-128"/>
-              <a:ea typeface="Meiryo UI" pitchFamily="50" charset="-128"/>
-              <a:cs typeface="Meiryo UI" pitchFamily="50" charset="-128"/>
-            </a:endParaRPr>
+              <a:t>の改造</a:t>
+            </a:r>
           </a:p>
         </p:txBody>
       </p:sp>
@@ -18843,7 +17940,7 @@
               <a:buNone/>
             </a:pPr>
             <a:r>
-              <a:rPr lang="en-US" altLang="ja-JP" sz="2000" dirty="0" err="1" smtClean="0">
+              <a:rPr lang="en-US" altLang="ja-JP" sz="2000" dirty="0" err="1">
                 <a:latin typeface="Meiryo UI" pitchFamily="50" charset="-128"/>
                 <a:ea typeface="Meiryo UI" pitchFamily="50" charset="-128"/>
                 <a:cs typeface="Meiryo UI" pitchFamily="50" charset="-128"/>
@@ -18851,7 +17948,7 @@
               <a:t>elfinder</a:t>
             </a:r>
             <a:r>
-              <a:rPr lang="ja-JP" altLang="en-US" sz="2000" dirty="0" smtClean="0">
+              <a:rPr lang="ja-JP" altLang="en-US" sz="2000" dirty="0">
                 <a:latin typeface="Meiryo UI" pitchFamily="50" charset="-128"/>
                 <a:ea typeface="Meiryo UI" pitchFamily="50" charset="-128"/>
                 <a:cs typeface="Meiryo UI" pitchFamily="50" charset="-128"/>
@@ -18859,7 +17956,7 @@
               <a:t>は、有名な</a:t>
             </a:r>
             <a:r>
-              <a:rPr lang="en-US" altLang="ja-JP" sz="2000" dirty="0" smtClean="0">
+              <a:rPr lang="en-US" altLang="ja-JP" sz="2000" dirty="0">
                 <a:latin typeface="Meiryo UI" pitchFamily="50" charset="-128"/>
                 <a:ea typeface="Meiryo UI" pitchFamily="50" charset="-128"/>
                 <a:cs typeface="Meiryo UI" pitchFamily="50" charset="-128"/>
@@ -18867,7 +17964,7 @@
               <a:t>Web</a:t>
             </a:r>
             <a:r>
-              <a:rPr lang="ja-JP" altLang="en-US" sz="2000" dirty="0" smtClean="0">
+              <a:rPr lang="ja-JP" altLang="en-US" sz="2000" dirty="0">
                 <a:latin typeface="Meiryo UI" pitchFamily="50" charset="-128"/>
                 <a:ea typeface="Meiryo UI" pitchFamily="50" charset="-128"/>
                 <a:cs typeface="Meiryo UI" pitchFamily="50" charset="-128"/>
@@ -18875,7 +17972,7 @@
               <a:t>ファイル管理ツール。オリジナルの</a:t>
             </a:r>
             <a:r>
-              <a:rPr lang="en-US" altLang="ja-JP" sz="2000" dirty="0" err="1" smtClean="0">
+              <a:rPr lang="en-US" altLang="ja-JP" sz="2000" dirty="0" err="1">
                 <a:latin typeface="Meiryo UI" pitchFamily="50" charset="-128"/>
                 <a:ea typeface="Meiryo UI" pitchFamily="50" charset="-128"/>
                 <a:cs typeface="Meiryo UI" pitchFamily="50" charset="-128"/>
@@ -18883,7 +17980,7 @@
               <a:t>elfinder</a:t>
             </a:r>
             <a:r>
-              <a:rPr lang="ja-JP" altLang="en-US" sz="2000" dirty="0" smtClean="0">
+              <a:rPr lang="ja-JP" altLang="en-US" sz="2000" dirty="0">
                 <a:latin typeface="Meiryo UI" pitchFamily="50" charset="-128"/>
                 <a:ea typeface="Meiryo UI" pitchFamily="50" charset="-128"/>
                 <a:cs typeface="Meiryo UI" pitchFamily="50" charset="-128"/>
@@ -18891,7 +17988,7 @@
               <a:t>の場合、ホームパス、読み取り専用フラグは、クライアント</a:t>
             </a:r>
             <a:r>
-              <a:rPr lang="en-US" altLang="ja-JP" sz="2000" dirty="0" err="1" smtClean="0">
+              <a:rPr lang="en-US" altLang="ja-JP" sz="2000" dirty="0" err="1">
                 <a:latin typeface="Meiryo UI" pitchFamily="50" charset="-128"/>
                 <a:ea typeface="Meiryo UI" pitchFamily="50" charset="-128"/>
                 <a:cs typeface="Meiryo UI" pitchFamily="50" charset="-128"/>
@@ -18899,7 +17996,7 @@
               <a:t>javaScript</a:t>
             </a:r>
             <a:r>
-              <a:rPr lang="ja-JP" altLang="en-US" sz="2000" dirty="0" smtClean="0">
+              <a:rPr lang="ja-JP" altLang="en-US" sz="2000" dirty="0">
                 <a:latin typeface="Meiryo UI" pitchFamily="50" charset="-128"/>
                 <a:ea typeface="Meiryo UI" pitchFamily="50" charset="-128"/>
                 <a:cs typeface="Meiryo UI" pitchFamily="50" charset="-128"/>
@@ -18907,7 +18004,7 @@
               <a:t>で変更可能。</a:t>
             </a:r>
             <a:r>
-              <a:rPr lang="en-US" altLang="ja-JP" sz="2000" dirty="0" err="1" smtClean="0">
+              <a:rPr lang="en-US" altLang="ja-JP" sz="2000" dirty="0" err="1">
                 <a:latin typeface="Meiryo UI" pitchFamily="50" charset="-128"/>
                 <a:ea typeface="Meiryo UI" pitchFamily="50" charset="-128"/>
                 <a:cs typeface="Meiryo UI" pitchFamily="50" charset="-128"/>
@@ -18915,7 +18012,7 @@
               <a:t>efw</a:t>
             </a:r>
             <a:r>
-              <a:rPr lang="ja-JP" altLang="en-US" sz="2000" dirty="0" smtClean="0">
+              <a:rPr lang="ja-JP" altLang="en-US" sz="2000" dirty="0">
                 <a:latin typeface="Meiryo UI" pitchFamily="50" charset="-128"/>
                 <a:ea typeface="Meiryo UI" pitchFamily="50" charset="-128"/>
                 <a:cs typeface="Meiryo UI" pitchFamily="50" charset="-128"/>
@@ -18923,7 +18020,7 @@
               <a:t>の</a:t>
             </a:r>
             <a:r>
-              <a:rPr lang="en-US" altLang="ja-JP" sz="2000" dirty="0" err="1" smtClean="0">
+              <a:rPr lang="en-US" altLang="ja-JP" sz="2000" dirty="0" err="1">
                 <a:latin typeface="Meiryo UI" pitchFamily="50" charset="-128"/>
                 <a:ea typeface="Meiryo UI" pitchFamily="50" charset="-128"/>
                 <a:cs typeface="Meiryo UI" pitchFamily="50" charset="-128"/>
@@ -18931,7 +18028,7 @@
               <a:t>elfinder</a:t>
             </a:r>
             <a:r>
-              <a:rPr lang="ja-JP" altLang="en-US" sz="2000" dirty="0" smtClean="0">
+              <a:rPr lang="ja-JP" altLang="en-US" sz="2000" dirty="0">
                 <a:latin typeface="Meiryo UI" pitchFamily="50" charset="-128"/>
                 <a:ea typeface="Meiryo UI" pitchFamily="50" charset="-128"/>
                 <a:cs typeface="Meiryo UI" pitchFamily="50" charset="-128"/>
@@ -18939,7 +18036,7 @@
               <a:t>タグに、</a:t>
             </a:r>
             <a:r>
-              <a:rPr lang="en-US" altLang="ja-JP" sz="2000" dirty="0" smtClean="0">
+              <a:rPr lang="en-US" altLang="ja-JP" sz="2000" dirty="0">
                 <a:latin typeface="Meiryo UI" pitchFamily="50" charset="-128"/>
                 <a:ea typeface="Meiryo UI" pitchFamily="50" charset="-128"/>
                 <a:cs typeface="Meiryo UI" pitchFamily="50" charset="-128"/>
@@ -18947,28 +18044,12 @@
               <a:t>protected</a:t>
             </a:r>
             <a:r>
-              <a:rPr lang="ja-JP" altLang="en-US" sz="2000" dirty="0" smtClean="0">
-                <a:latin typeface="Meiryo UI" pitchFamily="50" charset="-128"/>
-                <a:ea typeface="Meiryo UI" pitchFamily="50" charset="-128"/>
-                <a:cs typeface="Meiryo UI" pitchFamily="50" charset="-128"/>
-              </a:rPr>
-              <a:t>属性を設けて、</a:t>
-            </a:r>
-            <a:r>
               <a:rPr lang="ja-JP" altLang="en-US" sz="2000" dirty="0">
                 <a:latin typeface="Meiryo UI" pitchFamily="50" charset="-128"/>
                 <a:ea typeface="Meiryo UI" pitchFamily="50" charset="-128"/>
                 <a:cs typeface="Meiryo UI" pitchFamily="50" charset="-128"/>
               </a:rPr>
-              <a:t>ホームパス、読み取り専用</a:t>
-            </a:r>
-            <a:r>
-              <a:rPr lang="ja-JP" altLang="en-US" sz="2000" dirty="0" smtClean="0">
-                <a:latin typeface="Meiryo UI" pitchFamily="50" charset="-128"/>
-                <a:ea typeface="Meiryo UI" pitchFamily="50" charset="-128"/>
-                <a:cs typeface="Meiryo UI" pitchFamily="50" charset="-128"/>
-              </a:rPr>
-              <a:t>フラグを変更不可にする。</a:t>
+              <a:t>属性を設けて、ホームパス、読み取り専用フラグを変更不可にする。</a:t>
             </a:r>
             <a:endParaRPr lang="en-US" altLang="ja-JP" sz="2000" dirty="0">
               <a:latin typeface="Meiryo UI" pitchFamily="50" charset="-128"/>
@@ -19165,7 +18246,7 @@
               <a:buNone/>
             </a:pPr>
             <a:r>
-              <a:rPr lang="en-US" altLang="ja-JP" sz="2000" dirty="0" smtClean="0">
+              <a:rPr lang="en-US" altLang="ja-JP" sz="2000" dirty="0">
                 <a:solidFill>
                   <a:srgbClr val="FF0000"/>
                 </a:solidFill>
@@ -19176,7 +18257,7 @@
               <a:t>※protected</a:t>
             </a:r>
             <a:r>
-              <a:rPr lang="ja-JP" altLang="en-US" sz="2000" dirty="0" smtClean="0">
+              <a:rPr lang="ja-JP" altLang="en-US" sz="2000" dirty="0">
                 <a:solidFill>
                   <a:srgbClr val="FF0000"/>
                 </a:solidFill>
@@ -19187,7 +18268,7 @@
               <a:t>属性</a:t>
             </a:r>
             <a:r>
-              <a:rPr lang="en-US" altLang="ja-JP" sz="2000" dirty="0" smtClean="0">
+              <a:rPr lang="en-US" altLang="ja-JP" sz="2000" dirty="0">
                 <a:solidFill>
                   <a:srgbClr val="FF0000"/>
                 </a:solidFill>
@@ -19198,7 +18279,7 @@
               <a:t>+</a:t>
             </a:r>
             <a:r>
-              <a:rPr lang="ja-JP" altLang="en-US" sz="2000" dirty="0" smtClean="0">
+              <a:rPr lang="ja-JP" altLang="en-US" sz="2000" dirty="0">
                 <a:solidFill>
                   <a:srgbClr val="FF0000"/>
                 </a:solidFill>
@@ -19206,42 +18287,9 @@
                 <a:ea typeface="Meiryo UI" pitchFamily="50" charset="-128"/>
                 <a:cs typeface="Meiryo UI" pitchFamily="50" charset="-128"/>
               </a:rPr>
-              <a:t>２－２</a:t>
-            </a:r>
-            <a:r>
-              <a:rPr lang="ja-JP" altLang="en-US" sz="2000" dirty="0" smtClean="0">
-                <a:solidFill>
-                  <a:srgbClr val="FF0000"/>
-                </a:solidFill>
-                <a:latin typeface="Meiryo UI" pitchFamily="50" charset="-128"/>
-                <a:ea typeface="Meiryo UI" pitchFamily="50" charset="-128"/>
-                <a:cs typeface="Meiryo UI" pitchFamily="50" charset="-128"/>
-              </a:rPr>
-              <a:t>と</a:t>
-            </a:r>
-            <a:r>
-              <a:rPr lang="ja-JP" altLang="en-US" sz="2000" dirty="0" smtClean="0">
-                <a:solidFill>
-                  <a:srgbClr val="FF0000"/>
-                </a:solidFill>
-                <a:latin typeface="Meiryo UI" pitchFamily="50" charset="-128"/>
-                <a:ea typeface="Meiryo UI" pitchFamily="50" charset="-128"/>
-                <a:cs typeface="Meiryo UI" pitchFamily="50" charset="-128"/>
-              </a:rPr>
-              <a:t>２－３</a:t>
-            </a:r>
-            <a:r>
-              <a:rPr lang="ja-JP" altLang="en-US" sz="2000" dirty="0" smtClean="0">
-                <a:solidFill>
-                  <a:srgbClr val="FF0000"/>
-                </a:solidFill>
-                <a:latin typeface="Meiryo UI" pitchFamily="50" charset="-128"/>
-                <a:ea typeface="Meiryo UI" pitchFamily="50" charset="-128"/>
-                <a:cs typeface="Meiryo UI" pitchFamily="50" charset="-128"/>
-              </a:rPr>
-              <a:t>のチェックにすれば、さらに安全な対策になる。</a:t>
-            </a:r>
-            <a:endParaRPr lang="en-US" altLang="ja-JP" sz="2000" dirty="0" smtClean="0">
+              <a:t>２－２と２－３のチェックにすれば、さらに安全な対策になる。</a:t>
+            </a:r>
+            <a:endParaRPr lang="en-US" altLang="ja-JP" sz="2000" dirty="0">
               <a:solidFill>
                 <a:srgbClr val="FF0000"/>
               </a:solidFill>
@@ -19315,7 +18363,7 @@
           <a:p>
             <a:pPr algn="ctr"/>
             <a:r>
-              <a:rPr lang="en-US" altLang="ja-JP" sz="1400" dirty="0" smtClean="0">
+              <a:rPr lang="en-US" altLang="ja-JP" sz="1400" dirty="0">
                 <a:solidFill>
                   <a:schemeClr val="bg1"/>
                 </a:solidFill>
@@ -19325,7 +18373,7 @@
               </a:rPr>
               <a:t>e1.setHome(“../”)</a:t>
             </a:r>
-            <a:endParaRPr kumimoji="1" lang="ja-JP" altLang="en-US" sz="1400" dirty="0" smtClean="0">
+            <a:endParaRPr kumimoji="1" lang="ja-JP" altLang="en-US" sz="1400" dirty="0">
               <a:solidFill>
                 <a:schemeClr val="bg1"/>
               </a:solidFill>
@@ -19371,7 +18419,7 @@
           <a:lstStyle/>
           <a:p>
             <a:pPr algn="ctr"/>
-            <a:endParaRPr kumimoji="1" lang="ja-JP" altLang="en-US" sz="1400" dirty="0" smtClean="0">
+            <a:endParaRPr kumimoji="1" lang="ja-JP" altLang="en-US" sz="1400" dirty="0">
               <a:solidFill>
                 <a:schemeClr val="tx1"/>
               </a:solidFill>
@@ -19441,30 +18489,30 @@
           <a:lstStyle/>
           <a:p>
             <a:r>
-              <a:rPr lang="en-US" altLang="ja-JP" sz="1400" dirty="0" err="1" smtClean="0"/>
+              <a:rPr lang="en-US" altLang="ja-JP" sz="1400" dirty="0" err="1"/>
               <a:t>Efw</a:t>
             </a:r>
             <a:r>
-              <a:rPr lang="ja-JP" altLang="en-US" sz="1400" dirty="0" smtClean="0"/>
+              <a:rPr lang="ja-JP" altLang="en-US" sz="1400" dirty="0"/>
               <a:t>は</a:t>
             </a:r>
             <a:r>
-              <a:rPr lang="en-US" altLang="ja-JP" sz="1400" dirty="0" smtClean="0"/>
+              <a:rPr lang="en-US" altLang="ja-JP" sz="1400" dirty="0"/>
               <a:t>protected</a:t>
             </a:r>
             <a:r>
-              <a:rPr lang="ja-JP" altLang="en-US" sz="1400" dirty="0" smtClean="0"/>
+              <a:rPr lang="ja-JP" altLang="en-US" sz="1400" dirty="0"/>
               <a:t>属性</a:t>
             </a:r>
             <a:r>
-              <a:rPr lang="en-US" altLang="ja-JP" sz="1400" dirty="0" smtClean="0"/>
+              <a:rPr lang="en-US" altLang="ja-JP" sz="1400" dirty="0"/>
               <a:t>true</a:t>
             </a:r>
             <a:r>
-              <a:rPr lang="ja-JP" altLang="en-US" sz="1400" dirty="0" smtClean="0"/>
+              <a:rPr lang="ja-JP" altLang="en-US" sz="1400" dirty="0"/>
               <a:t>に設定する場合</a:t>
             </a:r>
-            <a:endParaRPr kumimoji="1" lang="ja-JP" altLang="en-US" sz="1400" dirty="0" smtClean="0">
+            <a:endParaRPr kumimoji="1" lang="ja-JP" altLang="en-US" sz="1400" dirty="0">
               <a:solidFill>
                 <a:schemeClr val="bg1"/>
               </a:solidFill>
@@ -19510,10 +18558,10 @@
           <a:lstStyle/>
           <a:p>
             <a:r>
-              <a:rPr lang="ja-JP" altLang="en-US" sz="1400" dirty="0" smtClean="0"/>
+              <a:rPr lang="ja-JP" altLang="en-US" sz="1400" dirty="0"/>
               <a:t>オリジナルにすると</a:t>
             </a:r>
-            <a:endParaRPr kumimoji="1" lang="ja-JP" altLang="en-US" sz="1400" dirty="0" smtClean="0">
+            <a:endParaRPr kumimoji="1" lang="ja-JP" altLang="en-US" sz="1400" dirty="0">
               <a:solidFill>
                 <a:schemeClr val="bg1"/>
               </a:solidFill>
@@ -19606,13 +18654,6 @@
   <p:clrMapOvr>
     <a:masterClrMapping/>
   </p:clrMapOvr>
-  <p:timing>
-    <p:tnLst>
-      <p:par>
-        <p:cTn id="1" dur="indefinite" restart="never" nodeType="tmRoot"/>
-      </p:par>
-    </p:tnLst>
-  </p:timing>
 </p:sld>
 </file>
 
@@ -19689,7 +18730,7 @@
               </a:spcBef>
             </a:pPr>
             <a:r>
-              <a:rPr lang="ja-JP" altLang="en-US" sz="2800" dirty="0" smtClean="0">
+              <a:rPr lang="ja-JP" altLang="en-US" sz="2800" dirty="0">
                 <a:solidFill>
                   <a:schemeClr val="tx2"/>
                 </a:solidFill>
@@ -19697,38 +18738,8 @@
                 <a:ea typeface="Meiryo UI" pitchFamily="50" charset="-128"/>
                 <a:cs typeface="Meiryo UI" pitchFamily="50" charset="-128"/>
               </a:rPr>
-              <a:t>１ー</a:t>
-            </a:r>
-            <a:r>
-              <a:rPr lang="ja-JP" altLang="en-US" sz="2800" dirty="0">
-                <a:solidFill>
-                  <a:schemeClr val="tx2"/>
-                </a:solidFill>
-                <a:latin typeface="Meiryo UI" pitchFamily="50" charset="-128"/>
-                <a:ea typeface="Meiryo UI" pitchFamily="50" charset="-128"/>
-                <a:cs typeface="Meiryo UI" pitchFamily="50" charset="-128"/>
-              </a:rPr>
-              <a:t>３．</a:t>
-            </a:r>
-            <a:r>
-              <a:rPr lang="ja-JP" altLang="en-US" sz="2800" dirty="0" smtClean="0">
-                <a:solidFill>
-                  <a:schemeClr val="tx2"/>
-                </a:solidFill>
-                <a:latin typeface="Meiryo UI" pitchFamily="50" charset="-128"/>
-                <a:ea typeface="Meiryo UI" pitchFamily="50" charset="-128"/>
-                <a:cs typeface="Meiryo UI" pitchFamily="50" charset="-128"/>
-              </a:rPr>
-              <a:t>ダウンロードの仕組み</a:t>
-            </a:r>
-            <a:endParaRPr lang="ja-JP" altLang="en-US" sz="2800" dirty="0">
-              <a:solidFill>
-                <a:schemeClr val="tx2"/>
-              </a:solidFill>
-              <a:latin typeface="Meiryo UI" pitchFamily="50" charset="-128"/>
-              <a:ea typeface="Meiryo UI" pitchFamily="50" charset="-128"/>
-              <a:cs typeface="Meiryo UI" pitchFamily="50" charset="-128"/>
-            </a:endParaRPr>
+              <a:t>１ー３．ダウンロードの仕組み</a:t>
+            </a:r>
           </a:p>
         </p:txBody>
       </p:sp>
@@ -20207,31 +19218,15 @@
               <a:buNone/>
             </a:pPr>
             <a:r>
-              <a:rPr lang="ja-JP" altLang="en-US" sz="2000" dirty="0" smtClean="0">
-                <a:latin typeface="Meiryo UI" pitchFamily="50" charset="-128"/>
-                <a:ea typeface="Meiryo UI" pitchFamily="50" charset="-128"/>
-                <a:cs typeface="Meiryo UI" pitchFamily="50" charset="-128"/>
-              </a:rPr>
-              <a:t>ダウンロードは、必ず一つのイベント発行からスタート。イベント実行とダウンロード開始の間、ダウンロード対象</a:t>
-            </a:r>
-            <a:r>
               <a:rPr lang="ja-JP" altLang="en-US" sz="2000" dirty="0">
                 <a:latin typeface="Meiryo UI" pitchFamily="50" charset="-128"/>
                 <a:ea typeface="Meiryo UI" pitchFamily="50" charset="-128"/>
                 <a:cs typeface="Meiryo UI" pitchFamily="50" charset="-128"/>
               </a:rPr>
-              <a:t>を</a:t>
-            </a:r>
-            <a:r>
-              <a:rPr lang="ja-JP" altLang="en-US" sz="2000" dirty="0" smtClean="0">
-                <a:latin typeface="Meiryo UI" pitchFamily="50" charset="-128"/>
-                <a:ea typeface="Meiryo UI" pitchFamily="50" charset="-128"/>
-                <a:cs typeface="Meiryo UI" pitchFamily="50" charset="-128"/>
-              </a:rPr>
-              <a:t>セッションで保管する。これにより、クライアントの</a:t>
-            </a:r>
-            <a:r>
-              <a:rPr lang="en-US" altLang="ja-JP" sz="2000" dirty="0" err="1" smtClean="0">
+              <a:t>ダウンロードは、必ず一つのイベント発行からスタート。イベント実行とダウンロード開始の間、ダウンロード対象をセッションで保管する。これにより、クライアントの</a:t>
+            </a:r>
+            <a:r>
+              <a:rPr lang="en-US" altLang="ja-JP" sz="2000" dirty="0" err="1">
                 <a:latin typeface="Meiryo UI" pitchFamily="50" charset="-128"/>
                 <a:ea typeface="Meiryo UI" pitchFamily="50" charset="-128"/>
                 <a:cs typeface="Meiryo UI" pitchFamily="50" charset="-128"/>
@@ -20239,14 +19234,14 @@
               <a:t>javaScript</a:t>
             </a:r>
             <a:r>
-              <a:rPr lang="ja-JP" altLang="en-US" sz="2000" dirty="0" smtClean="0">
+              <a:rPr lang="ja-JP" altLang="en-US" sz="2000" dirty="0">
                 <a:latin typeface="Meiryo UI" pitchFamily="50" charset="-128"/>
                 <a:ea typeface="Meiryo UI" pitchFamily="50" charset="-128"/>
                 <a:cs typeface="Meiryo UI" pitchFamily="50" charset="-128"/>
               </a:rPr>
               <a:t>改ざんのみで、ダウンロードを実行させることはできない。</a:t>
             </a:r>
-            <a:endParaRPr lang="en-US" altLang="ja-JP" sz="2000" dirty="0" smtClean="0">
+            <a:endParaRPr lang="en-US" altLang="ja-JP" sz="2000" dirty="0">
               <a:latin typeface="Meiryo UI" pitchFamily="50" charset="-128"/>
               <a:ea typeface="Meiryo UI" pitchFamily="50" charset="-128"/>
               <a:cs typeface="Meiryo UI" pitchFamily="50" charset="-128"/>
@@ -20281,7 +19276,7 @@
               <a:buNone/>
             </a:pPr>
             <a:r>
-              <a:rPr lang="ja-JP" altLang="en-US" sz="2000" dirty="0" smtClean="0">
+              <a:rPr lang="ja-JP" altLang="en-US" sz="2000" dirty="0">
                 <a:solidFill>
                   <a:srgbClr val="0070C0"/>
                 </a:solidFill>
@@ -20292,7 +19287,7 @@
               <a:t>・イベント</a:t>
             </a:r>
             <a:r>
-              <a:rPr lang="en-US" altLang="ja-JP" sz="2000" dirty="0" err="1" smtClean="0">
+              <a:rPr lang="en-US" altLang="ja-JP" sz="2000" dirty="0" err="1">
                 <a:solidFill>
                   <a:srgbClr val="0070C0"/>
                 </a:solidFill>
@@ -20303,7 +19298,7 @@
               <a:t>js</a:t>
             </a:r>
             <a:r>
-              <a:rPr lang="ja-JP" altLang="en-US" sz="2000" dirty="0" smtClean="0">
+              <a:rPr lang="ja-JP" altLang="en-US" sz="2000" dirty="0">
                 <a:solidFill>
                   <a:srgbClr val="0070C0"/>
                 </a:solidFill>
@@ -20314,7 +19309,7 @@
               <a:t>に、</a:t>
             </a:r>
             <a:r>
-              <a:rPr lang="en-US" altLang="ja-JP" sz="2000" dirty="0" smtClean="0">
+              <a:rPr lang="en-US" altLang="ja-JP" sz="2000" dirty="0">
                 <a:solidFill>
                   <a:srgbClr val="0070C0"/>
                 </a:solidFill>
@@ -20325,7 +19320,7 @@
               <a:t>attach</a:t>
             </a:r>
             <a:r>
-              <a:rPr lang="ja-JP" altLang="en-US" sz="2000" dirty="0" smtClean="0">
+              <a:rPr lang="ja-JP" altLang="en-US" sz="2000" dirty="0">
                 <a:solidFill>
                   <a:srgbClr val="0070C0"/>
                 </a:solidFill>
@@ -20335,7 +19330,7 @@
               </a:rPr>
               <a:t>関数でダウンロードするファイル名またはパス名を設定する。</a:t>
             </a:r>
-            <a:endParaRPr lang="en-US" altLang="ja-JP" sz="2000" dirty="0" smtClean="0">
+            <a:endParaRPr lang="en-US" altLang="ja-JP" sz="2000" dirty="0">
               <a:solidFill>
                 <a:srgbClr val="0070C0"/>
               </a:solidFill>
@@ -20364,20 +19359,9 @@
                 <a:ea typeface="Meiryo UI" pitchFamily="50" charset="-128"/>
                 <a:cs typeface="Meiryo UI" pitchFamily="50" charset="-128"/>
               </a:rPr>
-              <a:t>・</a:t>
-            </a:r>
-            <a:r>
-              <a:rPr lang="ja-JP" altLang="en-US" sz="2000" dirty="0" smtClean="0">
-                <a:solidFill>
-                  <a:srgbClr val="0070C0"/>
-                </a:solidFill>
-                <a:latin typeface="Meiryo UI" pitchFamily="50" charset="-128"/>
-                <a:ea typeface="Meiryo UI" pitchFamily="50" charset="-128"/>
-                <a:cs typeface="Meiryo UI" pitchFamily="50" charset="-128"/>
-              </a:rPr>
-              <a:t>フレームワークサーバ側はそれらをセッションに記録する。</a:t>
-            </a:r>
-            <a:endParaRPr lang="en-US" altLang="ja-JP" sz="2000" dirty="0" smtClean="0">
+              <a:t>・フレームワークサーバ側はそれらをセッションに記録する。</a:t>
+            </a:r>
+            <a:endParaRPr lang="en-US" altLang="ja-JP" sz="2000" dirty="0">
               <a:solidFill>
                 <a:srgbClr val="0070C0"/>
               </a:solidFill>
@@ -20398,7 +19382,7 @@
               <a:buNone/>
             </a:pPr>
             <a:r>
-              <a:rPr lang="ja-JP" altLang="en-US" sz="2000" dirty="0" smtClean="0">
+              <a:rPr lang="ja-JP" altLang="en-US" sz="2000" dirty="0">
                 <a:solidFill>
                   <a:srgbClr val="0070C0"/>
                 </a:solidFill>
@@ -20409,7 +19393,7 @@
               <a:t>・フレームワーククライアント側は</a:t>
             </a:r>
             <a:r>
-              <a:rPr lang="en-US" altLang="ja-JP" sz="2000" dirty="0" err="1" smtClean="0">
+              <a:rPr lang="en-US" altLang="ja-JP" sz="2000" dirty="0" err="1">
                 <a:solidFill>
                   <a:srgbClr val="0070C0"/>
                 </a:solidFill>
@@ -20420,7 +19404,7 @@
               <a:t>downloadServlet</a:t>
             </a:r>
             <a:r>
-              <a:rPr lang="ja-JP" altLang="en-US" sz="2000" dirty="0" smtClean="0">
+              <a:rPr lang="ja-JP" altLang="en-US" sz="2000" dirty="0">
                 <a:solidFill>
                   <a:srgbClr val="0070C0"/>
                 </a:solidFill>
@@ -20430,7 +19414,7 @@
               </a:rPr>
               <a:t>を呼び出す。</a:t>
             </a:r>
-            <a:endParaRPr lang="en-US" altLang="ja-JP" sz="2000" dirty="0" smtClean="0">
+            <a:endParaRPr lang="en-US" altLang="ja-JP" sz="2000" dirty="0">
               <a:solidFill>
                 <a:srgbClr val="0070C0"/>
               </a:solidFill>
@@ -20451,7 +19435,7 @@
               <a:buNone/>
             </a:pPr>
             <a:r>
-              <a:rPr lang="ja-JP" altLang="en-US" sz="2000" dirty="0" smtClean="0">
+              <a:rPr lang="ja-JP" altLang="en-US" sz="2000" dirty="0">
                 <a:solidFill>
                   <a:srgbClr val="0070C0"/>
                 </a:solidFill>
@@ -20462,7 +19446,7 @@
               <a:t>・</a:t>
             </a:r>
             <a:r>
-              <a:rPr lang="en-US" altLang="ja-JP" sz="2000" dirty="0" err="1" smtClean="0">
+              <a:rPr lang="en-US" altLang="ja-JP" sz="2000" dirty="0" err="1">
                 <a:solidFill>
                   <a:srgbClr val="0070C0"/>
                 </a:solidFill>
@@ -20473,7 +19457,7 @@
               <a:t>downloadServlet</a:t>
             </a:r>
             <a:r>
-              <a:rPr lang="ja-JP" altLang="en-US" sz="2000" dirty="0" smtClean="0">
+              <a:rPr lang="ja-JP" altLang="en-US" sz="2000" dirty="0">
                 <a:solidFill>
                   <a:srgbClr val="0070C0"/>
                 </a:solidFill>
@@ -20483,7 +19467,7 @@
               </a:rPr>
               <a:t>はダウンロード対象を出力するとともに、セッションをクリアする。</a:t>
             </a:r>
-            <a:endParaRPr lang="en-US" altLang="ja-JP" sz="2000" dirty="0" smtClean="0">
+            <a:endParaRPr lang="en-US" altLang="ja-JP" sz="2000" dirty="0">
               <a:solidFill>
                 <a:srgbClr val="0070C0"/>
               </a:solidFill>
@@ -20504,7 +19488,7 @@
               <a:buNone/>
             </a:pPr>
             <a:r>
-              <a:rPr lang="ja-JP" altLang="en-US" sz="2000" dirty="0" smtClean="0">
+              <a:rPr lang="ja-JP" altLang="en-US" sz="2000" dirty="0">
                 <a:solidFill>
                   <a:srgbClr val="0070C0"/>
                 </a:solidFill>
@@ -20514,7 +19498,7 @@
               </a:rPr>
               <a:t>・さらにダウンロードされた後、サーバ側は対象ファイルを削除する機能を備えている。この機能は利用可能の場合、ダウンロードファイル漏洩のリスクをゼロになる。</a:t>
             </a:r>
-            <a:endParaRPr lang="en-US" altLang="ja-JP" sz="2000" dirty="0" smtClean="0">
+            <a:endParaRPr lang="en-US" altLang="ja-JP" sz="2000" dirty="0">
               <a:solidFill>
                 <a:srgbClr val="0070C0"/>
               </a:solidFill>
@@ -20849,7 +19833,7 @@
           <a:p>
             <a:pPr algn="ctr"/>
             <a:r>
-              <a:rPr lang="ja-JP" altLang="en-US" sz="1400" dirty="0" smtClean="0">
+              <a:rPr lang="ja-JP" altLang="en-US" sz="1400" dirty="0">
                 <a:solidFill>
                   <a:schemeClr val="bg1"/>
                 </a:solidFill>
@@ -20860,7 +19844,7 @@
               <a:t>イベント</a:t>
             </a:r>
             <a:r>
-              <a:rPr lang="en-US" altLang="ja-JP" sz="1400" dirty="0" err="1" smtClean="0">
+              <a:rPr lang="en-US" altLang="ja-JP" sz="1400" dirty="0" err="1">
                 <a:solidFill>
                   <a:schemeClr val="bg1"/>
                 </a:solidFill>
@@ -20870,7 +19854,7 @@
               </a:rPr>
               <a:t>js</a:t>
             </a:r>
-            <a:endParaRPr kumimoji="1" lang="ja-JP" altLang="en-US" sz="1400" dirty="0" smtClean="0">
+            <a:endParaRPr kumimoji="1" lang="ja-JP" altLang="en-US" sz="1400" dirty="0">
               <a:solidFill>
                 <a:schemeClr val="bg1"/>
               </a:solidFill>
@@ -20917,7 +19901,7 @@
           <a:p>
             <a:pPr algn="ctr"/>
             <a:r>
-              <a:rPr lang="en-US" altLang="ja-JP" sz="1400" dirty="0" err="1" smtClean="0">
+              <a:rPr lang="en-US" altLang="ja-JP" sz="1400" dirty="0" err="1">
                 <a:solidFill>
                   <a:schemeClr val="bg1"/>
                 </a:solidFill>
@@ -20928,7 +19912,7 @@
               <a:t>Efw</a:t>
             </a:r>
             <a:r>
-              <a:rPr lang="ja-JP" altLang="en-US" sz="1400" dirty="0" smtClean="0">
+              <a:rPr lang="ja-JP" altLang="en-US" sz="1400" dirty="0">
                 <a:solidFill>
                   <a:schemeClr val="bg1"/>
                 </a:solidFill>
@@ -20938,7 +19922,7 @@
               </a:rPr>
               <a:t>サーバ側</a:t>
             </a:r>
-            <a:endParaRPr kumimoji="1" lang="ja-JP" altLang="en-US" sz="1400" dirty="0" smtClean="0">
+            <a:endParaRPr kumimoji="1" lang="ja-JP" altLang="en-US" sz="1400" dirty="0">
               <a:solidFill>
                 <a:schemeClr val="bg1"/>
               </a:solidFill>
@@ -20985,7 +19969,7 @@
           <a:p>
             <a:pPr algn="ctr"/>
             <a:r>
-              <a:rPr lang="en-US" altLang="ja-JP" sz="1400" dirty="0" err="1" smtClean="0">
+              <a:rPr lang="en-US" altLang="ja-JP" sz="1400" dirty="0" err="1">
                 <a:solidFill>
                   <a:schemeClr val="bg1"/>
                 </a:solidFill>
@@ -20996,7 +19980,7 @@
               <a:t>Efw</a:t>
             </a:r>
             <a:r>
-              <a:rPr lang="ja-JP" altLang="en-US" sz="1400" dirty="0" smtClean="0">
+              <a:rPr lang="ja-JP" altLang="en-US" sz="1400" dirty="0">
                 <a:solidFill>
                   <a:schemeClr val="bg1"/>
                 </a:solidFill>
@@ -21006,7 +19990,7 @@
               </a:rPr>
               <a:t>クライアント側</a:t>
             </a:r>
-            <a:endParaRPr kumimoji="1" lang="ja-JP" altLang="en-US" sz="1400" dirty="0" smtClean="0">
+            <a:endParaRPr kumimoji="1" lang="ja-JP" altLang="en-US" sz="1400" dirty="0">
               <a:solidFill>
                 <a:schemeClr val="bg1"/>
               </a:solidFill>
@@ -21174,7 +20158,7 @@
           <a:p>
             <a:pPr algn="ctr"/>
             <a:r>
-              <a:rPr kumimoji="1" lang="en-US" altLang="ja-JP" sz="1400" dirty="0" err="1" smtClean="0">
+              <a:rPr kumimoji="1" lang="en-US" altLang="ja-JP" sz="1400" dirty="0" err="1">
                 <a:solidFill>
                   <a:schemeClr val="bg1"/>
                 </a:solidFill>
@@ -21184,7 +20168,7 @@
               </a:rPr>
               <a:t>downloadServlet</a:t>
             </a:r>
-            <a:endParaRPr kumimoji="1" lang="ja-JP" altLang="en-US" sz="1400" dirty="0" smtClean="0">
+            <a:endParaRPr kumimoji="1" lang="ja-JP" altLang="en-US" sz="1400" dirty="0">
               <a:solidFill>
                 <a:schemeClr val="bg1"/>
               </a:solidFill>
@@ -21205,13 +20189,6 @@
   <p:clrMapOvr>
     <a:masterClrMapping/>
   </p:clrMapOvr>
-  <p:timing>
-    <p:tnLst>
-      <p:par>
-        <p:cTn id="1" dur="indefinite" restart="never" nodeType="tmRoot"/>
-      </p:par>
-    </p:tnLst>
-  </p:timing>
 </p:sld>
 </file>
 
@@ -21296,27 +20273,8 @@
                 <a:ea typeface="Meiryo UI" pitchFamily="50" charset="-128"/>
                 <a:cs typeface="Meiryo UI" pitchFamily="50" charset="-128"/>
               </a:rPr>
-              <a:t>２．パラメータから情報</a:t>
-            </a:r>
-            <a:r>
-              <a:rPr lang="ja-JP" altLang="en-US" sz="2800" dirty="0" smtClean="0">
-                <a:solidFill>
-                  <a:schemeClr val="tx2"/>
-                </a:solidFill>
-                <a:latin typeface="Meiryo UI" pitchFamily="50" charset="-128"/>
-                <a:ea typeface="Meiryo UI" pitchFamily="50" charset="-128"/>
-                <a:cs typeface="Meiryo UI" pitchFamily="50" charset="-128"/>
-              </a:rPr>
-              <a:t>流出とは</a:t>
-            </a:r>
-            <a:endParaRPr lang="ja-JP" altLang="en-US" sz="2800" dirty="0">
-              <a:solidFill>
-                <a:schemeClr val="tx2"/>
-              </a:solidFill>
-              <a:latin typeface="Meiryo UI" pitchFamily="50" charset="-128"/>
-              <a:ea typeface="Meiryo UI" pitchFamily="50" charset="-128"/>
-              <a:cs typeface="Meiryo UI" pitchFamily="50" charset="-128"/>
-            </a:endParaRPr>
+              <a:t>２．パラメータから情報流出とは</a:t>
+            </a:r>
           </a:p>
         </p:txBody>
       </p:sp>
@@ -21722,17 +20680,9 @@
                 <a:ea typeface="Meiryo UI" pitchFamily="50" charset="-128"/>
                 <a:cs typeface="Meiryo UI" pitchFamily="50" charset="-128"/>
               </a:rPr>
-              <a:t>あるページから次のページへと場面を切り替える際に受け渡されるパラメータがもとで、別人の個人情報が読み出されるなどの問題が起こる脆弱性のカテゴリーである。「情報流出」と名づけてはいるが、ショッピングサイトでパラメータがいじられ不当な安値で買い物されてしまうような改ざん系の問題もこのカテゴリーに含まれる</a:t>
-            </a:r>
-            <a:r>
-              <a:rPr lang="ja-JP" altLang="en-US" sz="2000" dirty="0" smtClean="0">
-                <a:latin typeface="Meiryo UI" pitchFamily="50" charset="-128"/>
-                <a:ea typeface="Meiryo UI" pitchFamily="50" charset="-128"/>
-                <a:cs typeface="Meiryo UI" pitchFamily="50" charset="-128"/>
-              </a:rPr>
-              <a:t>。</a:t>
-            </a:r>
-            <a:endParaRPr lang="en-US" altLang="ja-JP" sz="2000" dirty="0" smtClean="0">
+              <a:t>あるページから次のページへと場面を切り替える際に受け渡されるパラメータがもとで、別人の個人情報が読み出されるなどの問題が起こる脆弱性のカテゴリーである。「情報流出」と名づけてはいるが、ショッピングサイトでパラメータがいじられ不当な安値で買い物されてしまうような改ざん系の問題もこのカテゴリーに含まれる。</a:t>
+            </a:r>
+            <a:endParaRPr lang="en-US" altLang="ja-JP" sz="2000" dirty="0">
               <a:latin typeface="Meiryo UI" pitchFamily="50" charset="-128"/>
               <a:ea typeface="Meiryo UI" pitchFamily="50" charset="-128"/>
               <a:cs typeface="Meiryo UI" pitchFamily="50" charset="-128"/>
@@ -21750,7 +20700,7 @@
               <a:buNone/>
             </a:pPr>
             <a:r>
-              <a:rPr lang="en-US" altLang="ja-JP" sz="2000" dirty="0" smtClean="0">
+              <a:rPr lang="en-US" altLang="ja-JP" sz="2000" dirty="0">
                 <a:latin typeface="Meiryo UI" pitchFamily="50" charset="-128"/>
                 <a:ea typeface="Meiryo UI" pitchFamily="50" charset="-128"/>
                 <a:cs typeface="Meiryo UI" pitchFamily="50" charset="-128"/>
@@ -21829,7 +20779,7 @@
               </a:rPr>
               <a:t>だ。これらはどれも情報流出と改ざんを招く危険な存在である。 </a:t>
             </a:r>
-            <a:endParaRPr lang="en-US" altLang="ja-JP" sz="2000" dirty="0" smtClean="0">
+            <a:endParaRPr lang="en-US" altLang="ja-JP" sz="2000" dirty="0">
               <a:latin typeface="Meiryo UI" pitchFamily="50" charset="-128"/>
               <a:ea typeface="Meiryo UI" pitchFamily="50" charset="-128"/>
               <a:cs typeface="Meiryo UI" pitchFamily="50" charset="-128"/>
@@ -21847,7 +20797,7 @@
               <a:buNone/>
             </a:pPr>
             <a:r>
-              <a:rPr lang="en-US" altLang="ja-JP" sz="2000" dirty="0" smtClean="0">
+              <a:rPr lang="en-US" altLang="ja-JP" sz="2000" dirty="0">
                 <a:solidFill>
                   <a:schemeClr val="bg1">
                     <a:lumMod val="65000"/>
@@ -21857,10 +20807,10 @@
                 <a:ea typeface="Meiryo UI" pitchFamily="50" charset="-128"/>
                 <a:cs typeface="Meiryo UI" pitchFamily="50" charset="-128"/>
               </a:rPr>
-              <a:t>(</a:t>
-            </a:r>
-            <a:r>
-              <a:rPr lang="en-US" altLang="ja-JP" sz="2000" dirty="0">
+              <a:t>(From : thinkit.co.jp/Web</a:t>
+            </a:r>
+            <a:r>
+              <a:rPr lang="ja-JP" altLang="en-US" sz="2000" dirty="0">
                 <a:solidFill>
                   <a:schemeClr val="bg1">
                     <a:lumMod val="65000"/>
@@ -21870,36 +20820,10 @@
                 <a:ea typeface="Meiryo UI" pitchFamily="50" charset="-128"/>
                 <a:cs typeface="Meiryo UI" pitchFamily="50" charset="-128"/>
               </a:rPr>
-              <a:t>From : thinkit.co.jp/Web</a:t>
-            </a:r>
-            <a:r>
-              <a:rPr lang="ja-JP" altLang="en-US" sz="2000" dirty="0">
-                <a:solidFill>
-                  <a:schemeClr val="bg1">
-                    <a:lumMod val="65000"/>
-                  </a:schemeClr>
-                </a:solidFill>
-                <a:latin typeface="Meiryo UI" pitchFamily="50" charset="-128"/>
-                <a:ea typeface="Meiryo UI" pitchFamily="50" charset="-128"/>
-                <a:cs typeface="Meiryo UI" pitchFamily="50" charset="-128"/>
-              </a:rPr>
-              <a:t>アプリケーションの</a:t>
-            </a:r>
-            <a:r>
-              <a:rPr lang="ja-JP" altLang="en-US" sz="2000" dirty="0" smtClean="0">
-                <a:solidFill>
-                  <a:schemeClr val="bg1">
-                    <a:lumMod val="65000"/>
-                  </a:schemeClr>
-                </a:solidFill>
-                <a:latin typeface="Meiryo UI" pitchFamily="50" charset="-128"/>
-                <a:ea typeface="Meiryo UI" pitchFamily="50" charset="-128"/>
-                <a:cs typeface="Meiryo UI" pitchFamily="50" charset="-128"/>
-              </a:rPr>
-              <a:t>脆弱性</a:t>
-            </a:r>
-            <a:r>
-              <a:rPr lang="en-US" altLang="ja-JP" sz="2000" dirty="0" smtClean="0">
+              <a:t>アプリケーションの脆弱性</a:t>
+            </a:r>
+            <a:r>
+              <a:rPr lang="en-US" altLang="ja-JP" sz="2000" dirty="0">
                 <a:solidFill>
                   <a:schemeClr val="bg1">
                     <a:lumMod val="65000"/>
@@ -21945,7 +20869,7 @@
               <a:buNone/>
             </a:pPr>
             <a:r>
-              <a:rPr lang="en-US" altLang="ja-JP" sz="2000" dirty="0" err="1" smtClean="0">
+              <a:rPr lang="en-US" altLang="ja-JP" sz="2000" dirty="0" err="1">
                 <a:solidFill>
                   <a:srgbClr val="0070C0"/>
                 </a:solidFill>
@@ -21956,7 +20880,7 @@
               <a:t>Efw</a:t>
             </a:r>
             <a:r>
-              <a:rPr lang="ja-JP" altLang="en-US" sz="2000" dirty="0" smtClean="0">
+              <a:rPr lang="ja-JP" altLang="en-US" sz="2000" dirty="0">
                 <a:solidFill>
                   <a:srgbClr val="0070C0"/>
                 </a:solidFill>
@@ -21967,7 +20891,7 @@
               <a:t>のサーバ送信は</a:t>
             </a:r>
             <a:r>
-              <a:rPr lang="en-US" altLang="ja-JP" sz="2000" dirty="0" smtClean="0">
+              <a:rPr lang="en-US" altLang="ja-JP" sz="2000" dirty="0">
                 <a:solidFill>
                   <a:srgbClr val="0070C0"/>
                 </a:solidFill>
@@ -21978,7 +20902,7 @@
               <a:t>Ajax</a:t>
             </a:r>
             <a:r>
-              <a:rPr lang="ja-JP" altLang="en-US" sz="2000" dirty="0" smtClean="0">
+              <a:rPr lang="ja-JP" altLang="en-US" sz="2000" dirty="0">
                 <a:solidFill>
                   <a:srgbClr val="0070C0"/>
                 </a:solidFill>
@@ -21989,7 +20913,7 @@
               <a:t>の</a:t>
             </a:r>
             <a:r>
-              <a:rPr lang="en-US" altLang="ja-JP" sz="2000" dirty="0" smtClean="0">
+              <a:rPr lang="en-US" altLang="ja-JP" sz="2000" dirty="0">
                 <a:solidFill>
                   <a:srgbClr val="0070C0"/>
                 </a:solidFill>
@@ -22000,7 +20924,7 @@
               <a:t>POST</a:t>
             </a:r>
             <a:r>
-              <a:rPr lang="ja-JP" altLang="en-US" sz="2000" dirty="0" smtClean="0">
+              <a:rPr lang="ja-JP" altLang="en-US" sz="2000" dirty="0">
                 <a:solidFill>
                   <a:srgbClr val="0070C0"/>
                 </a:solidFill>
@@ -22008,31 +20932,9 @@
                 <a:ea typeface="Meiryo UI" pitchFamily="50" charset="-128"/>
                 <a:cs typeface="Meiryo UI" pitchFamily="50" charset="-128"/>
               </a:rPr>
-              <a:t>方式を利用する。上記の安易な改ざんリスクに当たらない。</a:t>
-            </a:r>
-            <a:r>
-              <a:rPr lang="ja-JP" altLang="en-US" sz="2000" dirty="0">
-                <a:solidFill>
-                  <a:srgbClr val="0070C0"/>
-                </a:solidFill>
-                <a:latin typeface="Meiryo UI" pitchFamily="50" charset="-128"/>
-                <a:ea typeface="Meiryo UI" pitchFamily="50" charset="-128"/>
-                <a:cs typeface="Meiryo UI" pitchFamily="50" charset="-128"/>
-              </a:rPr>
-              <a:t>ただし、リクエスト対象の閲覧可否確認・リクエストパラメータの業務整合性チェックなどは、アプリの個別ロジックで対応する必要</a:t>
-            </a:r>
-            <a:r>
-              <a:rPr lang="ja-JP" altLang="en-US" sz="2000" dirty="0" smtClean="0">
-                <a:solidFill>
-                  <a:srgbClr val="0070C0"/>
-                </a:solidFill>
-                <a:latin typeface="Meiryo UI" pitchFamily="50" charset="-128"/>
-                <a:ea typeface="Meiryo UI" pitchFamily="50" charset="-128"/>
-                <a:cs typeface="Meiryo UI" pitchFamily="50" charset="-128"/>
-              </a:rPr>
-              <a:t>。</a:t>
-            </a:r>
-            <a:endParaRPr lang="en-US" altLang="ja-JP" sz="2000" dirty="0" smtClean="0">
+              <a:t>方式を利用する。上記の安易な改ざんリスクに当たらない。ただし、リクエスト対象の閲覧可否確認・リクエストパラメータの業務整合性チェックなどは、アプリの個別ロジックで対応する必要。</a:t>
+            </a:r>
+            <a:endParaRPr lang="en-US" altLang="ja-JP" sz="2000" dirty="0">
               <a:solidFill>
                 <a:srgbClr val="0070C0"/>
               </a:solidFill>
@@ -22053,7 +20955,7 @@
               <a:buNone/>
             </a:pPr>
             <a:r>
-              <a:rPr lang="ja-JP" altLang="en-US" sz="2000" dirty="0" smtClean="0">
+              <a:rPr lang="ja-JP" altLang="en-US" sz="2000" dirty="0">
                 <a:solidFill>
                   <a:srgbClr val="0070C0"/>
                 </a:solidFill>
@@ -22061,7 +20963,18 @@
                 <a:ea typeface="Meiryo UI" pitchFamily="50" charset="-128"/>
                 <a:cs typeface="Meiryo UI" pitchFamily="50" charset="-128"/>
               </a:rPr>
-              <a:t>フレームワーク</a:t>
+              <a:t>フレームワークは、パラメータ送信・画面切り替えに関わる、</a:t>
+            </a:r>
+            <a:r>
+              <a:rPr lang="ja-JP" altLang="en-US" sz="2000" b="1" dirty="0">
+                <a:solidFill>
+                  <a:srgbClr val="0070C0"/>
+                </a:solidFill>
+                <a:latin typeface="Meiryo UI" pitchFamily="50" charset="-128"/>
+                <a:ea typeface="Meiryo UI" pitchFamily="50" charset="-128"/>
+                <a:cs typeface="Meiryo UI" pitchFamily="50" charset="-128"/>
+              </a:rPr>
+              <a:t>パラメータのタイプチェック</a:t>
             </a:r>
             <a:r>
               <a:rPr lang="ja-JP" altLang="en-US" sz="2000" dirty="0">
@@ -22072,7 +20985,7 @@
                 <a:ea typeface="Meiryo UI" pitchFamily="50" charset="-128"/>
                 <a:cs typeface="Meiryo UI" pitchFamily="50" charset="-128"/>
               </a:rPr>
-              <a:t>は、パラメータ送信・画面切り替えに関わる、</a:t>
+              <a:t>、画面・イベントの</a:t>
             </a:r>
             <a:r>
               <a:rPr lang="ja-JP" altLang="en-US" sz="2000" b="1" dirty="0">
@@ -22083,7 +20996,7 @@
                 <a:ea typeface="Meiryo UI" pitchFamily="50" charset="-128"/>
                 <a:cs typeface="Meiryo UI" pitchFamily="50" charset="-128"/>
               </a:rPr>
-              <a:t>パラメータのタイプチェック</a:t>
+              <a:t>ログインチェック</a:t>
             </a:r>
             <a:r>
               <a:rPr lang="ja-JP" altLang="en-US" sz="2000" dirty="0">
@@ -22094,7 +21007,7 @@
                 <a:ea typeface="Meiryo UI" pitchFamily="50" charset="-128"/>
                 <a:cs typeface="Meiryo UI" pitchFamily="50" charset="-128"/>
               </a:rPr>
-              <a:t>、画面・イベントの</a:t>
+              <a:t>・</a:t>
             </a:r>
             <a:r>
               <a:rPr lang="ja-JP" altLang="en-US" sz="2000" b="1" dirty="0">
@@ -22105,10 +21018,10 @@
                 <a:ea typeface="Meiryo UI" pitchFamily="50" charset="-128"/>
                 <a:cs typeface="Meiryo UI" pitchFamily="50" charset="-128"/>
               </a:rPr>
-              <a:t>ログインチェック</a:t>
-            </a:r>
-            <a:r>
-              <a:rPr lang="ja-JP" altLang="en-US" sz="2000" dirty="0" smtClean="0">
+              <a:t>ロールチェック</a:t>
+            </a:r>
+            <a:r>
+              <a:rPr lang="ja-JP" altLang="en-US" sz="2000" dirty="0">
                 <a:solidFill>
                   <a:srgbClr val="0070C0"/>
                 </a:solidFill>
@@ -22116,32 +21029,10 @@
                 <a:ea typeface="Meiryo UI" pitchFamily="50" charset="-128"/>
                 <a:cs typeface="Meiryo UI" pitchFamily="50" charset="-128"/>
               </a:rPr>
-              <a:t>・</a:t>
-            </a:r>
-            <a:r>
-              <a:rPr lang="ja-JP" altLang="en-US" sz="2000" b="1" dirty="0" smtClean="0">
-                <a:solidFill>
-                  <a:srgbClr val="0070C0"/>
-                </a:solidFill>
-                <a:latin typeface="Meiryo UI" pitchFamily="50" charset="-128"/>
-                <a:ea typeface="Meiryo UI" pitchFamily="50" charset="-128"/>
-                <a:cs typeface="Meiryo UI" pitchFamily="50" charset="-128"/>
-              </a:rPr>
-              <a:t>ロールチェック</a:t>
-            </a:r>
-            <a:r>
-              <a:rPr lang="ja-JP" altLang="en-US" sz="2000" dirty="0" smtClean="0">
-                <a:solidFill>
-                  <a:srgbClr val="0070C0"/>
-                </a:solidFill>
-                <a:latin typeface="Meiryo UI" pitchFamily="50" charset="-128"/>
-                <a:ea typeface="Meiryo UI" pitchFamily="50" charset="-128"/>
-                <a:cs typeface="Meiryo UI" pitchFamily="50" charset="-128"/>
-              </a:rPr>
               <a:t>を自動化している。これらは画面機能単位の制御だが、</a:t>
             </a:r>
             <a:r>
-              <a:rPr lang="ja-JP" altLang="en-US" sz="2000" dirty="0" smtClean="0">
+              <a:rPr lang="ja-JP" altLang="en-US" sz="2000" dirty="0">
                 <a:solidFill>
                   <a:srgbClr val="FF0000"/>
                 </a:solidFill>
@@ -22149,31 +21040,9 @@
                 <a:ea typeface="Meiryo UI" pitchFamily="50" charset="-128"/>
                 <a:cs typeface="Meiryo UI" pitchFamily="50" charset="-128"/>
               </a:rPr>
-              <a:t>リクエスト</a:t>
-            </a:r>
-            <a:r>
-              <a:rPr lang="ja-JP" altLang="en-US" sz="2000" dirty="0">
-                <a:solidFill>
-                  <a:srgbClr val="FF0000"/>
-                </a:solidFill>
-                <a:latin typeface="Meiryo UI" pitchFamily="50" charset="-128"/>
-                <a:ea typeface="Meiryo UI" pitchFamily="50" charset="-128"/>
-                <a:cs typeface="Meiryo UI" pitchFamily="50" charset="-128"/>
-              </a:rPr>
-              <a:t>対象の閲覧可否確認・リクエストパラメータの業務整合性</a:t>
-            </a:r>
-            <a:r>
-              <a:rPr lang="ja-JP" altLang="en-US" sz="2000" dirty="0" smtClean="0">
-                <a:solidFill>
-                  <a:srgbClr val="FF0000"/>
-                </a:solidFill>
-                <a:latin typeface="Meiryo UI" pitchFamily="50" charset="-128"/>
-                <a:ea typeface="Meiryo UI" pitchFamily="50" charset="-128"/>
-                <a:cs typeface="Meiryo UI" pitchFamily="50" charset="-128"/>
-              </a:rPr>
-              <a:t>チェックの代替にならない。インターネット向きシステムの場合、要注意。</a:t>
-            </a:r>
-            <a:endParaRPr lang="en-US" altLang="ja-JP" sz="2000" dirty="0" smtClean="0">
+              <a:t>リクエスト対象の閲覧可否確認・リクエストパラメータの業務整合性チェックの代替にならない。インターネット向きシステムの場合、要注意。</a:t>
+            </a:r>
+            <a:endParaRPr lang="en-US" altLang="ja-JP" sz="2000" dirty="0">
               <a:solidFill>
                 <a:srgbClr val="FF0000"/>
               </a:solidFill>
@@ -22233,13 +21102,6 @@
   <p:clrMapOvr>
     <a:masterClrMapping/>
   </p:clrMapOvr>
-  <p:timing>
-    <p:tnLst>
-      <p:par>
-        <p:cTn id="1" dur="indefinite" restart="never" nodeType="tmRoot"/>
-      </p:par>
-    </p:tnLst>
-  </p:timing>
 </p:sld>
 </file>
 
@@ -22324,49 +21186,8 @@
                 <a:ea typeface="Meiryo UI" pitchFamily="50" charset="-128"/>
                 <a:cs typeface="Meiryo UI" pitchFamily="50" charset="-128"/>
               </a:rPr>
-              <a:t>２ー１．</a:t>
-            </a:r>
-            <a:r>
-              <a:rPr lang="ja-JP" altLang="en-US" sz="2800" dirty="0" smtClean="0">
-                <a:solidFill>
-                  <a:schemeClr val="tx2"/>
-                </a:solidFill>
-                <a:latin typeface="Meiryo UI" pitchFamily="50" charset="-128"/>
-                <a:ea typeface="Meiryo UI" pitchFamily="50" charset="-128"/>
-                <a:cs typeface="Meiryo UI" pitchFamily="50" charset="-128"/>
-              </a:rPr>
-              <a:t>イベントパラメータチェック</a:t>
-            </a:r>
-            <a:r>
-              <a:rPr lang="ja-JP" altLang="en-US" sz="2800" dirty="0">
-                <a:solidFill>
-                  <a:schemeClr val="tx2"/>
-                </a:solidFill>
-                <a:latin typeface="Meiryo UI" pitchFamily="50" charset="-128"/>
-                <a:ea typeface="Meiryo UI" pitchFamily="50" charset="-128"/>
-                <a:cs typeface="Meiryo UI" pitchFamily="50" charset="-128"/>
-              </a:rPr>
-              <a:t>の</a:t>
-            </a:r>
-            <a:r>
-              <a:rPr lang="ja-JP" altLang="en-US" sz="2800" dirty="0" smtClean="0">
-                <a:solidFill>
-                  <a:schemeClr val="tx2"/>
-                </a:solidFill>
-                <a:latin typeface="Meiryo UI" pitchFamily="50" charset="-128"/>
-                <a:ea typeface="Meiryo UI" pitchFamily="50" charset="-128"/>
-                <a:cs typeface="Meiryo UI" pitchFamily="50" charset="-128"/>
-              </a:rPr>
-              <a:t>仕組み</a:t>
-            </a:r>
-            <a:endParaRPr lang="ja-JP" altLang="en-US" sz="2800" dirty="0">
-              <a:solidFill>
-                <a:schemeClr val="tx2"/>
-              </a:solidFill>
-              <a:latin typeface="Meiryo UI" pitchFamily="50" charset="-128"/>
-              <a:ea typeface="Meiryo UI" pitchFamily="50" charset="-128"/>
-              <a:cs typeface="Meiryo UI" pitchFamily="50" charset="-128"/>
-            </a:endParaRPr>
+              <a:t>２ー１．イベントパラメータチェックの仕組み</a:t>
+            </a:r>
           </a:p>
         </p:txBody>
       </p:sp>
@@ -22845,14 +21666,14 @@
               <a:buNone/>
             </a:pPr>
             <a:r>
-              <a:rPr lang="ja-JP" altLang="en-US" sz="2000" dirty="0" smtClean="0">
+              <a:rPr lang="ja-JP" altLang="en-US" sz="2000" dirty="0">
                 <a:latin typeface="Meiryo UI" pitchFamily="50" charset="-128"/>
                 <a:ea typeface="Meiryo UI" pitchFamily="50" charset="-128"/>
                 <a:cs typeface="Meiryo UI" pitchFamily="50" charset="-128"/>
               </a:rPr>
               <a:t>クライアントから取得するイベントパラメータは、期待するタイプか否か、パラメータ定義でチェック行う仕組みがある。クライアント改ざんによるサーバ障害を防ぐ。</a:t>
             </a:r>
-            <a:endParaRPr lang="en-US" altLang="ja-JP" sz="2000" dirty="0" smtClean="0">
+            <a:endParaRPr lang="en-US" altLang="ja-JP" sz="2000" dirty="0">
               <a:latin typeface="Meiryo UI" pitchFamily="50" charset="-128"/>
               <a:ea typeface="Meiryo UI" pitchFamily="50" charset="-128"/>
               <a:cs typeface="Meiryo UI" pitchFamily="50" charset="-128"/>
@@ -23127,7 +21948,7 @@
                 <a:ea typeface="Meiryo UI" panose="020B0604030504040204" pitchFamily="50" charset="-128"/>
                 <a:cs typeface="Meiryo UI" panose="020B0604030504040204" pitchFamily="50" charset="-128"/>
               </a:rPr>
-              <a:t>:”format:###,##0”;min:0;max:1,000;display-name:</a:t>
+              <a:t>:”format:###,##0;min:0;max:1,000;display-name:</a:t>
             </a:r>
             <a:r>
               <a:rPr lang="ja-JP" altLang="en-US" sz="1400" dirty="0">
@@ -23220,13 +22041,6 @@
   <p:clrMapOvr>
     <a:masterClrMapping/>
   </p:clrMapOvr>
-  <p:timing>
-    <p:tnLst>
-      <p:par>
-        <p:cTn id="1" dur="indefinite" restart="never" nodeType="tmRoot"/>
-      </p:par>
-    </p:tnLst>
-  </p:timing>
 </p:sld>
 </file>
 
@@ -23311,27 +22125,8 @@
                 <a:ea typeface="Meiryo UI" pitchFamily="50" charset="-128"/>
                 <a:cs typeface="Meiryo UI" pitchFamily="50" charset="-128"/>
               </a:rPr>
-              <a:t>２ー２．ログインチェックの</a:t>
-            </a:r>
-            <a:r>
-              <a:rPr lang="ja-JP" altLang="en-US" sz="2800" dirty="0" smtClean="0">
-                <a:solidFill>
-                  <a:schemeClr val="tx2"/>
-                </a:solidFill>
-                <a:latin typeface="Meiryo UI" pitchFamily="50" charset="-128"/>
-                <a:ea typeface="Meiryo UI" pitchFamily="50" charset="-128"/>
-                <a:cs typeface="Meiryo UI" pitchFamily="50" charset="-128"/>
-              </a:rPr>
-              <a:t>仕組み</a:t>
-            </a:r>
-            <a:endParaRPr lang="ja-JP" altLang="en-US" sz="2800" dirty="0">
-              <a:solidFill>
-                <a:schemeClr val="tx2"/>
-              </a:solidFill>
-              <a:latin typeface="Meiryo UI" pitchFamily="50" charset="-128"/>
-              <a:ea typeface="Meiryo UI" pitchFamily="50" charset="-128"/>
-              <a:cs typeface="Meiryo UI" pitchFamily="50" charset="-128"/>
-            </a:endParaRPr>
+              <a:t>２ー２．ログインチェックの仕組み</a:t>
+            </a:r>
           </a:p>
         </p:txBody>
       </p:sp>
@@ -23810,7 +22605,7 @@
               <a:buNone/>
             </a:pPr>
             <a:r>
-              <a:rPr lang="ja-JP" altLang="en-US" sz="2000" dirty="0" smtClean="0">
+              <a:rPr lang="ja-JP" altLang="en-US" sz="2000" dirty="0">
                 <a:latin typeface="Meiryo UI" pitchFamily="50" charset="-128"/>
                 <a:ea typeface="Meiryo UI" pitchFamily="50" charset="-128"/>
                 <a:cs typeface="Meiryo UI" pitchFamily="50" charset="-128"/>
@@ -23818,7 +22613,7 @@
               <a:t>ログインしてから閲覧可能な画面・操作できるイベントを、プロパティファイル設定で自動的にログインチェックを行う仕組みがある。ログインせずのまま、そのアドレスを</a:t>
             </a:r>
             <a:r>
-              <a:rPr lang="en-US" altLang="ja-JP" sz="2000" dirty="0" smtClean="0">
+              <a:rPr lang="en-US" altLang="ja-JP" sz="2000" dirty="0">
                 <a:latin typeface="Meiryo UI" pitchFamily="50" charset="-128"/>
                 <a:ea typeface="Meiryo UI" pitchFamily="50" charset="-128"/>
                 <a:cs typeface="Meiryo UI" pitchFamily="50" charset="-128"/>
@@ -23826,7 +22621,7 @@
               <a:t>URL</a:t>
             </a:r>
             <a:r>
-              <a:rPr lang="ja-JP" altLang="en-US" sz="2000" dirty="0" smtClean="0">
+              <a:rPr lang="ja-JP" altLang="en-US" sz="2000" dirty="0">
                 <a:latin typeface="Meiryo UI" pitchFamily="50" charset="-128"/>
                 <a:ea typeface="Meiryo UI" pitchFamily="50" charset="-128"/>
                 <a:cs typeface="Meiryo UI" pitchFamily="50" charset="-128"/>
@@ -24225,13 +23020,6 @@
   <p:clrMapOvr>
     <a:masterClrMapping/>
   </p:clrMapOvr>
-  <p:timing>
-    <p:tnLst>
-      <p:par>
-        <p:cTn id="1" dur="indefinite" restart="never" nodeType="tmRoot"/>
-      </p:par>
-    </p:tnLst>
-  </p:timing>
 </p:sld>
 </file>
 

--- a/EFWセキュリティ関連v0.2.pptx
+++ b/EFWセキュリティ関連v0.2.pptx
@@ -341,7 +341,7 @@
               <a:pPr>
                 <a:defRPr/>
               </a:pPr>
-              <a:t>2022/7/25</a:t>
+              <a:t>2022/11/30</a:t>
             </a:fld>
             <a:endParaRPr lang="en-US" altLang="ja-JP"/>
           </a:p>
@@ -643,7 +643,7 @@
               <a:pPr>
                 <a:defRPr/>
               </a:pPr>
-              <a:t>2022/7/25</a:t>
+              <a:t>2022/11/30</a:t>
             </a:fld>
             <a:endParaRPr lang="en-US" altLang="ja-JP"/>
           </a:p>
@@ -6446,6 +6446,9 @@
         </p:txBody>
       </p:sp>
     </p:spTree>
+    <p:custDataLst>
+      <p:tags r:id="rId1"/>
+    </p:custDataLst>
   </p:cSld>
   <p:clrMapOvr>
     <a:masterClrMapping/>
@@ -7497,6 +7500,9 @@
         </p:txBody>
       </p:sp>
     </p:spTree>
+    <p:custDataLst>
+      <p:tags r:id="rId1"/>
+    </p:custDataLst>
     <p:extLst>
       <p:ext uri="{BB962C8B-B14F-4D97-AF65-F5344CB8AC3E}">
         <p14:creationId xmlns:p14="http://schemas.microsoft.com/office/powerpoint/2010/main" val="3279215003"/>
@@ -8552,6 +8558,9 @@
         </p:txBody>
       </p:sp>
     </p:spTree>
+    <p:custDataLst>
+      <p:tags r:id="rId1"/>
+    </p:custDataLst>
     <p:extLst>
       <p:ext uri="{BB962C8B-B14F-4D97-AF65-F5344CB8AC3E}">
         <p14:creationId xmlns:p14="http://schemas.microsoft.com/office/powerpoint/2010/main" val="1369893824"/>
@@ -9737,7 +9746,7 @@
           <p:nvPr/>
         </p:nvPicPr>
         <p:blipFill>
-          <a:blip r:embed="rId3"/>
+          <a:blip r:embed="rId4"/>
           <a:stretch>
             <a:fillRect/>
           </a:stretch>
@@ -9761,7 +9770,7 @@
           <p:nvPr/>
         </p:nvPicPr>
         <p:blipFill>
-          <a:blip r:embed="rId4"/>
+          <a:blip r:embed="rId5"/>
           <a:stretch>
             <a:fillRect/>
           </a:stretch>
@@ -9972,6 +9981,9 @@
         </p:txBody>
       </p:sp>
     </p:spTree>
+    <p:custDataLst>
+      <p:tags r:id="rId1"/>
+    </p:custDataLst>
     <p:extLst>
       <p:ext uri="{BB962C8B-B14F-4D97-AF65-F5344CB8AC3E}">
         <p14:creationId xmlns:p14="http://schemas.microsoft.com/office/powerpoint/2010/main" val="972662074"/>
@@ -11330,7 +11342,7 @@
           <p:nvPr/>
         </p:nvPicPr>
         <p:blipFill>
-          <a:blip r:embed="rId3"/>
+          <a:blip r:embed="rId4"/>
           <a:stretch>
             <a:fillRect/>
           </a:stretch>
@@ -11354,7 +11366,7 @@
           <p:nvPr/>
         </p:nvPicPr>
         <p:blipFill>
-          <a:blip r:embed="rId4"/>
+          <a:blip r:embed="rId5"/>
           <a:stretch>
             <a:fillRect/>
           </a:stretch>
@@ -11958,6 +11970,9 @@
         </p:txBody>
       </p:sp>
     </p:spTree>
+    <p:custDataLst>
+      <p:tags r:id="rId1"/>
+    </p:custDataLst>
     <p:extLst>
       <p:ext uri="{BB962C8B-B14F-4D97-AF65-F5344CB8AC3E}">
         <p14:creationId xmlns:p14="http://schemas.microsoft.com/office/powerpoint/2010/main" val="1444179331"/>
@@ -13297,7 +13312,7 @@
           <p:nvPr/>
         </p:nvPicPr>
         <p:blipFill>
-          <a:blip r:embed="rId3"/>
+          <a:blip r:embed="rId4"/>
           <a:stretch>
             <a:fillRect/>
           </a:stretch>
@@ -13321,7 +13336,7 @@
           <p:nvPr/>
         </p:nvPicPr>
         <p:blipFill>
-          <a:blip r:embed="rId4"/>
+          <a:blip r:embed="rId5"/>
           <a:stretch>
             <a:fillRect/>
           </a:stretch>
@@ -13854,6 +13869,9 @@
         </p:txBody>
       </p:sp>
     </p:spTree>
+    <p:custDataLst>
+      <p:tags r:id="rId1"/>
+    </p:custDataLst>
     <p:extLst>
       <p:ext uri="{BB962C8B-B14F-4D97-AF65-F5344CB8AC3E}">
         <p14:creationId xmlns:p14="http://schemas.microsoft.com/office/powerpoint/2010/main" val="1252547141"/>
@@ -14759,6 +14777,9 @@
         </p:txBody>
       </p:sp>
     </p:spTree>
+    <p:custDataLst>
+      <p:tags r:id="rId1"/>
+    </p:custDataLst>
     <p:extLst>
       <p:ext uri="{BB962C8B-B14F-4D97-AF65-F5344CB8AC3E}">
         <p14:creationId xmlns:p14="http://schemas.microsoft.com/office/powerpoint/2010/main" val="973071829"/>
@@ -15865,6 +15886,9 @@
         </p:txBody>
       </p:sp>
     </p:spTree>
+    <p:custDataLst>
+      <p:tags r:id="rId1"/>
+    </p:custDataLst>
     <p:extLst>
       <p:ext uri="{BB962C8B-B14F-4D97-AF65-F5344CB8AC3E}">
         <p14:creationId xmlns:p14="http://schemas.microsoft.com/office/powerpoint/2010/main" val="2012359465"/>
@@ -16282,7 +16306,7 @@
           <p:nvPr/>
         </p:nvPicPr>
         <p:blipFill>
-          <a:blip r:embed="rId3"/>
+          <a:blip r:embed="rId4"/>
           <a:stretch>
             <a:fillRect/>
           </a:stretch>
@@ -17018,7 +17042,7 @@
           <p:nvPr/>
         </p:nvPicPr>
         <p:blipFill>
-          <a:blip r:embed="rId4"/>
+          <a:blip r:embed="rId5"/>
           <a:stretch>
             <a:fillRect/>
           </a:stretch>
@@ -17042,7 +17066,7 @@
           <p:nvPr/>
         </p:nvPicPr>
         <p:blipFill>
-          <a:blip r:embed="rId5"/>
+          <a:blip r:embed="rId6"/>
           <a:stretch>
             <a:fillRect/>
           </a:stretch>
@@ -17345,6 +17369,9 @@
         </p:txBody>
       </p:sp>
     </p:spTree>
+    <p:custDataLst>
+      <p:tags r:id="rId1"/>
+    </p:custDataLst>
     <p:extLst>
       <p:ext uri="{BB962C8B-B14F-4D97-AF65-F5344CB8AC3E}">
         <p14:creationId xmlns:p14="http://schemas.microsoft.com/office/powerpoint/2010/main" val="2146810850"/>
@@ -18309,7 +18336,7 @@
           <p:nvPr/>
         </p:nvPicPr>
         <p:blipFill>
-          <a:blip r:embed="rId3"/>
+          <a:blip r:embed="rId4"/>
           <a:stretch>
             <a:fillRect/>
           </a:stretch>
@@ -18439,7 +18466,7 @@
           <p:nvPr/>
         </p:nvPicPr>
         <p:blipFill>
-          <a:blip r:embed="rId3"/>
+          <a:blip r:embed="rId4"/>
           <a:stretch>
             <a:fillRect/>
           </a:stretch>
@@ -18581,7 +18608,7 @@
           <p:nvPr/>
         </p:nvPicPr>
         <p:blipFill>
-          <a:blip r:embed="rId4"/>
+          <a:blip r:embed="rId5"/>
           <a:stretch>
             <a:fillRect/>
           </a:stretch>
@@ -18605,7 +18632,7 @@
           <p:nvPr/>
         </p:nvPicPr>
         <p:blipFill>
-          <a:blip r:embed="rId5"/>
+          <a:blip r:embed="rId6"/>
           <a:stretch>
             <a:fillRect/>
           </a:stretch>
@@ -18629,7 +18656,7 @@
           <p:nvPr/>
         </p:nvPicPr>
         <p:blipFill>
-          <a:blip r:embed="rId6"/>
+          <a:blip r:embed="rId7"/>
           <a:stretch>
             <a:fillRect/>
           </a:stretch>
@@ -18645,6 +18672,9 @@
         </p:spPr>
       </p:pic>
     </p:spTree>
+    <p:custDataLst>
+      <p:tags r:id="rId1"/>
+    </p:custDataLst>
     <p:extLst>
       <p:ext uri="{BB962C8B-B14F-4D97-AF65-F5344CB8AC3E}">
         <p14:creationId xmlns:p14="http://schemas.microsoft.com/office/powerpoint/2010/main" val="2953029177"/>
@@ -20180,6 +20210,9 @@
         </p:txBody>
       </p:sp>
     </p:spTree>
+    <p:custDataLst>
+      <p:tags r:id="rId1"/>
+    </p:custDataLst>
     <p:extLst>
       <p:ext uri="{BB962C8B-B14F-4D97-AF65-F5344CB8AC3E}">
         <p14:creationId xmlns:p14="http://schemas.microsoft.com/office/powerpoint/2010/main" val="3361937108"/>
@@ -21093,6 +21126,9 @@
         </p:txBody>
       </p:sp>
     </p:spTree>
+    <p:custDataLst>
+      <p:tags r:id="rId1"/>
+    </p:custDataLst>
     <p:extLst>
       <p:ext uri="{BB962C8B-B14F-4D97-AF65-F5344CB8AC3E}">
         <p14:creationId xmlns:p14="http://schemas.microsoft.com/office/powerpoint/2010/main" val="1372320837"/>
@@ -22032,6 +22068,9 @@
         </p:txBody>
       </p:sp>
     </p:spTree>
+    <p:custDataLst>
+      <p:tags r:id="rId1"/>
+    </p:custDataLst>
     <p:extLst>
       <p:ext uri="{BB962C8B-B14F-4D97-AF65-F5344CB8AC3E}">
         <p14:creationId xmlns:p14="http://schemas.microsoft.com/office/powerpoint/2010/main" val="2423233519"/>
@@ -23011,6 +23050,9 @@
         </p:txBody>
       </p:sp>
     </p:spTree>
+    <p:custDataLst>
+      <p:tags r:id="rId1"/>
+    </p:custDataLst>
     <p:extLst>
       <p:ext uri="{BB962C8B-B14F-4D97-AF65-F5344CB8AC3E}">
         <p14:creationId xmlns:p14="http://schemas.microsoft.com/office/powerpoint/2010/main" val="3302588277"/>
@@ -23025,8 +23067,104 @@
 
 <file path=ppt/tags/tag1.xml><?xml version="1.0" encoding="utf-8"?>
 <p:tagLst xmlns:a="http://schemas.openxmlformats.org/drawingml/2006/main" xmlns:r="http://schemas.openxmlformats.org/officeDocument/2006/relationships" xmlns:p="http://schemas.openxmlformats.org/presentationml/2006/main">
-  <p:tag name="ISPRING_PRESENTATION_TITLE" val="EFW紹介v1.2"/>
   <p:tag name="ISPRING_FIRST_PUBLISH" val="1"/>
+  <p:tag name="ISPRING_LMS_API_VERSION" val="SCORM 2004 (4th edition)"/>
+  <p:tag name="ISPRING_ULTRA_SCORM_COURCE_TITLE" val="EFWセキュリティ関連v0.2"/>
+  <p:tag name="ISPRING_ULTRA_SCORM_COURSE_ID" val="A1E8A35A-D48D-4F5B-95A3-8675F5D3971E"/>
+  <p:tag name="ISPRING_CMI5_LAUNCH_METHOD" val="any window"/>
+  <p:tag name="ISPRING_SCORM_ENDPOINT" val="&lt;endpoint&gt;&lt;enable&gt;0&lt;/enable&gt;&lt;lrs&gt;https://&lt;/lrs&gt;&lt;auth&gt;0&lt;/auth&gt;&lt;login&gt;&lt;/login&gt;&lt;password&gt;&lt;/password&gt;&lt;key&gt;&lt;/key&gt;&lt;name&gt;&lt;/name&gt;&lt;email&gt;&lt;/email&gt;&lt;/endpoint&gt;&#10;"/>
+  <p:tag name="ISPRINGCLOUDFOLDERID" val="1"/>
+  <p:tag name="ISPRINGONLINEFOLDERID" val="1"/>
+  <p:tag name="ISPRING_OUTPUT_FOLDER" val="[[&quot;f\uFFFD_\u0000{F3869DA2-F2D5-46CF-899A-5B1CA6DA96AF}&quot;,&quot;C:\\Users\\kejun.chang\\Documents\\GitHub\\efw4_online_ppt&quot;]]"/>
+  <p:tag name="ISPRING_PUBLISH_SETTINGS" val="{&quot;commonSettings&quot;:{&quot;webSettings&quot;:{&quot;useMobileViewer&quot;:&quot;T_FALSE&quot;},&quot;lmsSettings&quot;:{&quot;useMobileViewer&quot;:&quot;T_FALSE&quot;},&quot;cloudSettings&quot;:{&quot;useMobileViewer&quot;:&quot;T_FALSE&quot;},&quot;ispringLmsSettings&quot;:{&quot;useMobileViewer&quot;:&quot;T_FALSE&quot;},&quot;playerId&quot;:&quot;universal&quot;,&quot;studioSettings&quot;:{&quot;useMobileViewer&quot;:&quot;T_FALSE&quot;}},&quot;advancedSettings&quot;:{&quot;enableTextAllocation&quot;:&quot;T_TRUE&quot;,&quot;viewingFromLocalDrive&quot;:&quot;T_TRUE&quot;,&quot;contentScale&quot;:75,&quot;contentScaleMode&quot;:&quot;SCALE&quot;},&quot;accessibilitySettings&quot;:{&quot;enabled&quot;:&quot;T_FALSE&quot;},&quot;compressionSettings&quot;:{&quot;imageSettings&quot;:{&quot;jpegQuality&quot;:70,&quot;optimizeImageForResolution&quot;:&quot;T_FALSE&quot;},&quot;audioQuality&quot;:70,&quot;videoQuality&quot;:65},&quot;protectionSettings&quot;:{&quot;watermarkEnabled&quot;:&quot;T_FALSE&quot;,&quot;watermarkPosition&quot;:&quot;MIDDLE_CENTER&quot;,&quot;openWatermarkUrl&quot;:&quot;T_FALSE&quot;,&quot;openWatermarkWebPageInNewWindow&quot;:&quot;T_FALSE&quot;,&quot;displayAfterEnabled&quot;:&quot;T_FALSE&quot;,&quot;displayUntilEnabled&quot;:&quot;T_FALSE&quot;,&quot;domainRestrictionEnabled&quot;:&quot;T_FALSE&quot;,&quot;enablePassword&quot;:&quot;T_FALSE&quot;},&quot;videoSettings&quot;:{&quot;videoCompressionSettings&quot;:{&quot;audioQuality&quot;:70,&quot;videoQuality&quot;:75},&quot;secondsOnEachSlide&quot;:5,&quot;hostingSettings&quot;:{}},&quot;ispringOnlineSettings&quot;:{&quot;onlineDestinationFolderId&quot;:&quot;1&quot;},&quot;cloudSettings&quot;:{&quot;onlineDestinationFolderId&quot;:&quot;1&quot;},&quot;wordSettings&quot;:{&quot;printCopies&quot;:1},&quot;studioSettings&quot;:{&quot;onlineDestinationFolderId&quot;:&quot;1&quot;}}"/>
+  <p:tag name="ISPRING_SCORM_RATE_SLIDES" val="0"/>
+  <p:tag name="ISPRING_SCORM_RATE_QUIZZES" val="0"/>
+  <p:tag name="ISPRING_SCORM_PASSING_SCORE" val="0.000000"/>
+  <p:tag name="ISPRING_PRESENTATION_TITLE" val="EFWセキュリティ関連v0.2"/>
+</p:tagLst>
+</file>
+
+<file path=ppt/tags/tag10.xml><?xml version="1.0" encoding="utf-8"?>
+<p:tagLst xmlns:a="http://schemas.openxmlformats.org/drawingml/2006/main" xmlns:r="http://schemas.openxmlformats.org/officeDocument/2006/relationships" xmlns:p="http://schemas.openxmlformats.org/presentationml/2006/main">
+  <p:tag name="GENSWF_SLIDE_UID" val="{E3B3095D-F193-488A-8CF3-4B83F788E8D0}:434"/>
+</p:tagLst>
+</file>
+
+<file path=ppt/tags/tag11.xml><?xml version="1.0" encoding="utf-8"?>
+<p:tagLst xmlns:a="http://schemas.openxmlformats.org/drawingml/2006/main" xmlns:r="http://schemas.openxmlformats.org/officeDocument/2006/relationships" xmlns:p="http://schemas.openxmlformats.org/presentationml/2006/main">
+  <p:tag name="GENSWF_SLIDE_UID" val="{CBF09C95-B873-468C-8321-03D49C66E794}:435"/>
+</p:tagLst>
+</file>
+
+<file path=ppt/tags/tag12.xml><?xml version="1.0" encoding="utf-8"?>
+<p:tagLst xmlns:a="http://schemas.openxmlformats.org/drawingml/2006/main" xmlns:r="http://schemas.openxmlformats.org/officeDocument/2006/relationships" xmlns:p="http://schemas.openxmlformats.org/presentationml/2006/main">
+  <p:tag name="GENSWF_SLIDE_UID" val="{A3BEF6D8-F8D8-49D3-BF72-11126D07844A}:436"/>
+</p:tagLst>
+</file>
+
+<file path=ppt/tags/tag13.xml><?xml version="1.0" encoding="utf-8"?>
+<p:tagLst xmlns:a="http://schemas.openxmlformats.org/drawingml/2006/main" xmlns:r="http://schemas.openxmlformats.org/officeDocument/2006/relationships" xmlns:p="http://schemas.openxmlformats.org/presentationml/2006/main">
+  <p:tag name="GENSWF_SLIDE_UID" val="{0AD0AAB3-7093-4289-B60D-A14F46E7172A}:437"/>
+</p:tagLst>
+</file>
+
+<file path=ppt/tags/tag14.xml><?xml version="1.0" encoding="utf-8"?>
+<p:tagLst xmlns:a="http://schemas.openxmlformats.org/drawingml/2006/main" xmlns:r="http://schemas.openxmlformats.org/officeDocument/2006/relationships" xmlns:p="http://schemas.openxmlformats.org/presentationml/2006/main">
+  <p:tag name="GENSWF_SLIDE_UID" val="{22B123FF-755F-4DA0-BA9A-C20F34B60154}:438"/>
+</p:tagLst>
+</file>
+
+<file path=ppt/tags/tag15.xml><?xml version="1.0" encoding="utf-8"?>
+<p:tagLst xmlns:a="http://schemas.openxmlformats.org/drawingml/2006/main" xmlns:r="http://schemas.openxmlformats.org/officeDocument/2006/relationships" xmlns:p="http://schemas.openxmlformats.org/presentationml/2006/main">
+  <p:tag name="GENSWF_SLIDE_UID" val="{27E915BE-0D92-4106-9F87-6F8C756ED63B}:439"/>
+</p:tagLst>
+</file>
+
+<file path=ppt/tags/tag2.xml><?xml version="1.0" encoding="utf-8"?>
+<p:tagLst xmlns:a="http://schemas.openxmlformats.org/drawingml/2006/main" xmlns:r="http://schemas.openxmlformats.org/officeDocument/2006/relationships" xmlns:p="http://schemas.openxmlformats.org/presentationml/2006/main">
+  <p:tag name="GENSWF_SLIDE_UID" val="{A946005C-7580-49E2-ABC8-C2D7E4A38752}:392"/>
+</p:tagLst>
+</file>
+
+<file path=ppt/tags/tag3.xml><?xml version="1.0" encoding="utf-8"?>
+<p:tagLst xmlns:a="http://schemas.openxmlformats.org/drawingml/2006/main" xmlns:r="http://schemas.openxmlformats.org/officeDocument/2006/relationships" xmlns:p="http://schemas.openxmlformats.org/presentationml/2006/main">
+  <p:tag name="GENSWF_SLIDE_UID" val="{CD64CC23-97CA-44C9-9C0A-D8C6A02EEE3C}:417"/>
+</p:tagLst>
+</file>
+
+<file path=ppt/tags/tag4.xml><?xml version="1.0" encoding="utf-8"?>
+<p:tagLst xmlns:a="http://schemas.openxmlformats.org/drawingml/2006/main" xmlns:r="http://schemas.openxmlformats.org/officeDocument/2006/relationships" xmlns:p="http://schemas.openxmlformats.org/presentationml/2006/main">
+  <p:tag name="GENSWF_SLIDE_UID" val="{28820DFD-07D6-4CC6-9DAA-2C2FFA923B38}:406"/>
+</p:tagLst>
+</file>
+
+<file path=ppt/tags/tag5.xml><?xml version="1.0" encoding="utf-8"?>
+<p:tagLst xmlns:a="http://schemas.openxmlformats.org/drawingml/2006/main" xmlns:r="http://schemas.openxmlformats.org/officeDocument/2006/relationships" xmlns:p="http://schemas.openxmlformats.org/presentationml/2006/main">
+  <p:tag name="GENSWF_SLIDE_UID" val="{FBF27050-6804-4F5F-9AFC-5B1F47DACC73}:422"/>
+</p:tagLst>
+</file>
+
+<file path=ppt/tags/tag6.xml><?xml version="1.0" encoding="utf-8"?>
+<p:tagLst xmlns:a="http://schemas.openxmlformats.org/drawingml/2006/main" xmlns:r="http://schemas.openxmlformats.org/officeDocument/2006/relationships" xmlns:p="http://schemas.openxmlformats.org/presentationml/2006/main">
+  <p:tag name="GENSWF_SLIDE_UID" val="{A97A6F40-040F-4F86-9868-16675DA02270}:430"/>
+</p:tagLst>
+</file>
+
+<file path=ppt/tags/tag7.xml><?xml version="1.0" encoding="utf-8"?>
+<p:tagLst xmlns:a="http://schemas.openxmlformats.org/drawingml/2006/main" xmlns:r="http://schemas.openxmlformats.org/officeDocument/2006/relationships" xmlns:p="http://schemas.openxmlformats.org/presentationml/2006/main">
+  <p:tag name="GENSWF_SLIDE_UID" val="{6D0CC624-67CC-4FB2-AEFD-3D7EE09F71D3}:431"/>
+</p:tagLst>
+</file>
+
+<file path=ppt/tags/tag8.xml><?xml version="1.0" encoding="utf-8"?>
+<p:tagLst xmlns:a="http://schemas.openxmlformats.org/drawingml/2006/main" xmlns:r="http://schemas.openxmlformats.org/officeDocument/2006/relationships" xmlns:p="http://schemas.openxmlformats.org/presentationml/2006/main">
+  <p:tag name="GENSWF_SLIDE_UID" val="{790ADDFB-695D-4CD1-8154-37D8995DCA4C}:432"/>
+</p:tagLst>
+</file>
+
+<file path=ppt/tags/tag9.xml><?xml version="1.0" encoding="utf-8"?>
+<p:tagLst xmlns:a="http://schemas.openxmlformats.org/drawingml/2006/main" xmlns:r="http://schemas.openxmlformats.org/officeDocument/2006/relationships" xmlns:p="http://schemas.openxmlformats.org/presentationml/2006/main">
+  <p:tag name="GENSWF_SLIDE_UID" val="{D67492F2-59C3-4DF3-844F-B85EC4EE6CF6}:433"/>
 </p:tagLst>
 </file>
 
